--- a/PPT/Longest Common Subsequence.pptx
+++ b/PPT/Longest Common Subsequence.pptx
@@ -121,6 +121,1167 @@
     </p:ext>
   </p:extLst>
 </p:presentation>
+</file>
+
+<file path=ppt/ink/ink1.xml><?xml version="1.0" encoding="utf-8"?>
+<inkml:ink xmlns:inkml="http://www.w3.org/2003/InkML">
+  <inkml:definitions>
+    <inkml:context xml:id="ctx0">
+      <inkml:inkSource xml:id="inkSrc0">
+        <inkml:traceFormat>
+          <inkml:channel name="X" type="integer" min="-2.14748E9" max="2.14748E9" units="cm"/>
+          <inkml:channel name="Y" type="integer" min="-2.14748E9" max="2.14748E9" units="cm"/>
+        </inkml:traceFormat>
+        <inkml:channelProperties>
+          <inkml:channelProperty channel="X" name="resolution" value="1000" units="1/cm"/>
+          <inkml:channelProperty channel="Y" name="resolution" value="1000" units="1/cm"/>
+        </inkml:channelProperties>
+      </inkml:inkSource>
+      <inkml:timestamp xml:id="ts0" timeString="2020-04-13T18:10:01.685"/>
+    </inkml:context>
+    <inkml:brush xml:id="br0">
+      <inkml:brushProperty name="width" value="0.15875" units="cm"/>
+      <inkml:brushProperty name="height" value="0.15875" units="cm"/>
+      <inkml:brushProperty name="color" value="#FF0000"/>
+      <inkml:brushProperty name="ignorePressure" value="1"/>
+    </inkml:brush>
+  </inkml:definitions>
+  <inkml:trace contextRef="#ctx0" brushRef="#br0">396 117,'22'-8,"-1"-1,3-3,4-2,80-34,-93 42,-1 2,1 0,-1 0,1 1,0 1,1 1,-1 0,0 1,2 1,4 0,0 2,0 0,0 1,-1 2,0 0,6 3,146 64,-156-64,-1 0,0 1,0 0,-1 1,-1 1,0 0,0 1,2 4,-9-9,0 1,0 0,0 0,-1 0,-1 1,1-1,-1 1,-1 0,0 1,-1-1,0 0,0 1,-1 0,0-1,-1 7,-2 7,0 1,-1 0,-1-1,-2 0,0 0,-2 2,4-15,0-1,0 0,0 0,-2 0,1-1,-1 0,-2 2,3-5,0 0,0 0,-1-1,0 0,0 0,-1 0,1-1,-1 0,0-1,-4 2,-2 1,-1-2,0 1,0-2,0 0,0-1,-75 6,40-4,-63 9,-1 6,73-10,-22 8,-4 2,-76 13,-14-4,-27 0,167-26,14-3,2 0,19-5,-5 1,6-2,0-1,-1-1,0-1,0 0,-1-1,0-1,1-3,-15 12,20-17,1 0,1 2,14-7,-26 17,0 0,-1-1,10-8,-18 13,0-1,0 0,0 0,-1 0,1-1,-2 0,1 0,0 0,0-3,-3 8,-1 0,1 0,-1 0,1 0,-1 0,0 0,0 0,0 0,1 0,-1 0,0 0,0 0,0 0,-1 0,1-1,0 2,0 0,0-1,0 1,-1 0,1-1,0 1,0 0,-1-1,1 1,0 0,0 0,-1-1,1 1,0 0,-1 0,1 0,0-1,-1 1,1 0,0 0,-1 0,1 0,-1 0,1 0,0 0,-1 0,-1 0,0 0,0 0,0 0,-1 1,1-1,0 1,0-1,0 1,0 0,0 0,0 0,-1 1,-20 13,-12 12,12-9,-10 5,24-18,1 0,-1-1,0 0,-1 0,-8 2,7-4,-13 5,23-7,0 0,-1 1,1 0,0-1,0 1,-1 0,1 0,0-1,0 1,0 0,0 0,0 0,0 1,0-2,1 1,0-1,0 1,0-1,0 0,-1 1,1-1,0 1,0-1,0 1,0-1,0 1,0-1,0 1,0-1,0 1,0-1,0 0,1 1,-1-1,0 1,0-1,0 1,1-1,-1 0,0 1,0-1,1 0,-1 1,1-1,13 11,-1-4,0-1,0-1,1 0,9 2,59 11,-45-11,28 9,-53-12,-1 0,1 1,-1 0,0 1,0 0,-1 1,4 3,5 6</inkml:trace>
+</inkml:ink>
+</file>
+
+<file path=ppt/ink/ink10.xml><?xml version="1.0" encoding="utf-8"?>
+<inkml:ink xmlns:inkml="http://www.w3.org/2003/InkML">
+  <inkml:definitions>
+    <inkml:context xml:id="ctx0">
+      <inkml:inkSource xml:id="inkSrc0">
+        <inkml:traceFormat>
+          <inkml:channel name="X" type="integer" min="-2.14748E9" max="2.14748E9" units="cm"/>
+          <inkml:channel name="Y" type="integer" min="-2.14748E9" max="2.14748E9" units="cm"/>
+        </inkml:traceFormat>
+        <inkml:channelProperties>
+          <inkml:channelProperty channel="X" name="resolution" value="1000" units="1/cm"/>
+          <inkml:channelProperty channel="Y" name="resolution" value="1000" units="1/cm"/>
+        </inkml:channelProperties>
+      </inkml:inkSource>
+      <inkml:timestamp xml:id="ts0" timeString="2020-04-13T18:10:16.149"/>
+    </inkml:context>
+    <inkml:brush xml:id="br0">
+      <inkml:brushProperty name="width" value="0.15875" units="cm"/>
+      <inkml:brushProperty name="height" value="0.15875" units="cm"/>
+      <inkml:brushProperty name="color" value="#FF0000"/>
+      <inkml:brushProperty name="ignorePressure" value="1"/>
+    </inkml:brush>
+  </inkml:definitions>
+  <inkml:trace contextRef="#ctx0" brushRef="#br0">613 215,'-58'0,"1"-3,-9-4,41 4,0 1,1 0,-1 2,0 1,0 1,-10 3,24-3,0 1,1 0,-1 0,1 1,0 0,0 1,1 0,-1 0,1 1,0 1,1-1,-1 2,1-1,1 1,-7 7,2 2,0 0,2 0,0 1,0 1,-5 16,10-20,0 0,2 0,-1 0,2 0,0 0,1 1,0 0,1 1,1-8,1 0,-1 0,1 0,1 0,0-1,0 1,1-1,0 0,0 1,1-2,0 1,5 7,0-1,2-1,-1 0,2-1,4 4,4 0,0 0,2-2,4 2,-5-3,68 40,32 10,-84-47,1-1,19 4,81 17,23 7,-126-30,4 3,24 10,7-5,2-3,52 5,-107-19,20 2,-1-1,1-2,0-1,27-4,-59 2,1-1,-1 0,0 0,1-1,-1 0,0 0,0 0,-1-1,1 0,0 0,-1-1,0 1,2-3,0 0,-1 0,0 0,0-1,0 0,-1 0,-1-1,1 0,-1 0,1-1,2-7,0-1,0 1,-2-1,0 0,-1 0,0-1,0-15,-2 6,-2-1,-1 1,-2-13,0 22,0 0,-1 1,-1-1,-1 1,-5-12,-8-12,-2 1,-1 1,-2 1,-2 2,-1 0,-2 1,-1 2,-2 2,-1 0,-17-11,-22-8,-2 3,-46-20,73 41,-11-5,-14-3,47 23,0 2,0 1,-1 1,-11-1,19 5</inkml:trace>
+</inkml:ink>
+</file>
+
+<file path=ppt/ink/ink11.xml><?xml version="1.0" encoding="utf-8"?>
+<inkml:ink xmlns:inkml="http://www.w3.org/2003/InkML">
+  <inkml:definitions>
+    <inkml:context xml:id="ctx0">
+      <inkml:inkSource xml:id="inkSrc0">
+        <inkml:traceFormat>
+          <inkml:channel name="X" type="integer" min="-2.14748E9" max="2.14748E9" units="cm"/>
+          <inkml:channel name="Y" type="integer" min="-2.14748E9" max="2.14748E9" units="cm"/>
+        </inkml:traceFormat>
+        <inkml:channelProperties>
+          <inkml:channelProperty channel="X" name="resolution" value="1000" units="1/cm"/>
+          <inkml:channelProperty channel="Y" name="resolution" value="1000" units="1/cm"/>
+        </inkml:channelProperties>
+      </inkml:inkSource>
+      <inkml:timestamp xml:id="ts0" timeString="2020-04-13T18:10:17.253"/>
+    </inkml:context>
+    <inkml:brush xml:id="br0">
+      <inkml:brushProperty name="width" value="0.15875" units="cm"/>
+      <inkml:brushProperty name="height" value="0.15875" units="cm"/>
+      <inkml:brushProperty name="color" value="#FF0000"/>
+      <inkml:brushProperty name="ignorePressure" value="1"/>
+    </inkml:brush>
+  </inkml:definitions>
+  <inkml:trace contextRef="#ctx0" brushRef="#br0">1288 187,'-1'-1,"1"0,0 0,0 1,0-1,-1 0,1 0,0 1,0-1,-1 0,1 1,-1-1,1 1,-1-1,1 0,-1 1,1-1,-1 1,1-1,-1 1,-15-10,10 7,-22-11,-1 1,-1 1,0 2,0 0,-2 2,-159-29,181 36,-180-27,-74 3,235 23,0 1,0 2,0 1,0 1,-24 7,42-8,0 1,0 1,1 0,-1 0,1 1,0 1,0-1,0 2,1-1,0 1,0 1,1-1,0 2,1-1,-1 1,0 2,-1 3,1 0,1 1,0 0,1 0,0 0,2 1,-1 0,0 13,1 1,1 0,2 1,1-1,2 10,-1-27,1 1,0-1,1 0,0 0,1-1,1 1,0-1,0 0,7 11,-2-9,0 1,0-2,2 1,-1-2,2 1,0-1,6 3,74 53,73 37,-149-94,35 20,36 13,-57-29</inkml:trace>
+</inkml:ink>
+</file>
+
+<file path=ppt/ink/ink12.xml><?xml version="1.0" encoding="utf-8"?>
+<inkml:ink xmlns:inkml="http://www.w3.org/2003/InkML">
+  <inkml:definitions>
+    <inkml:context xml:id="ctx0">
+      <inkml:inkSource xml:id="inkSrc0">
+        <inkml:traceFormat>
+          <inkml:channel name="X" type="integer" min="-2.14748E9" max="2.14748E9" units="cm"/>
+          <inkml:channel name="Y" type="integer" min="-2.14748E9" max="2.14748E9" units="cm"/>
+        </inkml:traceFormat>
+        <inkml:channelProperties>
+          <inkml:channelProperty channel="X" name="resolution" value="1000" units="1/cm"/>
+          <inkml:channelProperty channel="Y" name="resolution" value="1000" units="1/cm"/>
+        </inkml:channelProperties>
+      </inkml:inkSource>
+      <inkml:timestamp xml:id="ts0" timeString="2020-04-13T18:10:18.438"/>
+    </inkml:context>
+    <inkml:brush xml:id="br0">
+      <inkml:brushProperty name="width" value="0.15875" units="cm"/>
+      <inkml:brushProperty name="height" value="0.15875" units="cm"/>
+      <inkml:brushProperty name="color" value="#FF0000"/>
+      <inkml:brushProperty name="ignorePressure" value="1"/>
+    </inkml:brush>
+  </inkml:definitions>
+  <inkml:trace contextRef="#ctx0" brushRef="#br0">1 0,'15'1,"0"0,1 0,-1 2,0 0,8 3,3 3,0 1,16 9,-21-8,-1 1,-1 2,-1 0,8 7,4 3,-24-19,1 0,0 1,0 0,0 0,-1 1,0 0,-5-6,-1-1,1 1,-1-1,0 1,1-1,-1 1,0-1,1 1,-1-1,0 1,0 0,1-1,-1 1,0 0,0-1,0 1,0-1,0 1,0 0,0-1,0 1,0 0,0-1,-1 1,1 0,0-1,0 1,0-1,-1 1,1 0,0-1,-1 1,1-1,-1 1,1-1,0 1,-1-1,1 0,-1 1,1-1,-1 1,0-1,1 0,-1 0,1 1,-1-1,0 0,-3 2,-1-1,1 1,-1-1,1 0,-6 0,-235 21,204-20</inkml:trace>
+</inkml:ink>
+</file>
+
+<file path=ppt/ink/ink13.xml><?xml version="1.0" encoding="utf-8"?>
+<inkml:ink xmlns:inkml="http://www.w3.org/2003/InkML">
+  <inkml:definitions>
+    <inkml:context xml:id="ctx0">
+      <inkml:inkSource xml:id="inkSrc0">
+        <inkml:traceFormat>
+          <inkml:channel name="X" type="integer" min="-2.14748E9" max="2.14748E9" units="cm"/>
+          <inkml:channel name="Y" type="integer" min="-2.14748E9" max="2.14748E9" units="cm"/>
+        </inkml:traceFormat>
+        <inkml:channelProperties>
+          <inkml:channelProperty channel="X" name="resolution" value="1000" units="1/cm"/>
+          <inkml:channelProperty channel="Y" name="resolution" value="1000" units="1/cm"/>
+        </inkml:channelProperties>
+      </inkml:inkSource>
+      <inkml:timestamp xml:id="ts0" timeString="2020-04-13T18:10:20.541"/>
+    </inkml:context>
+    <inkml:brush xml:id="br0">
+      <inkml:brushProperty name="width" value="0.15875" units="cm"/>
+      <inkml:brushProperty name="height" value="0.15875" units="cm"/>
+      <inkml:brushProperty name="color" value="#FF0000"/>
+      <inkml:brushProperty name="ignorePressure" value="1"/>
+    </inkml:brush>
+  </inkml:definitions>
+  <inkml:trace contextRef="#ctx0" brushRef="#br0">767 1,'-79'0,"-90"1,142 0,0 2,-1 1,1 1,1 2,-1 0,1 2,0 1,1 0,0 2,1 2,0 0,1 1,1 1,0 1,2 1,-3 3,13-10,0 0,1 1,0 0,1 1,1-1,-1 2,2-1,0 1,1 0,-1 4,3-8,0 2,1-1,0 0,1 0,0 1,1-1,0 0,1 1,0-1,1 0,0 0,1 0,2 8,24 47,3 0,27 39,-47-84,44 73,-51-87,1 0,-1 0,1-1,0 0,1 0,-1 0,1-1,0 0,1 0,-1-1,9 4,12 4,1-1,22 5,-34-11,131 37,136 20,-213-48,-2 3,2 3,-23-6,0-3,0-2,1-2,0-2,7-2,15-3,1-2,-1-4,14-5,-73 9,-1 0,1-1,-1 0,11-4,-18 5,-1 0,1 1,-1-1,1-1,-1 1,0-1,1 1,-1-1,-1 0,1 0,0 0,-1 0,1-1,-1 1,1-3,3-9,0 0,-1-1,3-15,3-11,-2 14,-2-2,-1 1,-1-1,0-11,-4 26,-1-1,0 1,-1 0,-1-1,0 1,-1 0,-1 0,0 0,-3-6,-11-19,-1 1,-2 1,-24-33,34 55,-9-14,-1 1,-21-21,13 20,-1 1,-1 1,-2 2,0 1,-2 2,-22-10,32 21,-1 2,-1 1,1 1,-2 1,-38-12,-24-14,68 25</inkml:trace>
+</inkml:ink>
+</file>
+
+<file path=ppt/ink/ink14.xml><?xml version="1.0" encoding="utf-8"?>
+<inkml:ink xmlns:inkml="http://www.w3.org/2003/InkML">
+  <inkml:definitions>
+    <inkml:context xml:id="ctx0">
+      <inkml:inkSource xml:id="inkSrc0">
+        <inkml:traceFormat>
+          <inkml:channel name="X" type="integer" min="-2.14748E9" max="2.14748E9" units="cm"/>
+          <inkml:channel name="Y" type="integer" min="-2.14748E9" max="2.14748E9" units="cm"/>
+        </inkml:traceFormat>
+        <inkml:channelProperties>
+          <inkml:channelProperty channel="X" name="resolution" value="1000" units="1/cm"/>
+          <inkml:channelProperty channel="Y" name="resolution" value="1000" units="1/cm"/>
+        </inkml:channelProperties>
+      </inkml:inkSource>
+      <inkml:timestamp xml:id="ts0" timeString="2020-04-13T18:10:21.756"/>
+    </inkml:context>
+    <inkml:brush xml:id="br0">
+      <inkml:brushProperty name="width" value="0.15875" units="cm"/>
+      <inkml:brushProperty name="height" value="0.15875" units="cm"/>
+      <inkml:brushProperty name="color" value="#FF0000"/>
+      <inkml:brushProperty name="ignorePressure" value="1"/>
+    </inkml:brush>
+  </inkml:definitions>
+  <inkml:trace contextRef="#ctx0" brushRef="#br0">1 51,'3'-2,"0"-1,1 0,-1 1,1 0,0 0,0 0,-1 0,1 0,1 1,38-10,-42 10,30-5,1 2,22-1,67 2,-96 3,30 0,23 4,-58-2,0 1,-1 1,1 1,-1 0,11 5,-23-6,0-1,-1 1,1 0,-1 1,0-1,0 1,-1 1,0-1,0 1,3 3,7 11,-1 1,5 13,-10-18,-2 1,1-1,-2 2,-1-1,0 1,-1 0,-1 0,0 3,0 22,-1-1,-2 0,-2 0,1-31,0-1,0 0,-1 1,-1-1,0 0,0 0,-1 0,0-1,0 1,-1-1,-1 0,0 0,1-2,-1 0,0 0,0-1,-1 0,0 0,0 0,-1-1,1 0,-1 0,0-1,0 0,-1-1,-7 3,-2-1,-1-1,1 0,-1-2,-13 1,-76-3,78 0,-10-1</inkml:trace>
+</inkml:ink>
+</file>
+
+<file path=ppt/ink/ink15.xml><?xml version="1.0" encoding="utf-8"?>
+<inkml:ink xmlns:inkml="http://www.w3.org/2003/InkML">
+  <inkml:definitions>
+    <inkml:context xml:id="ctx0">
+      <inkml:inkSource xml:id="inkSrc0">
+        <inkml:traceFormat>
+          <inkml:channel name="X" type="integer" min="-2.14748E9" max="2.14748E9" units="cm"/>
+          <inkml:channel name="Y" type="integer" min="-2.14748E9" max="2.14748E9" units="cm"/>
+        </inkml:traceFormat>
+        <inkml:channelProperties>
+          <inkml:channelProperty channel="X" name="resolution" value="1000" units="1/cm"/>
+          <inkml:channelProperty channel="Y" name="resolution" value="1000" units="1/cm"/>
+        </inkml:channelProperties>
+      </inkml:inkSource>
+      <inkml:timestamp xml:id="ts0" timeString="2020-04-13T18:10:23.925"/>
+    </inkml:context>
+    <inkml:brush xml:id="br0">
+      <inkml:brushProperty name="width" value="0.15875" units="cm"/>
+      <inkml:brushProperty name="height" value="0.15875" units="cm"/>
+      <inkml:brushProperty name="color" value="#FF0000"/>
+      <inkml:brushProperty name="ignorePressure" value="1"/>
+    </inkml:brush>
+  </inkml:definitions>
+  <inkml:trace contextRef="#ctx0" brushRef="#br0">302 0,'-43'1,"-1"2,-41 9,76-10,0 0,1 0,-1 1,1 0,-1 1,1 0,0 0,-7 5,12-6,-1 0,0 0,1 0,0 0,0 0,0 1,0-1,0 1,1 0,-1 0,1 0,0 0,0 0,1 1,-1-1,1 0,0 1,0 1,1-3,0-1,0 1,0-1,0 1,0-1,1 1,0-1,-1 1,1-1,0 0,0 0,0 1,1-1,-1 0,0 0,1 0,-1 0,1 0,0 0,0-1,0 1,-1 0,3 0,3 3,1 0,0-1,-1 0,2 0,-1-1,2 0,25 7,0-2,0-1,1-2,0-1,16-1,-45-3,0 0,1 1,-1 0,0 0,0 1,0 0,1 1,7 4</inkml:trace>
+</inkml:ink>
+</file>
+
+<file path=ppt/ink/ink16.xml><?xml version="1.0" encoding="utf-8"?>
+<inkml:ink xmlns:inkml="http://www.w3.org/2003/InkML">
+  <inkml:definitions>
+    <inkml:context xml:id="ctx0">
+      <inkml:inkSource xml:id="inkSrc0">
+        <inkml:traceFormat>
+          <inkml:channel name="X" type="integer" min="-2.14748E9" max="2.14748E9" units="cm"/>
+          <inkml:channel name="Y" type="integer" min="-2.14748E9" max="2.14748E9" units="cm"/>
+        </inkml:traceFormat>
+        <inkml:channelProperties>
+          <inkml:channelProperty channel="X" name="resolution" value="1000" units="1/cm"/>
+          <inkml:channelProperty channel="Y" name="resolution" value="1000" units="1/cm"/>
+        </inkml:channelProperties>
+      </inkml:inkSource>
+      <inkml:timestamp xml:id="ts0" timeString="2020-04-13T18:12:40.796"/>
+    </inkml:context>
+    <inkml:brush xml:id="br0">
+      <inkml:brushProperty name="width" value="0.15875" units="cm"/>
+      <inkml:brushProperty name="height" value="0.15875" units="cm"/>
+      <inkml:brushProperty name="color" value="#FF0000"/>
+      <inkml:brushProperty name="ignorePressure" value="1"/>
+    </inkml:brush>
+  </inkml:definitions>
+  <inkml:trace contextRef="#ctx0" brushRef="#br0">1696 12,'-221'-6,"-35"0,185 11,1 3,-57 14,73-13,-177 21,165-23,49-4,-1 0,1 1,0 1,1 0,-1 1,-9 5,-4 5,0 1,-24 18,9-5,-15 4,18-11,-36 27,65-40,1-1,0 2,1 0,1 0,-1 1,2 0,-9 13,12-15,1 1,0 0,1-1,0 2,1-1,0 0,1 1,0-1,1 1,0-1,0 7,2-7,-1 0,1 0,1 0,0 0,0 0,1-1,1 1,0-1,0 1,1-1,6 9,-4-10,0 1,1-1,0-1,0 0,1 0,0 0,1-1,0-1,0 0,0 0,1 0,25 10,1-1,24 5,-52-17,217 61,-179-52,58 13,46 2,109 6,-113-21,-46-5,56 13,-47-3,1-5,35-4,221-7,-201-2,-101 2,-14 0,0-2,-1-2,10-3,-47 3,0 0,1-1,-1 0,0-1,-1-1,1 0,-1 0,-1-1,1-1,-1 0,0-1,2-3,1-1,-2 0,0-2,0 1,-1-2,-1 1,-1-1,0-1,5-15,-5 10,-1-1,-1 0,0-3,-5 16,0 0,0-1,-1 1,-1-1,0 1,0-1,-1 1,-2-6,2 9,-2 0,1 0,-1 0,0 0,-1 0,1 0,-2-1,-10-13,-8-9,14 19,-8-9,-1 0,-1 2,0 0,-1 2,-1 0,-7-3,-29-16,-52-23,49 30,-24-5,20 9,-12-9,47 18,0 2,-1 1,-1 1,0 2,-1 1,0 2,-21-2,-143-4,158 7,-5-2,11 1,-24 0,10 5,0 3,-45 6,75-6</inkml:trace>
+</inkml:ink>
+</file>
+
+<file path=ppt/ink/ink17.xml><?xml version="1.0" encoding="utf-8"?>
+<inkml:ink xmlns:inkml="http://www.w3.org/2003/InkML">
+  <inkml:definitions>
+    <inkml:context xml:id="ctx0">
+      <inkml:inkSource xml:id="inkSrc0">
+        <inkml:traceFormat>
+          <inkml:channel name="X" type="integer" min="-2.14748E9" max="2.14748E9" units="cm"/>
+          <inkml:channel name="Y" type="integer" min="-2.14748E9" max="2.14748E9" units="cm"/>
+        </inkml:traceFormat>
+        <inkml:channelProperties>
+          <inkml:channelProperty channel="X" name="resolution" value="1000" units="1/cm"/>
+          <inkml:channelProperty channel="Y" name="resolution" value="1000" units="1/cm"/>
+        </inkml:channelProperties>
+      </inkml:inkSource>
+      <inkml:timestamp xml:id="ts0" timeString="2020-04-13T18:12:42.860"/>
+    </inkml:context>
+    <inkml:brush xml:id="br0">
+      <inkml:brushProperty name="width" value="0.15875" units="cm"/>
+      <inkml:brushProperty name="height" value="0.15875" units="cm"/>
+      <inkml:brushProperty name="color" value="#FF0000"/>
+      <inkml:brushProperty name="ignorePressure" value="1"/>
+    </inkml:brush>
+  </inkml:definitions>
+  <inkml:trace contextRef="#ctx0" brushRef="#br0">1363 14,'-26'-5,"-1"1,1 2,-1 1,-8 1,8 0,-8-1,0 2,0 1,0 2,0 1,-3 3,-295 88,232-62,-15 11,67-21,2 2,0 2,-11 12,28-18,1 2,2 1,1 1,0 1,-8 15,27-32,0-1,1 1,0 0,1 0,0 1,0-1,1 1,1 0,0 0,0 1,1-1,1 1,0-1,0 1,1-1,1 1,0-1,0 1,1-1,1 0,0 1,0-1,1 0,2 3,1-1,0 1,2-1,-1 0,1-1,1 0,0 0,1-1,0 0,1-1,0-1,5 3,14 9,1-3,0 0,1-2,9 1,4 1,1-3,48 9,99 10,-45-18,37 7,-126-13,76 11,66 1,-97-17,72 5,39 12,-115-9,91 0,-2-2,26 1,-175-12,0-2,0-2,-1-1,11-4,-34 5,-1-1,0 0,0-1,0 0,-1-1,0-1,0-1,-1 0,1-1,-9 5,1-1,-1 0,0 0,-1 0,1 0,-1-1,-1 0,1 0,-1-1,0 1,-1-1,0 1,0-1,0 0,-1-1,-1 1,1 0,-1 0,-1-3,1-9,-2 0,0 0,-1 0,-1 0,-1 0,-1 0,-1 1,0 0,-1 0,-2 0,1 1,-2 1,-1-1,0 2,-1-1,-6-5,-2 0,-1 0,-1 2,-1 0,-1 2,-3-2,-20-10,-2 1,-16-5,-32-10,-31-8,-102-28,210 74,-26-10,0-1,-10-7,18 4,16 8,0 1,-15-4,9 5,-45-17,-2 4,-45-7,75 24,1 2,-41 2,-5 0,17-2,44 2</inkml:trace>
+</inkml:ink>
+</file>
+
+<file path=ppt/ink/ink18.xml><?xml version="1.0" encoding="utf-8"?>
+<inkml:ink xmlns:inkml="http://www.w3.org/2003/InkML">
+  <inkml:definitions>
+    <inkml:context xml:id="ctx0">
+      <inkml:inkSource xml:id="inkSrc0">
+        <inkml:traceFormat>
+          <inkml:channel name="X" type="integer" min="-2.14748E9" max="2.14748E9" units="cm"/>
+          <inkml:channel name="Y" type="integer" min="-2.14748E9" max="2.14748E9" units="cm"/>
+        </inkml:traceFormat>
+        <inkml:channelProperties>
+          <inkml:channelProperty channel="X" name="resolution" value="1000" units="1/cm"/>
+          <inkml:channelProperty channel="Y" name="resolution" value="1000" units="1/cm"/>
+        </inkml:channelProperties>
+      </inkml:inkSource>
+      <inkml:timestamp xml:id="ts0" timeString="2020-04-13T18:12:44.500"/>
+    </inkml:context>
+    <inkml:brush xml:id="br0">
+      <inkml:brushProperty name="width" value="0.15875" units="cm"/>
+      <inkml:brushProperty name="height" value="0.15875" units="cm"/>
+      <inkml:brushProperty name="color" value="#FF0000"/>
+      <inkml:brushProperty name="ignorePressure" value="1"/>
+    </inkml:brush>
+  </inkml:definitions>
+  <inkml:trace contextRef="#ctx0" brushRef="#br0">1 450,'0'-7,"0"-3,0-1,0 1,1 0,1 0,0 0,2-9,3 2,1-1,1 1,0 0,1 1,1 0,0 0,1 2,1-1,0 1,13-9,8-5,2 2,0 1,2 2,7-1,-29 15,1 2,1 0,-1 1,1 1,0 1,1 0,5 1,29-2,48 1,-84 4,0 1,1 0,-1 1,0 1,0 1,-1 0,1 1,-1 1,0 1,0 0,10 6,0 1,-1 1,2 3,-7-2</inkml:trace>
+</inkml:ink>
+</file>
+
+<file path=ppt/ink/ink19.xml><?xml version="1.0" encoding="utf-8"?>
+<inkml:ink xmlns:inkml="http://www.w3.org/2003/InkML">
+  <inkml:definitions>
+    <inkml:context xml:id="ctx0">
+      <inkml:inkSource xml:id="inkSrc0">
+        <inkml:traceFormat>
+          <inkml:channel name="X" type="integer" min="-2.14748E9" max="2.14748E9" units="cm"/>
+          <inkml:channel name="Y" type="integer" min="-2.14748E9" max="2.14748E9" units="cm"/>
+        </inkml:traceFormat>
+        <inkml:channelProperties>
+          <inkml:channelProperty channel="X" name="resolution" value="1000" units="1/cm"/>
+          <inkml:channelProperty channel="Y" name="resolution" value="1000" units="1/cm"/>
+        </inkml:channelProperties>
+      </inkml:inkSource>
+      <inkml:timestamp xml:id="ts0" timeString="2020-04-13T18:12:46.005"/>
+    </inkml:context>
+    <inkml:brush xml:id="br0">
+      <inkml:brushProperty name="width" value="0.15875" units="cm"/>
+      <inkml:brushProperty name="height" value="0.15875" units="cm"/>
+      <inkml:brushProperty name="color" value="#FF0000"/>
+      <inkml:brushProperty name="ignorePressure" value="1"/>
+    </inkml:brush>
+  </inkml:definitions>
+  <inkml:trace contextRef="#ctx0" brushRef="#br0">221 1,'30'35,"-21"-23,1-1,0-1,3 2,31 24,39 22,-4-4,-25-15,47 25,-86-56,-5-3,-1 0,0 1,0 0,0 1,-9-7,1 1,-1-1,0 0,1 1,-1-1,1 1,-1-1,0 1,1-1,-1 1,0-1,0 1,0-1,1 1,-1 0,0-1,0 0,0 0,0 1,0-1,0 0,0 0,0 1,0-1,-1 0,1 0,0 0,0 1,0-1,0 0,0 0,0 0,-1 1,1-1,0 0,0 0,0 0,-1 0,1 1,0-1,-16 5,-10-2,0-1,0-1,0-2,-5-1,-6 1,-131-10,-2-8,15 2,119 13</inkml:trace>
+</inkml:ink>
+</file>
+
+<file path=ppt/ink/ink2.xml><?xml version="1.0" encoding="utf-8"?>
+<inkml:ink xmlns:inkml="http://www.w3.org/2003/InkML">
+  <inkml:definitions>
+    <inkml:context xml:id="ctx0">
+      <inkml:inkSource xml:id="inkSrc0">
+        <inkml:traceFormat>
+          <inkml:channel name="X" type="integer" min="-2.14748E9" max="2.14748E9" units="cm"/>
+          <inkml:channel name="Y" type="integer" min="-2.14748E9" max="2.14748E9" units="cm"/>
+        </inkml:traceFormat>
+        <inkml:channelProperties>
+          <inkml:channelProperty channel="X" name="resolution" value="1000" units="1/cm"/>
+          <inkml:channelProperty channel="Y" name="resolution" value="1000" units="1/cm"/>
+        </inkml:channelProperties>
+      </inkml:inkSource>
+      <inkml:timestamp xml:id="ts0" timeString="2020-04-13T18:09:55.733"/>
+    </inkml:context>
+    <inkml:brush xml:id="br0">
+      <inkml:brushProperty name="width" value="0.15875" units="cm"/>
+      <inkml:brushProperty name="height" value="0.15875" units="cm"/>
+      <inkml:brushProperty name="color" value="#FF0000"/>
+      <inkml:brushProperty name="ignorePressure" value="1"/>
+    </inkml:brush>
+  </inkml:definitions>
+  <inkml:trace contextRef="#ctx0" brushRef="#br0">638 76,'-5'-2,"0"0,-1 0,1 1,-1 0,0 0,1 1,-1 0,0 0,1 0,-4 1,-5-1,-4 0,-42 1,-37 6,87-5,1 0,-1 0,0 1,1 0,0 1,0 0,0 0,0 1,-1 1,-6 5,0 1,0 1,2 1,-1 0,-43 39,-6 5,54-48,0 1,1 1,0 0,-6 10,10-13,0 0,0 0,1 1,0-1,1 1,0 0,0 0,1 0,1 0,-1 10,2-17,-2 31,4 29,-1-53,0 1,1 0,0-1,1 1,0-1,1 0,4 9,-3-9,0-1,0 1,1-1,0-1,1 1,0-1,0 0,1 0,0-1,0 0,1-1,0 1,0-2,3 2,48 20,57 17,-32-14,-51-17,25 10,1-2,24 3,19-3,2-3,85 1,51 7,-117-11,46-3,215-14,-382 2,37-2,0-2,19-4,-47 5,0 0,0 0,0-1,0-1,-1 0,0 0,0-1,-1-1,1 1,0-3,0 0,-1 0,-1-1,0 0,0 0,-1-1,0 0,-1-1,-1 1,1-1,-2-1,0 1,0-1,-1 0,-1 0,0 0,-1-1,0 1,-1-1,-1 1,0-2,0 3,-1-28,-2-14,1 41,0 0,-1 0,0 0,-1 0,-1 1,0-1,-1 0,-1 0,-1 0,0 1,0 0,-2 0,1 1,-1 0,-1 1,0 0,0 1,-12-7,-14-10,-8-5,-33-17,33 23,-7-4,-14-3,-14-5,-33-14,86 41,-1 0,0 2,-7 0,-232-40,-16 10,157 30,-92 6,108 3,85-1,0 2,0 0,0 1,0 2,1 0,0 2,-1 1,-1 2</inkml:trace>
+</inkml:ink>
+</file>
+
+<file path=ppt/ink/ink20.xml><?xml version="1.0" encoding="utf-8"?>
+<inkml:ink xmlns:inkml="http://www.w3.org/2003/InkML">
+  <inkml:definitions>
+    <inkml:context xml:id="ctx0">
+      <inkml:inkSource xml:id="inkSrc0">
+        <inkml:traceFormat>
+          <inkml:channel name="X" type="integer" min="-2.14748E9" max="2.14748E9" units="cm"/>
+          <inkml:channel name="Y" type="integer" min="-2.14748E9" max="2.14748E9" units="cm"/>
+        </inkml:traceFormat>
+        <inkml:channelProperties>
+          <inkml:channelProperty channel="X" name="resolution" value="1000" units="1/cm"/>
+          <inkml:channelProperty channel="Y" name="resolution" value="1000" units="1/cm"/>
+        </inkml:channelProperties>
+      </inkml:inkSource>
+      <inkml:timestamp xml:id="ts0" timeString="2020-04-13T18:13:50.389"/>
+    </inkml:context>
+    <inkml:brush xml:id="br0">
+      <inkml:brushProperty name="width" value="0.15875" units="cm"/>
+      <inkml:brushProperty name="height" value="0.15875" units="cm"/>
+      <inkml:brushProperty name="color" value="#FF0000"/>
+      <inkml:brushProperty name="ignorePressure" value="1"/>
+    </inkml:brush>
+  </inkml:definitions>
+  <inkml:trace contextRef="#ctx0" brushRef="#br0">1696 12,'-221'-6,"-35"0,185 11,1 3,-57 14,73-13,-177 21,165-23,49-4,-1 0,1 1,0 1,1 0,-1 1,-9 5,-4 5,0 1,-24 18,9-5,-15 4,18-11,-36 27,65-40,1-1,0 2,1 0,1 0,-1 1,2 0,-9 13,12-15,1 1,0 0,1-1,0 2,1-1,0 0,1 1,0-1,1 1,0-1,0 7,2-7,-1 0,1 0,1 0,0 0,0 0,1-1,1 1,0-1,0 1,1-1,6 9,-4-10,0 1,1-1,0-1,0 0,1 0,0 0,1-1,0-1,0 0,0 0,1 0,25 10,1-1,24 5,-52-17,217 61,-179-52,58 13,46 2,109 6,-113-21,-46-5,56 13,-47-3,1-5,35-4,221-7,-201-2,-101 2,-14 0,0-2,-1-2,10-3,-47 3,0 0,1-1,-1 0,0-1,-1-1,1 0,-1 0,-1-1,1-1,-1 0,0-1,2-3,1-1,-2 0,0-2,0 1,-1-2,-1 1,-1-1,0-1,5-15,-5 10,-1-1,-1 0,0-3,-5 16,0 0,0-1,-1 1,-1-1,0 1,0-1,-1 1,-2-6,2 9,-2 0,1 0,-1 0,0 0,-1 0,1 0,-2-1,-10-13,-8-9,14 19,-8-9,-1 0,-1 2,0 0,-1 2,-1 0,-7-3,-29-16,-52-23,49 30,-24-5,20 9,-12-9,47 18,0 2,-1 1,-1 1,0 2,-1 1,0 2,-21-2,-143-4,158 7,-5-2,11 1,-24 0,10 5,0 3,-45 6,75-6</inkml:trace>
+</inkml:ink>
+</file>
+
+<file path=ppt/ink/ink21.xml><?xml version="1.0" encoding="utf-8"?>
+<inkml:ink xmlns:inkml="http://www.w3.org/2003/InkML">
+  <inkml:definitions>
+    <inkml:context xml:id="ctx0">
+      <inkml:inkSource xml:id="inkSrc0">
+        <inkml:traceFormat>
+          <inkml:channel name="X" type="integer" min="-2.14748E9" max="2.14748E9" units="cm"/>
+          <inkml:channel name="Y" type="integer" min="-2.14748E9" max="2.14748E9" units="cm"/>
+        </inkml:traceFormat>
+        <inkml:channelProperties>
+          <inkml:channelProperty channel="X" name="resolution" value="1000" units="1/cm"/>
+          <inkml:channelProperty channel="Y" name="resolution" value="1000" units="1/cm"/>
+        </inkml:channelProperties>
+      </inkml:inkSource>
+      <inkml:timestamp xml:id="ts0" timeString="2020-04-13T18:13:50.390"/>
+    </inkml:context>
+    <inkml:brush xml:id="br0">
+      <inkml:brushProperty name="width" value="0.15875" units="cm"/>
+      <inkml:brushProperty name="height" value="0.15875" units="cm"/>
+      <inkml:brushProperty name="color" value="#FF0000"/>
+      <inkml:brushProperty name="ignorePressure" value="1"/>
+    </inkml:brush>
+  </inkml:definitions>
+  <inkml:trace contextRef="#ctx0" brushRef="#br0">1363 14,'-26'-5,"-1"1,1 2,-1 1,-8 1,8 0,-8-1,0 2,0 1,0 2,0 1,-3 3,-295 88,232-62,-15 11,67-21,2 2,0 2,-11 12,28-18,1 2,2 1,1 1,0 1,-8 15,27-32,0-1,1 1,0 0,1 0,0 1,0-1,1 1,1 0,0 0,0 1,1-1,1 1,0-1,0 1,1-1,1 1,0-1,0 1,1-1,1 0,0 1,0-1,1 0,2 3,1-1,0 1,2-1,-1 0,1-1,1 0,0 0,1-1,0 0,1-1,0-1,5 3,14 9,1-3,0 0,1-2,9 1,4 1,1-3,48 9,99 10,-45-18,37 7,-126-13,76 11,66 1,-97-17,72 5,39 12,-115-9,91 0,-2-2,26 1,-175-12,0-2,0-2,-1-1,11-4,-34 5,-1-1,0 0,0-1,0 0,-1-1,0-1,0-1,-1 0,1-1,-9 5,1-1,-1 0,0 0,-1 0,1 0,-1-1,-1 0,1 0,-1-1,0 1,-1-1,0 1,0-1,0 0,-1-1,-1 1,1 0,-1 0,-1-3,1-9,-2 0,0 0,-1 0,-1 0,-1 0,-1 0,-1 1,0 0,-1 0,-2 0,1 1,-2 1,-1-1,0 2,-1-1,-6-5,-2 0,-1 0,-1 2,-1 0,-1 2,-3-2,-20-10,-2 1,-16-5,-32-10,-31-8,-102-28,210 74,-26-10,0-1,-10-7,18 4,16 8,0 1,-15-4,9 5,-45-17,-2 4,-45-7,75 24,1 2,-41 2,-5 0,17-2,44 2</inkml:trace>
+</inkml:ink>
+</file>
+
+<file path=ppt/ink/ink22.xml><?xml version="1.0" encoding="utf-8"?>
+<inkml:ink xmlns:inkml="http://www.w3.org/2003/InkML">
+  <inkml:definitions>
+    <inkml:context xml:id="ctx0">
+      <inkml:inkSource xml:id="inkSrc0">
+        <inkml:traceFormat>
+          <inkml:channel name="X" type="integer" min="-2.14748E9" max="2.14748E9" units="cm"/>
+          <inkml:channel name="Y" type="integer" min="-2.14748E9" max="2.14748E9" units="cm"/>
+        </inkml:traceFormat>
+        <inkml:channelProperties>
+          <inkml:channelProperty channel="X" name="resolution" value="1000" units="1/cm"/>
+          <inkml:channelProperty channel="Y" name="resolution" value="1000" units="1/cm"/>
+        </inkml:channelProperties>
+      </inkml:inkSource>
+      <inkml:timestamp xml:id="ts0" timeString="2020-04-13T18:13:50.391"/>
+    </inkml:context>
+    <inkml:brush xml:id="br0">
+      <inkml:brushProperty name="width" value="0.15875" units="cm"/>
+      <inkml:brushProperty name="height" value="0.15875" units="cm"/>
+      <inkml:brushProperty name="color" value="#FF0000"/>
+      <inkml:brushProperty name="ignorePressure" value="1"/>
+    </inkml:brush>
+  </inkml:definitions>
+  <inkml:trace contextRef="#ctx0" brushRef="#br0">1 450,'0'-7,"0"-3,0-1,0 1,1 0,1 0,0 0,2-9,3 2,1-1,1 1,0 0,1 1,1 0,0 0,1 2,1-1,0 1,13-9,8-5,2 2,0 1,2 2,7-1,-29 15,1 2,1 0,-1 1,1 1,0 1,1 0,5 1,29-2,48 1,-84 4,0 1,1 0,-1 1,0 1,0 1,-1 0,1 1,-1 1,0 1,0 0,10 6,0 1,-1 1,2 3,-7-2</inkml:trace>
+</inkml:ink>
+</file>
+
+<file path=ppt/ink/ink23.xml><?xml version="1.0" encoding="utf-8"?>
+<inkml:ink xmlns:inkml="http://www.w3.org/2003/InkML">
+  <inkml:definitions>
+    <inkml:context xml:id="ctx0">
+      <inkml:inkSource xml:id="inkSrc0">
+        <inkml:traceFormat>
+          <inkml:channel name="X" type="integer" min="-2.14748E9" max="2.14748E9" units="cm"/>
+          <inkml:channel name="Y" type="integer" min="-2.14748E9" max="2.14748E9" units="cm"/>
+        </inkml:traceFormat>
+        <inkml:channelProperties>
+          <inkml:channelProperty channel="X" name="resolution" value="1000" units="1/cm"/>
+          <inkml:channelProperty channel="Y" name="resolution" value="1000" units="1/cm"/>
+        </inkml:channelProperties>
+      </inkml:inkSource>
+      <inkml:timestamp xml:id="ts0" timeString="2020-04-13T18:13:50.392"/>
+    </inkml:context>
+    <inkml:brush xml:id="br0">
+      <inkml:brushProperty name="width" value="0.15875" units="cm"/>
+      <inkml:brushProperty name="height" value="0.15875" units="cm"/>
+      <inkml:brushProperty name="color" value="#FF0000"/>
+      <inkml:brushProperty name="ignorePressure" value="1"/>
+    </inkml:brush>
+  </inkml:definitions>
+  <inkml:trace contextRef="#ctx0" brushRef="#br0">221 1,'30'35,"-21"-23,1-1,0-1,3 2,31 24,39 22,-4-4,-25-15,47 25,-86-56,-5-3,-1 0,0 1,0 0,0 1,-9-7,1 1,-1-1,0 0,1 1,-1-1,1 1,-1-1,0 1,1-1,-1 1,0-1,0 1,0-1,1 1,-1 0,0-1,0 0,0 0,0 1,0-1,0 0,0 0,0 1,0-1,-1 0,1 0,0 0,0 1,0-1,0 0,0 0,0 0,-1 1,1-1,0 0,0 0,0 0,-1 0,1 1,0-1,-16 5,-10-2,0-1,0-1,0-2,-5-1,-6 1,-131-10,-2-8,15 2,119 13</inkml:trace>
+</inkml:ink>
+</file>
+
+<file path=ppt/ink/ink24.xml><?xml version="1.0" encoding="utf-8"?>
+<inkml:ink xmlns:inkml="http://www.w3.org/2003/InkML">
+  <inkml:definitions>
+    <inkml:context xml:id="ctx0">
+      <inkml:inkSource xml:id="inkSrc0">
+        <inkml:traceFormat>
+          <inkml:channel name="X" type="integer" min="-2.14748E9" max="2.14748E9" units="cm"/>
+          <inkml:channel name="Y" type="integer" min="-2.14748E9" max="2.14748E9" units="cm"/>
+        </inkml:traceFormat>
+        <inkml:channelProperties>
+          <inkml:channelProperty channel="X" name="resolution" value="1000" units="1/cm"/>
+          <inkml:channelProperty channel="Y" name="resolution" value="1000" units="1/cm"/>
+        </inkml:channelProperties>
+      </inkml:inkSource>
+      <inkml:timestamp xml:id="ts0" timeString="2020-04-13T18:14:57.104"/>
+    </inkml:context>
+    <inkml:brush xml:id="br0">
+      <inkml:brushProperty name="width" value="0.15875" units="cm"/>
+      <inkml:brushProperty name="height" value="0.15875" units="cm"/>
+      <inkml:brushProperty name="color" value="#FF0000"/>
+      <inkml:brushProperty name="ignorePressure" value="1"/>
+    </inkml:brush>
+  </inkml:definitions>
+  <inkml:trace contextRef="#ctx0" brushRef="#br0">1696 12,'-221'-6,"-35"0,185 11,1 3,-57 14,73-13,-177 21,165-23,49-4,-1 0,1 1,0 1,1 0,-1 1,-9 5,-4 5,0 1,-24 18,9-5,-15 4,18-11,-36 27,65-40,1-1,0 2,1 0,1 0,-1 1,2 0,-9 13,12-15,1 1,0 0,1-1,0 2,1-1,0 0,1 1,0-1,1 1,0-1,0 7,2-7,-1 0,1 0,1 0,0 0,0 0,1-1,1 1,0-1,0 1,1-1,6 9,-4-10,0 1,1-1,0-1,0 0,1 0,0 0,1-1,0-1,0 0,0 0,1 0,25 10,1-1,24 5,-52-17,217 61,-179-52,58 13,46 2,109 6,-113-21,-46-5,56 13,-47-3,1-5,35-4,221-7,-201-2,-101 2,-14 0,0-2,-1-2,10-3,-47 3,0 0,1-1,-1 0,0-1,-1-1,1 0,-1 0,-1-1,1-1,-1 0,0-1,2-3,1-1,-2 0,0-2,0 1,-1-2,-1 1,-1-1,0-1,5-15,-5 10,-1-1,-1 0,0-3,-5 16,0 0,0-1,-1 1,-1-1,0 1,0-1,-1 1,-2-6,2 9,-2 0,1 0,-1 0,0 0,-1 0,1 0,-2-1,-10-13,-8-9,14 19,-8-9,-1 0,-1 2,0 0,-1 2,-1 0,-7-3,-29-16,-52-23,49 30,-24-5,20 9,-12-9,47 18,0 2,-1 1,-1 1,0 2,-1 1,0 2,-21-2,-143-4,158 7,-5-2,11 1,-24 0,10 5,0 3,-45 6,75-6</inkml:trace>
+</inkml:ink>
+</file>
+
+<file path=ppt/ink/ink25.xml><?xml version="1.0" encoding="utf-8"?>
+<inkml:ink xmlns:inkml="http://www.w3.org/2003/InkML">
+  <inkml:definitions>
+    <inkml:context xml:id="ctx0">
+      <inkml:inkSource xml:id="inkSrc0">
+        <inkml:traceFormat>
+          <inkml:channel name="X" type="integer" min="-2.14748E9" max="2.14748E9" units="cm"/>
+          <inkml:channel name="Y" type="integer" min="-2.14748E9" max="2.14748E9" units="cm"/>
+        </inkml:traceFormat>
+        <inkml:channelProperties>
+          <inkml:channelProperty channel="X" name="resolution" value="1000" units="1/cm"/>
+          <inkml:channelProperty channel="Y" name="resolution" value="1000" units="1/cm"/>
+        </inkml:channelProperties>
+      </inkml:inkSource>
+      <inkml:timestamp xml:id="ts0" timeString="2020-04-13T18:14:57.105"/>
+    </inkml:context>
+    <inkml:brush xml:id="br0">
+      <inkml:brushProperty name="width" value="0.15875" units="cm"/>
+      <inkml:brushProperty name="height" value="0.15875" units="cm"/>
+      <inkml:brushProperty name="color" value="#FF0000"/>
+      <inkml:brushProperty name="ignorePressure" value="1"/>
+    </inkml:brush>
+  </inkml:definitions>
+  <inkml:trace contextRef="#ctx0" brushRef="#br0">1363 14,'-26'-5,"-1"1,1 2,-1 1,-8 1,8 0,-8-1,0 2,0 1,0 2,0 1,-3 3,-295 88,232-62,-15 11,67-21,2 2,0 2,-11 12,28-18,1 2,2 1,1 1,0 1,-8 15,27-32,0-1,1 1,0 0,1 0,0 1,0-1,1 1,1 0,0 0,0 1,1-1,1 1,0-1,0 1,1-1,1 1,0-1,0 1,1-1,1 0,0 1,0-1,1 0,2 3,1-1,0 1,2-1,-1 0,1-1,1 0,0 0,1-1,0 0,1-1,0-1,5 3,14 9,1-3,0 0,1-2,9 1,4 1,1-3,48 9,99 10,-45-18,37 7,-126-13,76 11,66 1,-97-17,72 5,39 12,-115-9,91 0,-2-2,26 1,-175-12,0-2,0-2,-1-1,11-4,-34 5,-1-1,0 0,0-1,0 0,-1-1,0-1,0-1,-1 0,1-1,-9 5,1-1,-1 0,0 0,-1 0,1 0,-1-1,-1 0,1 0,-1-1,0 1,-1-1,0 1,0-1,0 0,-1-1,-1 1,1 0,-1 0,-1-3,1-9,-2 0,0 0,-1 0,-1 0,-1 0,-1 0,-1 1,0 0,-1 0,-2 0,1 1,-2 1,-1-1,0 2,-1-1,-6-5,-2 0,-1 0,-1 2,-1 0,-1 2,-3-2,-20-10,-2 1,-16-5,-32-10,-31-8,-102-28,210 74,-26-10,0-1,-10-7,18 4,16 8,0 1,-15-4,9 5,-45-17,-2 4,-45-7,75 24,1 2,-41 2,-5 0,17-2,44 2</inkml:trace>
+</inkml:ink>
+</file>
+
+<file path=ppt/ink/ink26.xml><?xml version="1.0" encoding="utf-8"?>
+<inkml:ink xmlns:inkml="http://www.w3.org/2003/InkML">
+  <inkml:definitions>
+    <inkml:context xml:id="ctx0">
+      <inkml:inkSource xml:id="inkSrc0">
+        <inkml:traceFormat>
+          <inkml:channel name="X" type="integer" min="-2.14748E9" max="2.14748E9" units="cm"/>
+          <inkml:channel name="Y" type="integer" min="-2.14748E9" max="2.14748E9" units="cm"/>
+        </inkml:traceFormat>
+        <inkml:channelProperties>
+          <inkml:channelProperty channel="X" name="resolution" value="1000" units="1/cm"/>
+          <inkml:channelProperty channel="Y" name="resolution" value="1000" units="1/cm"/>
+        </inkml:channelProperties>
+      </inkml:inkSource>
+      <inkml:timestamp xml:id="ts0" timeString="2020-04-13T18:14:57.106"/>
+    </inkml:context>
+    <inkml:brush xml:id="br0">
+      <inkml:brushProperty name="width" value="0.15875" units="cm"/>
+      <inkml:brushProperty name="height" value="0.15875" units="cm"/>
+      <inkml:brushProperty name="color" value="#FF0000"/>
+      <inkml:brushProperty name="ignorePressure" value="1"/>
+    </inkml:brush>
+  </inkml:definitions>
+  <inkml:trace contextRef="#ctx0" brushRef="#br0">1 450,'0'-7,"0"-3,0-1,0 1,1 0,1 0,0 0,2-9,3 2,1-1,1 1,0 0,1 1,1 0,0 0,1 2,1-1,0 1,13-9,8-5,2 2,0 1,2 2,7-1,-29 15,1 2,1 0,-1 1,1 1,0 1,1 0,5 1,29-2,48 1,-84 4,0 1,1 0,-1 1,0 1,0 1,-1 0,1 1,-1 1,0 1,0 0,10 6,0 1,-1 1,2 3,-7-2</inkml:trace>
+</inkml:ink>
+</file>
+
+<file path=ppt/ink/ink27.xml><?xml version="1.0" encoding="utf-8"?>
+<inkml:ink xmlns:inkml="http://www.w3.org/2003/InkML">
+  <inkml:definitions>
+    <inkml:context xml:id="ctx0">
+      <inkml:inkSource xml:id="inkSrc0">
+        <inkml:traceFormat>
+          <inkml:channel name="X" type="integer" min="-2.14748E9" max="2.14748E9" units="cm"/>
+          <inkml:channel name="Y" type="integer" min="-2.14748E9" max="2.14748E9" units="cm"/>
+        </inkml:traceFormat>
+        <inkml:channelProperties>
+          <inkml:channelProperty channel="X" name="resolution" value="1000" units="1/cm"/>
+          <inkml:channelProperty channel="Y" name="resolution" value="1000" units="1/cm"/>
+        </inkml:channelProperties>
+      </inkml:inkSource>
+      <inkml:timestamp xml:id="ts0" timeString="2020-04-13T18:14:57.107"/>
+    </inkml:context>
+    <inkml:brush xml:id="br0">
+      <inkml:brushProperty name="width" value="0.15875" units="cm"/>
+      <inkml:brushProperty name="height" value="0.15875" units="cm"/>
+      <inkml:brushProperty name="color" value="#FF0000"/>
+      <inkml:brushProperty name="ignorePressure" value="1"/>
+    </inkml:brush>
+  </inkml:definitions>
+  <inkml:trace contextRef="#ctx0" brushRef="#br0">221 1,'30'35,"-21"-23,1-1,0-1,3 2,31 24,39 22,-4-4,-25-15,47 25,-86-56,-5-3,-1 0,0 1,0 0,0 1,-9-7,1 1,-1-1,0 0,1 1,-1-1,1 1,-1-1,0 1,1-1,-1 1,0-1,0 1,0-1,1 1,-1 0,0-1,0 0,0 0,0 1,0-1,0 0,0 0,0 1,0-1,-1 0,1 0,0 0,0 1,0-1,0 0,0 0,0 0,-1 1,1-1,0 0,0 0,0 0,-1 0,1 1,0-1,-16 5,-10-2,0-1,0-1,0-2,-5-1,-6 1,-131-10,-2-8,15 2,119 13</inkml:trace>
+</inkml:ink>
+</file>
+
+<file path=ppt/ink/ink28.xml><?xml version="1.0" encoding="utf-8"?>
+<inkml:ink xmlns:inkml="http://www.w3.org/2003/InkML">
+  <inkml:definitions>
+    <inkml:context xml:id="ctx0">
+      <inkml:inkSource xml:id="inkSrc0">
+        <inkml:traceFormat>
+          <inkml:channel name="X" type="integer" min="-2.14748E9" max="2.14748E9" units="cm"/>
+          <inkml:channel name="Y" type="integer" min="-2.14748E9" max="2.14748E9" units="cm"/>
+        </inkml:traceFormat>
+        <inkml:channelProperties>
+          <inkml:channelProperty channel="X" name="resolution" value="1000" units="1/cm"/>
+          <inkml:channelProperty channel="Y" name="resolution" value="1000" units="1/cm"/>
+        </inkml:channelProperties>
+      </inkml:inkSource>
+      <inkml:timestamp xml:id="ts0" timeString="2020-04-13T18:16:17.895"/>
+    </inkml:context>
+    <inkml:brush xml:id="br0">
+      <inkml:brushProperty name="width" value="0.15875" units="cm"/>
+      <inkml:brushProperty name="height" value="0.15875" units="cm"/>
+      <inkml:brushProperty name="color" value="#FF0000"/>
+      <inkml:brushProperty name="ignorePressure" value="1"/>
+    </inkml:brush>
+  </inkml:definitions>
+  <inkml:trace contextRef="#ctx0" brushRef="#br0">1696 12,'-221'-6,"-35"0,185 11,1 3,-57 14,73-13,-177 21,165-23,49-4,-1 0,1 1,0 1,1 0,-1 1,-9 5,-4 5,0 1,-24 18,9-5,-15 4,18-11,-36 27,65-40,1-1,0 2,1 0,1 0,-1 1,2 0,-9 13,12-15,1 1,0 0,1-1,0 2,1-1,0 0,1 1,0-1,1 1,0-1,0 7,2-7,-1 0,1 0,1 0,0 0,0 0,1-1,1 1,0-1,0 1,1-1,6 9,-4-10,0 1,1-1,0-1,0 0,1 0,0 0,1-1,0-1,0 0,0 0,1 0,25 10,1-1,24 5,-52-17,217 61,-179-52,58 13,46 2,109 6,-113-21,-46-5,56 13,-47-3,1-5,35-4,221-7,-201-2,-101 2,-14 0,0-2,-1-2,10-3,-47 3,0 0,1-1,-1 0,0-1,-1-1,1 0,-1 0,-1-1,1-1,-1 0,0-1,2-3,1-1,-2 0,0-2,0 1,-1-2,-1 1,-1-1,0-1,5-15,-5 10,-1-1,-1 0,0-3,-5 16,0 0,0-1,-1 1,-1-1,0 1,0-1,-1 1,-2-6,2 9,-2 0,1 0,-1 0,0 0,-1 0,1 0,-2-1,-10-13,-8-9,14 19,-8-9,-1 0,-1 2,0 0,-1 2,-1 0,-7-3,-29-16,-52-23,49 30,-24-5,20 9,-12-9,47 18,0 2,-1 1,-1 1,0 2,-1 1,0 2,-21-2,-143-4,158 7,-5-2,11 1,-24 0,10 5,0 3,-45 6,75-6</inkml:trace>
+</inkml:ink>
+</file>
+
+<file path=ppt/ink/ink29.xml><?xml version="1.0" encoding="utf-8"?>
+<inkml:ink xmlns:inkml="http://www.w3.org/2003/InkML">
+  <inkml:definitions>
+    <inkml:context xml:id="ctx0">
+      <inkml:inkSource xml:id="inkSrc0">
+        <inkml:traceFormat>
+          <inkml:channel name="X" type="integer" min="-2.14748E9" max="2.14748E9" units="cm"/>
+          <inkml:channel name="Y" type="integer" min="-2.14748E9" max="2.14748E9" units="cm"/>
+        </inkml:traceFormat>
+        <inkml:channelProperties>
+          <inkml:channelProperty channel="X" name="resolution" value="1000" units="1/cm"/>
+          <inkml:channelProperty channel="Y" name="resolution" value="1000" units="1/cm"/>
+        </inkml:channelProperties>
+      </inkml:inkSource>
+      <inkml:timestamp xml:id="ts0" timeString="2020-04-13T18:16:17.896"/>
+    </inkml:context>
+    <inkml:brush xml:id="br0">
+      <inkml:brushProperty name="width" value="0.15875" units="cm"/>
+      <inkml:brushProperty name="height" value="0.15875" units="cm"/>
+      <inkml:brushProperty name="color" value="#FF0000"/>
+      <inkml:brushProperty name="ignorePressure" value="1"/>
+    </inkml:brush>
+  </inkml:definitions>
+  <inkml:trace contextRef="#ctx0" brushRef="#br0">1363 14,'-26'-5,"-1"1,1 2,-1 1,-8 1,8 0,-8-1,0 2,0 1,0 2,0 1,-3 3,-295 88,232-62,-15 11,67-21,2 2,0 2,-11 12,28-18,1 2,2 1,1 1,0 1,-8 15,27-32,0-1,1 1,0 0,1 0,0 1,0-1,1 1,1 0,0 0,0 1,1-1,1 1,0-1,0 1,1-1,1 1,0-1,0 1,1-1,1 0,0 1,0-1,1 0,2 3,1-1,0 1,2-1,-1 0,1-1,1 0,0 0,1-1,0 0,1-1,0-1,5 3,14 9,1-3,0 0,1-2,9 1,4 1,1-3,48 9,99 10,-45-18,37 7,-126-13,76 11,66 1,-97-17,72 5,39 12,-115-9,91 0,-2-2,26 1,-175-12,0-2,0-2,-1-1,11-4,-34 5,-1-1,0 0,0-1,0 0,-1-1,0-1,0-1,-1 0,1-1,-9 5,1-1,-1 0,0 0,-1 0,1 0,-1-1,-1 0,1 0,-1-1,0 1,-1-1,0 1,0-1,0 0,-1-1,-1 1,1 0,-1 0,-1-3,1-9,-2 0,0 0,-1 0,-1 0,-1 0,-1 0,-1 1,0 0,-1 0,-2 0,1 1,-2 1,-1-1,0 2,-1-1,-6-5,-2 0,-1 0,-1 2,-1 0,-1 2,-3-2,-20-10,-2 1,-16-5,-32-10,-31-8,-102-28,210 74,-26-10,0-1,-10-7,18 4,16 8,0 1,-15-4,9 5,-45-17,-2 4,-45-7,75 24,1 2,-41 2,-5 0,17-2,44 2</inkml:trace>
+</inkml:ink>
+</file>
+
+<file path=ppt/ink/ink3.xml><?xml version="1.0" encoding="utf-8"?>
+<inkml:ink xmlns:inkml="http://www.w3.org/2003/InkML">
+  <inkml:definitions>
+    <inkml:context xml:id="ctx0">
+      <inkml:inkSource xml:id="inkSrc0">
+        <inkml:traceFormat>
+          <inkml:channel name="X" type="integer" min="-2.14748E9" max="2.14748E9" units="cm"/>
+          <inkml:channel name="Y" type="integer" min="-2.14748E9" max="2.14748E9" units="cm"/>
+        </inkml:traceFormat>
+        <inkml:channelProperties>
+          <inkml:channelProperty channel="X" name="resolution" value="1000" units="1/cm"/>
+          <inkml:channelProperty channel="Y" name="resolution" value="1000" units="1/cm"/>
+        </inkml:channelProperties>
+      </inkml:inkSource>
+      <inkml:timestamp xml:id="ts0" timeString="2020-04-13T18:09:58.181"/>
+    </inkml:context>
+    <inkml:brush xml:id="br0">
+      <inkml:brushProperty name="width" value="0.15875" units="cm"/>
+      <inkml:brushProperty name="height" value="0.15875" units="cm"/>
+      <inkml:brushProperty name="color" value="#FF0000"/>
+      <inkml:brushProperty name="ignorePressure" value="1"/>
+    </inkml:brush>
+  </inkml:definitions>
+  <inkml:trace contextRef="#ctx0" brushRef="#br0">1101 0,'-18'1,"0"1,0 0,-1 1,-24 4,-64 4,-49 6,134-13,0 1,1 1,-1 1,-17 8,-81 44,87-42,-156 85,144-80,17-8,0 1,-14 11,31-19,-3 3,-1 1,-11 11,22-18,1 0,-1 0,0 1,1-1,0 1,0 0,1-1,-1 1,1 0,0 1,-1 2,0 10,0 1,1-1,1 0,1 1,1-1,0 0,1 1,1-1,1 0,4 11,-5-17,2 1,0-1,0 0,1-1,1 1,0-1,0 0,1-1,9 9,-9-11,1 0,0 0,0-1,0-1,1 1,1-2,-1 1,1-1,-1-1,1 0,3 0,29 6,0-2,5-1,30 6,30 8,8 9,209 47,-315-75,111 21,78 3,99 2,-60-3,-75-12,-87-2,-38-5,12-1,-23-3,0-2,0-1,0-1,1-1,-16 1,0 0,0-1,0-1,-1 0,1 0,-1-1,0-1,-1 0,1 0,-1-1,-5 3,-1 1,0-1,0 0,0 0,-1 0,1 0,-1-1,0 1,0-1,-1 0,1 0,-1 0,0 0,-1 0,1-1,0-3,0-8,-1 0,0 0,-1 0,-2-14,2 28,-3-73,3 42,-2-1,-1 0,-5-20,4 45,1-1,-1 0,0 1,-1 0,-1 0,1 0,-2 1,1 0,-3-2,-12-13,0 1,-17-13,3 6,-2 2,-1 2,-1 2,-14-6,-65-28,64 32,-3 3,0 1,-48-9,88 26,-266-63,160 47,34 7,65 10</inkml:trace>
+</inkml:ink>
+</file>
+
+<file path=ppt/ink/ink30.xml><?xml version="1.0" encoding="utf-8"?>
+<inkml:ink xmlns:inkml="http://www.w3.org/2003/InkML">
+  <inkml:definitions>
+    <inkml:context xml:id="ctx0">
+      <inkml:inkSource xml:id="inkSrc0">
+        <inkml:traceFormat>
+          <inkml:channel name="X" type="integer" min="-2.14748E9" max="2.14748E9" units="cm"/>
+          <inkml:channel name="Y" type="integer" min="-2.14748E9" max="2.14748E9" units="cm"/>
+        </inkml:traceFormat>
+        <inkml:channelProperties>
+          <inkml:channelProperty channel="X" name="resolution" value="1000" units="1/cm"/>
+          <inkml:channelProperty channel="Y" name="resolution" value="1000" units="1/cm"/>
+        </inkml:channelProperties>
+      </inkml:inkSource>
+      <inkml:timestamp xml:id="ts0" timeString="2020-04-13T18:16:17.897"/>
+    </inkml:context>
+    <inkml:brush xml:id="br0">
+      <inkml:brushProperty name="width" value="0.15875" units="cm"/>
+      <inkml:brushProperty name="height" value="0.15875" units="cm"/>
+      <inkml:brushProperty name="color" value="#FF0000"/>
+      <inkml:brushProperty name="ignorePressure" value="1"/>
+    </inkml:brush>
+  </inkml:definitions>
+  <inkml:trace contextRef="#ctx0" brushRef="#br0">1 450,'0'-7,"0"-3,0-1,0 1,1 0,1 0,0 0,2-9,3 2,1-1,1 1,0 0,1 1,1 0,0 0,1 2,1-1,0 1,13-9,8-5,2 2,0 1,2 2,7-1,-29 15,1 2,1 0,-1 1,1 1,0 1,1 0,5 1,29-2,48 1,-84 4,0 1,1 0,-1 1,0 1,0 1,-1 0,1 1,-1 1,0 1,0 0,10 6,0 1,-1 1,2 3,-7-2</inkml:trace>
+</inkml:ink>
+</file>
+
+<file path=ppt/ink/ink31.xml><?xml version="1.0" encoding="utf-8"?>
+<inkml:ink xmlns:inkml="http://www.w3.org/2003/InkML">
+  <inkml:definitions>
+    <inkml:context xml:id="ctx0">
+      <inkml:inkSource xml:id="inkSrc0">
+        <inkml:traceFormat>
+          <inkml:channel name="X" type="integer" min="-2.14748E9" max="2.14748E9" units="cm"/>
+          <inkml:channel name="Y" type="integer" min="-2.14748E9" max="2.14748E9" units="cm"/>
+        </inkml:traceFormat>
+        <inkml:channelProperties>
+          <inkml:channelProperty channel="X" name="resolution" value="1000" units="1/cm"/>
+          <inkml:channelProperty channel="Y" name="resolution" value="1000" units="1/cm"/>
+        </inkml:channelProperties>
+      </inkml:inkSource>
+      <inkml:timestamp xml:id="ts0" timeString="2020-04-13T18:16:17.898"/>
+    </inkml:context>
+    <inkml:brush xml:id="br0">
+      <inkml:brushProperty name="width" value="0.15875" units="cm"/>
+      <inkml:brushProperty name="height" value="0.15875" units="cm"/>
+      <inkml:brushProperty name="color" value="#FF0000"/>
+      <inkml:brushProperty name="ignorePressure" value="1"/>
+    </inkml:brush>
+  </inkml:definitions>
+  <inkml:trace contextRef="#ctx0" brushRef="#br0">221 1,'30'35,"-21"-23,1-1,0-1,3 2,31 24,39 22,-4-4,-25-15,47 25,-86-56,-5-3,-1 0,0 1,0 0,0 1,-9-7,1 1,-1-1,0 0,1 1,-1-1,1 1,-1-1,0 1,1-1,-1 1,0-1,0 1,0-1,1 1,-1 0,0-1,0 0,0 0,0 1,0-1,0 0,0 0,0 1,0-1,-1 0,1 0,0 0,0 1,0-1,0 0,0 0,0 0,-1 1,1-1,0 0,0 0,0 0,-1 0,1 1,0-1,-16 5,-10-2,0-1,0-1,0-2,-5-1,-6 1,-131-10,-2-8,15 2,119 13</inkml:trace>
+</inkml:ink>
+</file>
+
+<file path=ppt/ink/ink32.xml><?xml version="1.0" encoding="utf-8"?>
+<inkml:ink xmlns:inkml="http://www.w3.org/2003/InkML">
+  <inkml:definitions>
+    <inkml:context xml:id="ctx0">
+      <inkml:inkSource xml:id="inkSrc0">
+        <inkml:traceFormat>
+          <inkml:channel name="X" type="integer" min="-2.14748E9" max="2.14748E9" units="cm"/>
+          <inkml:channel name="Y" type="integer" min="-2.14748E9" max="2.14748E9" units="cm"/>
+        </inkml:traceFormat>
+        <inkml:channelProperties>
+          <inkml:channelProperty channel="X" name="resolution" value="1000" units="1/cm"/>
+          <inkml:channelProperty channel="Y" name="resolution" value="1000" units="1/cm"/>
+        </inkml:channelProperties>
+      </inkml:inkSource>
+      <inkml:timestamp xml:id="ts0" timeString="2020-04-13T18:16:30.310"/>
+    </inkml:context>
+    <inkml:brush xml:id="br0">
+      <inkml:brushProperty name="width" value="0.15875" units="cm"/>
+      <inkml:brushProperty name="height" value="0.15875" units="cm"/>
+      <inkml:brushProperty name="color" value="#FF0000"/>
+      <inkml:brushProperty name="ignorePressure" value="1"/>
+    </inkml:brush>
+  </inkml:definitions>
+  <inkml:trace contextRef="#ctx0" brushRef="#br0">1696 12,'-221'-6,"-35"0,185 11,1 3,-57 14,73-13,-177 21,165-23,49-4,-1 0,1 1,0 1,1 0,-1 1,-9 5,-4 5,0 1,-24 18,9-5,-15 4,18-11,-36 27,65-40,1-1,0 2,1 0,1 0,-1 1,2 0,-9 13,12-15,1 1,0 0,1-1,0 2,1-1,0 0,1 1,0-1,1 1,0-1,0 7,2-7,-1 0,1 0,1 0,0 0,0 0,1-1,1 1,0-1,0 1,1-1,6 9,-4-10,0 1,1-1,0-1,0 0,1 0,0 0,1-1,0-1,0 0,0 0,1 0,25 10,1-1,24 5,-52-17,217 61,-179-52,58 13,46 2,109 6,-113-21,-46-5,56 13,-47-3,1-5,35-4,221-7,-201-2,-101 2,-14 0,0-2,-1-2,10-3,-47 3,0 0,1-1,-1 0,0-1,-1-1,1 0,-1 0,-1-1,1-1,-1 0,0-1,2-3,1-1,-2 0,0-2,0 1,-1-2,-1 1,-1-1,0-1,5-15,-5 10,-1-1,-1 0,0-3,-5 16,0 0,0-1,-1 1,-1-1,0 1,0-1,-1 1,-2-6,2 9,-2 0,1 0,-1 0,0 0,-1 0,1 0,-2-1,-10-13,-8-9,14 19,-8-9,-1 0,-1 2,0 0,-1 2,-1 0,-7-3,-29-16,-52-23,49 30,-24-5,20 9,-12-9,47 18,0 2,-1 1,-1 1,0 2,-1 1,0 2,-21-2,-143-4,158 7,-5-2,11 1,-24 0,10 5,0 3,-45 6,75-6</inkml:trace>
+</inkml:ink>
+</file>
+
+<file path=ppt/ink/ink33.xml><?xml version="1.0" encoding="utf-8"?>
+<inkml:ink xmlns:inkml="http://www.w3.org/2003/InkML">
+  <inkml:definitions>
+    <inkml:context xml:id="ctx0">
+      <inkml:inkSource xml:id="inkSrc0">
+        <inkml:traceFormat>
+          <inkml:channel name="X" type="integer" min="-2.14748E9" max="2.14748E9" units="cm"/>
+          <inkml:channel name="Y" type="integer" min="-2.14748E9" max="2.14748E9" units="cm"/>
+        </inkml:traceFormat>
+        <inkml:channelProperties>
+          <inkml:channelProperty channel="X" name="resolution" value="1000" units="1/cm"/>
+          <inkml:channelProperty channel="Y" name="resolution" value="1000" units="1/cm"/>
+        </inkml:channelProperties>
+      </inkml:inkSource>
+      <inkml:timestamp xml:id="ts0" timeString="2020-04-13T18:16:30.311"/>
+    </inkml:context>
+    <inkml:brush xml:id="br0">
+      <inkml:brushProperty name="width" value="0.15875" units="cm"/>
+      <inkml:brushProperty name="height" value="0.15875" units="cm"/>
+      <inkml:brushProperty name="color" value="#FF0000"/>
+      <inkml:brushProperty name="ignorePressure" value="1"/>
+    </inkml:brush>
+  </inkml:definitions>
+  <inkml:trace contextRef="#ctx0" brushRef="#br0">1363 14,'-26'-5,"-1"1,1 2,-1 1,-8 1,8 0,-8-1,0 2,0 1,0 2,0 1,-3 3,-295 88,232-62,-15 11,67-21,2 2,0 2,-11 12,28-18,1 2,2 1,1 1,0 1,-8 15,27-32,0-1,1 1,0 0,1 0,0 1,0-1,1 1,1 0,0 0,0 1,1-1,1 1,0-1,0 1,1-1,1 1,0-1,0 1,1-1,1 0,0 1,0-1,1 0,2 3,1-1,0 1,2-1,-1 0,1-1,1 0,0 0,1-1,0 0,1-1,0-1,5 3,14 9,1-3,0 0,1-2,9 1,4 1,1-3,48 9,99 10,-45-18,37 7,-126-13,76 11,66 1,-97-17,72 5,39 12,-115-9,91 0,-2-2,26 1,-175-12,0-2,0-2,-1-1,11-4,-34 5,-1-1,0 0,0-1,0 0,-1-1,0-1,0-1,-1 0,1-1,-9 5,1-1,-1 0,0 0,-1 0,1 0,-1-1,-1 0,1 0,-1-1,0 1,-1-1,0 1,0-1,0 0,-1-1,-1 1,1 0,-1 0,-1-3,1-9,-2 0,0 0,-1 0,-1 0,-1 0,-1 0,-1 1,0 0,-1 0,-2 0,1 1,-2 1,-1-1,0 2,-1-1,-6-5,-2 0,-1 0,-1 2,-1 0,-1 2,-3-2,-20-10,-2 1,-16-5,-32-10,-31-8,-102-28,210 74,-26-10,0-1,-10-7,18 4,16 8,0 1,-15-4,9 5,-45-17,-2 4,-45-7,75 24,1 2,-41 2,-5 0,17-2,44 2</inkml:trace>
+</inkml:ink>
+</file>
+
+<file path=ppt/ink/ink34.xml><?xml version="1.0" encoding="utf-8"?>
+<inkml:ink xmlns:inkml="http://www.w3.org/2003/InkML">
+  <inkml:definitions>
+    <inkml:context xml:id="ctx0">
+      <inkml:inkSource xml:id="inkSrc0">
+        <inkml:traceFormat>
+          <inkml:channel name="X" type="integer" min="-2.14748E9" max="2.14748E9" units="cm"/>
+          <inkml:channel name="Y" type="integer" min="-2.14748E9" max="2.14748E9" units="cm"/>
+        </inkml:traceFormat>
+        <inkml:channelProperties>
+          <inkml:channelProperty channel="X" name="resolution" value="1000" units="1/cm"/>
+          <inkml:channelProperty channel="Y" name="resolution" value="1000" units="1/cm"/>
+        </inkml:channelProperties>
+      </inkml:inkSource>
+      <inkml:timestamp xml:id="ts0" timeString="2020-04-13T18:16:30.312"/>
+    </inkml:context>
+    <inkml:brush xml:id="br0">
+      <inkml:brushProperty name="width" value="0.15875" units="cm"/>
+      <inkml:brushProperty name="height" value="0.15875" units="cm"/>
+      <inkml:brushProperty name="color" value="#FF0000"/>
+      <inkml:brushProperty name="ignorePressure" value="1"/>
+    </inkml:brush>
+  </inkml:definitions>
+  <inkml:trace contextRef="#ctx0" brushRef="#br0">1 450,'0'-7,"0"-3,0-1,0 1,1 0,1 0,0 0,2-9,3 2,1-1,1 1,0 0,1 1,1 0,0 0,1 2,1-1,0 1,13-9,8-5,2 2,0 1,2 2,7-1,-29 15,1 2,1 0,-1 1,1 1,0 1,1 0,5 1,29-2,48 1,-84 4,0 1,1 0,-1 1,0 1,0 1,-1 0,1 1,-1 1,0 1,0 0,10 6,0 1,-1 1,2 3,-7-2</inkml:trace>
+</inkml:ink>
+</file>
+
+<file path=ppt/ink/ink35.xml><?xml version="1.0" encoding="utf-8"?>
+<inkml:ink xmlns:inkml="http://www.w3.org/2003/InkML">
+  <inkml:definitions>
+    <inkml:context xml:id="ctx0">
+      <inkml:inkSource xml:id="inkSrc0">
+        <inkml:traceFormat>
+          <inkml:channel name="X" type="integer" min="-2.14748E9" max="2.14748E9" units="cm"/>
+          <inkml:channel name="Y" type="integer" min="-2.14748E9" max="2.14748E9" units="cm"/>
+        </inkml:traceFormat>
+        <inkml:channelProperties>
+          <inkml:channelProperty channel="X" name="resolution" value="1000" units="1/cm"/>
+          <inkml:channelProperty channel="Y" name="resolution" value="1000" units="1/cm"/>
+        </inkml:channelProperties>
+      </inkml:inkSource>
+      <inkml:timestamp xml:id="ts0" timeString="2020-04-13T18:16:30.313"/>
+    </inkml:context>
+    <inkml:brush xml:id="br0">
+      <inkml:brushProperty name="width" value="0.15875" units="cm"/>
+      <inkml:brushProperty name="height" value="0.15875" units="cm"/>
+      <inkml:brushProperty name="color" value="#FF0000"/>
+      <inkml:brushProperty name="ignorePressure" value="1"/>
+    </inkml:brush>
+  </inkml:definitions>
+  <inkml:trace contextRef="#ctx0" brushRef="#br0">221 1,'30'35,"-21"-23,1-1,0-1,3 2,31 24,39 22,-4-4,-25-15,47 25,-86-56,-5-3,-1 0,0 1,0 0,0 1,-9-7,1 1,-1-1,0 0,1 1,-1-1,1 1,-1-1,0 1,1-1,-1 1,0-1,0 1,0-1,1 1,-1 0,0-1,0 0,0 0,0 1,0-1,0 0,0 0,0 1,0-1,-1 0,1 0,0 0,0 1,0-1,0 0,0 0,0 0,-1 1,1-1,0 0,0 0,0 0,-1 0,1 1,0-1,-16 5,-10-2,0-1,0-1,0-2,-5-1,-6 1,-131-10,-2-8,15 2,119 13</inkml:trace>
+</inkml:ink>
+</file>
+
+<file path=ppt/ink/ink36.xml><?xml version="1.0" encoding="utf-8"?>
+<inkml:ink xmlns:inkml="http://www.w3.org/2003/InkML">
+  <inkml:definitions>
+    <inkml:context xml:id="ctx0">
+      <inkml:inkSource xml:id="inkSrc0">
+        <inkml:traceFormat>
+          <inkml:channel name="X" type="integer" min="-2.14748E9" max="2.14748E9" units="cm"/>
+          <inkml:channel name="Y" type="integer" min="-2.14748E9" max="2.14748E9" units="cm"/>
+        </inkml:traceFormat>
+        <inkml:channelProperties>
+          <inkml:channelProperty channel="X" name="resolution" value="1000" units="1/cm"/>
+          <inkml:channelProperty channel="Y" name="resolution" value="1000" units="1/cm"/>
+        </inkml:channelProperties>
+      </inkml:inkSource>
+      <inkml:timestamp xml:id="ts0" timeString="2020-04-13T18:16:33.279"/>
+    </inkml:context>
+    <inkml:brush xml:id="br0">
+      <inkml:brushProperty name="width" value="0.15875" units="cm"/>
+      <inkml:brushProperty name="height" value="0.15875" units="cm"/>
+      <inkml:brushProperty name="color" value="#FF0000"/>
+      <inkml:brushProperty name="ignorePressure" value="1"/>
+    </inkml:brush>
+  </inkml:definitions>
+  <inkml:trace contextRef="#ctx0" brushRef="#br0">1696 12,'-221'-6,"-35"0,185 11,1 3,-57 14,73-13,-177 21,165-23,49-4,-1 0,1 1,0 1,1 0,-1 1,-9 5,-4 5,0 1,-24 18,9-5,-15 4,18-11,-36 27,65-40,1-1,0 2,1 0,1 0,-1 1,2 0,-9 13,12-15,1 1,0 0,1-1,0 2,1-1,0 0,1 1,0-1,1 1,0-1,0 7,2-7,-1 0,1 0,1 0,0 0,0 0,1-1,1 1,0-1,0 1,1-1,6 9,-4-10,0 1,1-1,0-1,0 0,1 0,0 0,1-1,0-1,0 0,0 0,1 0,25 10,1-1,24 5,-52-17,217 61,-179-52,58 13,46 2,109 6,-113-21,-46-5,56 13,-47-3,1-5,35-4,221-7,-201-2,-101 2,-14 0,0-2,-1-2,10-3,-47 3,0 0,1-1,-1 0,0-1,-1-1,1 0,-1 0,-1-1,1-1,-1 0,0-1,2-3,1-1,-2 0,0-2,0 1,-1-2,-1 1,-1-1,0-1,5-15,-5 10,-1-1,-1 0,0-3,-5 16,0 0,0-1,-1 1,-1-1,0 1,0-1,-1 1,-2-6,2 9,-2 0,1 0,-1 0,0 0,-1 0,1 0,-2-1,-10-13,-8-9,14 19,-8-9,-1 0,-1 2,0 0,-1 2,-1 0,-7-3,-29-16,-52-23,49 30,-24-5,20 9,-12-9,47 18,0 2,-1 1,-1 1,0 2,-1 1,0 2,-21-2,-143-4,158 7,-5-2,11 1,-24 0,10 5,0 3,-45 6,75-6</inkml:trace>
+</inkml:ink>
+</file>
+
+<file path=ppt/ink/ink37.xml><?xml version="1.0" encoding="utf-8"?>
+<inkml:ink xmlns:inkml="http://www.w3.org/2003/InkML">
+  <inkml:definitions>
+    <inkml:context xml:id="ctx0">
+      <inkml:inkSource xml:id="inkSrc0">
+        <inkml:traceFormat>
+          <inkml:channel name="X" type="integer" min="-2.14748E9" max="2.14748E9" units="cm"/>
+          <inkml:channel name="Y" type="integer" min="-2.14748E9" max="2.14748E9" units="cm"/>
+        </inkml:traceFormat>
+        <inkml:channelProperties>
+          <inkml:channelProperty channel="X" name="resolution" value="1000" units="1/cm"/>
+          <inkml:channelProperty channel="Y" name="resolution" value="1000" units="1/cm"/>
+        </inkml:channelProperties>
+      </inkml:inkSource>
+      <inkml:timestamp xml:id="ts0" timeString="2020-04-13T18:16:33.280"/>
+    </inkml:context>
+    <inkml:brush xml:id="br0">
+      <inkml:brushProperty name="width" value="0.15875" units="cm"/>
+      <inkml:brushProperty name="height" value="0.15875" units="cm"/>
+      <inkml:brushProperty name="color" value="#FF0000"/>
+      <inkml:brushProperty name="ignorePressure" value="1"/>
+    </inkml:brush>
+  </inkml:definitions>
+  <inkml:trace contextRef="#ctx0" brushRef="#br0">1363 14,'-26'-5,"-1"1,1 2,-1 1,-8 1,8 0,-8-1,0 2,0 1,0 2,0 1,-3 3,-295 88,232-62,-15 11,67-21,2 2,0 2,-11 12,28-18,1 2,2 1,1 1,0 1,-8 15,27-32,0-1,1 1,0 0,1 0,0 1,0-1,1 1,1 0,0 0,0 1,1-1,1 1,0-1,0 1,1-1,1 1,0-1,0 1,1-1,1 0,0 1,0-1,1 0,2 3,1-1,0 1,2-1,-1 0,1-1,1 0,0 0,1-1,0 0,1-1,0-1,5 3,14 9,1-3,0 0,1-2,9 1,4 1,1-3,48 9,99 10,-45-18,37 7,-126-13,76 11,66 1,-97-17,72 5,39 12,-115-9,91 0,-2-2,26 1,-175-12,0-2,0-2,-1-1,11-4,-34 5,-1-1,0 0,0-1,0 0,-1-1,0-1,0-1,-1 0,1-1,-9 5,1-1,-1 0,0 0,-1 0,1 0,-1-1,-1 0,1 0,-1-1,0 1,-1-1,0 1,0-1,0 0,-1-1,-1 1,1 0,-1 0,-1-3,1-9,-2 0,0 0,-1 0,-1 0,-1 0,-1 0,-1 1,0 0,-1 0,-2 0,1 1,-2 1,-1-1,0 2,-1-1,-6-5,-2 0,-1 0,-1 2,-1 0,-1 2,-3-2,-20-10,-2 1,-16-5,-32-10,-31-8,-102-28,210 74,-26-10,0-1,-10-7,18 4,16 8,0 1,-15-4,9 5,-45-17,-2 4,-45-7,75 24,1 2,-41 2,-5 0,17-2,44 2</inkml:trace>
+</inkml:ink>
+</file>
+
+<file path=ppt/ink/ink38.xml><?xml version="1.0" encoding="utf-8"?>
+<inkml:ink xmlns:inkml="http://www.w3.org/2003/InkML">
+  <inkml:definitions>
+    <inkml:context xml:id="ctx0">
+      <inkml:inkSource xml:id="inkSrc0">
+        <inkml:traceFormat>
+          <inkml:channel name="X" type="integer" min="-2.14748E9" max="2.14748E9" units="cm"/>
+          <inkml:channel name="Y" type="integer" min="-2.14748E9" max="2.14748E9" units="cm"/>
+        </inkml:traceFormat>
+        <inkml:channelProperties>
+          <inkml:channelProperty channel="X" name="resolution" value="1000" units="1/cm"/>
+          <inkml:channelProperty channel="Y" name="resolution" value="1000" units="1/cm"/>
+        </inkml:channelProperties>
+      </inkml:inkSource>
+      <inkml:timestamp xml:id="ts0" timeString="2020-04-13T18:16:33.281"/>
+    </inkml:context>
+    <inkml:brush xml:id="br0">
+      <inkml:brushProperty name="width" value="0.15875" units="cm"/>
+      <inkml:brushProperty name="height" value="0.15875" units="cm"/>
+      <inkml:brushProperty name="color" value="#FF0000"/>
+      <inkml:brushProperty name="ignorePressure" value="1"/>
+    </inkml:brush>
+  </inkml:definitions>
+  <inkml:trace contextRef="#ctx0" brushRef="#br0">1 450,'0'-7,"0"-3,0-1,0 1,1 0,1 0,0 0,2-9,3 2,1-1,1 1,0 0,1 1,1 0,0 0,1 2,1-1,0 1,13-9,8-5,2 2,0 1,2 2,7-1,-29 15,1 2,1 0,-1 1,1 1,0 1,1 0,5 1,29-2,48 1,-84 4,0 1,1 0,-1 1,0 1,0 1,-1 0,1 1,-1 1,0 1,0 0,10 6,0 1,-1 1,2 3,-7-2</inkml:trace>
+</inkml:ink>
+</file>
+
+<file path=ppt/ink/ink39.xml><?xml version="1.0" encoding="utf-8"?>
+<inkml:ink xmlns:inkml="http://www.w3.org/2003/InkML">
+  <inkml:definitions>
+    <inkml:context xml:id="ctx0">
+      <inkml:inkSource xml:id="inkSrc0">
+        <inkml:traceFormat>
+          <inkml:channel name="X" type="integer" min="-2.14748E9" max="2.14748E9" units="cm"/>
+          <inkml:channel name="Y" type="integer" min="-2.14748E9" max="2.14748E9" units="cm"/>
+        </inkml:traceFormat>
+        <inkml:channelProperties>
+          <inkml:channelProperty channel="X" name="resolution" value="1000" units="1/cm"/>
+          <inkml:channelProperty channel="Y" name="resolution" value="1000" units="1/cm"/>
+        </inkml:channelProperties>
+      </inkml:inkSource>
+      <inkml:timestamp xml:id="ts0" timeString="2020-04-13T18:16:33.282"/>
+    </inkml:context>
+    <inkml:brush xml:id="br0">
+      <inkml:brushProperty name="width" value="0.15875" units="cm"/>
+      <inkml:brushProperty name="height" value="0.15875" units="cm"/>
+      <inkml:brushProperty name="color" value="#FF0000"/>
+      <inkml:brushProperty name="ignorePressure" value="1"/>
+    </inkml:brush>
+  </inkml:definitions>
+  <inkml:trace contextRef="#ctx0" brushRef="#br0">221 1,'30'35,"-21"-23,1-1,0-1,3 2,31 24,39 22,-4-4,-25-15,47 25,-86-56,-5-3,-1 0,0 1,0 0,0 1,-9-7,1 1,-1-1,0 0,1 1,-1-1,1 1,-1-1,0 1,1-1,-1 1,0-1,0 1,0-1,1 1,-1 0,0-1,0 0,0 0,0 1,0-1,0 0,0 0,0 1,0-1,-1 0,1 0,0 0,0 1,0-1,0 0,0 0,0 0,-1 1,1-1,0 0,0 0,0 0,-1 0,1 1,0-1,-16 5,-10-2,0-1,0-1,0-2,-5-1,-6 1,-131-10,-2-8,15 2,119 13</inkml:trace>
+</inkml:ink>
+</file>
+
+<file path=ppt/ink/ink4.xml><?xml version="1.0" encoding="utf-8"?>
+<inkml:ink xmlns:inkml="http://www.w3.org/2003/InkML">
+  <inkml:definitions>
+    <inkml:context xml:id="ctx0">
+      <inkml:inkSource xml:id="inkSrc0">
+        <inkml:traceFormat>
+          <inkml:channel name="X" type="integer" min="-2.14748E9" max="2.14748E9" units="cm"/>
+          <inkml:channel name="Y" type="integer" min="-2.14748E9" max="2.14748E9" units="cm"/>
+        </inkml:traceFormat>
+        <inkml:channelProperties>
+          <inkml:channelProperty channel="X" name="resolution" value="1000" units="1/cm"/>
+          <inkml:channelProperty channel="Y" name="resolution" value="1000" units="1/cm"/>
+        </inkml:channelProperties>
+      </inkml:inkSource>
+      <inkml:timestamp xml:id="ts0" timeString="2020-04-13T18:10:05.957"/>
+    </inkml:context>
+    <inkml:brush xml:id="br0">
+      <inkml:brushProperty name="width" value="0.15875" units="cm"/>
+      <inkml:brushProperty name="height" value="0.15875" units="cm"/>
+      <inkml:brushProperty name="color" value="#FF0000"/>
+      <inkml:brushProperty name="ignorePressure" value="1"/>
+    </inkml:brush>
+  </inkml:definitions>
+  <inkml:trace contextRef="#ctx0" brushRef="#br0">985 27,'-25'-1,"0"-1,0-2,-1-1,-8-1,-4 2,10 2,1 1,0 2,-1 1,1 1,0 1,0 1,0 2,1 1,0 0,-13 8,-197 88,209-92,-1 2,2 1,-8 6,17-10,1 1,1 1,0 1,1 0,-7 9,15-15,0 0,0 1,1 0,0 0,1 0,0 1,0 0,1 0,0 0,1 0,0 0,0 0,1 0,1 1,0-1,0 1,1 4,2 4,1 0,0-1,1 1,1-1,1 0,1-1,0 0,1 0,1 0,8 12,14 17,-24-35,1-1,1 0,0 0,0-1,5 3,7 3,-1-2,2-1,-1 0,2-2,0 0,0-2,0-1,24 4,61 14,15 11,-29-8,1-4,86 9,104 20,-233-43,88 14,48-3,-168-18,108 7,19-5,-140-4,0-1,0-1,0 1,1-2,-1 1,0-1,-1 0,1 0,0-1,-1 0,1-1,-1 1,0-1,0-1,4-3,1-1,0-1,-1-1,-1 0,1 0,-2-1,1-1,-2 1,7-13,-12 18,-1 0,1-1,-1 0,-1 0,1 1,-1-1,-1-2,1-16,-2-14,1 19,0 6,-1 0,-1 0,0 0,-1 1,0-1,-1 1,-1-3,-2 1,0 0,-1 0,-1 0,0 1,-1 1,-1-2,-8-8,4 4,0 1,-2 1,0 0,-11-9,-95-63,95 67,-13-10,-14-8,26 18,-18-9,18 12,0-1,1-2,6 5,0 0,-1 2,-18-9,7 6,22 12,1 0,-2 0,1 2,-1-1,0 2,0 0,-2 0,-254-37,235 36,-136-15,119 17,0 2,-16 3,41 2,7 2</inkml:trace>
+</inkml:ink>
+</file>
+
+<file path=ppt/ink/ink40.xml><?xml version="1.0" encoding="utf-8"?>
+<inkml:ink xmlns:inkml="http://www.w3.org/2003/InkML">
+  <inkml:definitions>
+    <inkml:context xml:id="ctx0">
+      <inkml:inkSource xml:id="inkSrc0">
+        <inkml:traceFormat>
+          <inkml:channel name="X" type="integer" min="-2.14748E9" max="2.14748E9" units="cm"/>
+          <inkml:channel name="Y" type="integer" min="-2.14748E9" max="2.14748E9" units="cm"/>
+        </inkml:traceFormat>
+        <inkml:channelProperties>
+          <inkml:channelProperty channel="X" name="resolution" value="1000" units="1/cm"/>
+          <inkml:channelProperty channel="Y" name="resolution" value="1000" units="1/cm"/>
+        </inkml:channelProperties>
+      </inkml:inkSource>
+      <inkml:timestamp xml:id="ts0" timeString="2020-04-13T18:17:46.558"/>
+    </inkml:context>
+    <inkml:brush xml:id="br0">
+      <inkml:brushProperty name="width" value="0.15875" units="cm"/>
+      <inkml:brushProperty name="height" value="0.15875" units="cm"/>
+      <inkml:brushProperty name="color" value="#FF0000"/>
+      <inkml:brushProperty name="ignorePressure" value="1"/>
+    </inkml:brush>
+  </inkml:definitions>
+  <inkml:trace contextRef="#ctx0" brushRef="#br0">1696 12,'-221'-6,"-35"0,185 11,1 3,-57 14,73-13,-177 21,165-23,49-4,-1 0,1 1,0 1,1 0,-1 1,-9 5,-4 5,0 1,-24 18,9-5,-15 4,18-11,-36 27,65-40,1-1,0 2,1 0,1 0,-1 1,2 0,-9 13,12-15,1 1,0 0,1-1,0 2,1-1,0 0,1 1,0-1,1 1,0-1,0 7,2-7,-1 0,1 0,1 0,0 0,0 0,1-1,1 1,0-1,0 1,1-1,6 9,-4-10,0 1,1-1,0-1,0 0,1 0,0 0,1-1,0-1,0 0,0 0,1 0,25 10,1-1,24 5,-52-17,217 61,-179-52,58 13,46 2,109 6,-113-21,-46-5,56 13,-47-3,1-5,35-4,221-7,-201-2,-101 2,-14 0,0-2,-1-2,10-3,-47 3,0 0,1-1,-1 0,0-1,-1-1,1 0,-1 0,-1-1,1-1,-1 0,0-1,2-3,1-1,-2 0,0-2,0 1,-1-2,-1 1,-1-1,0-1,5-15,-5 10,-1-1,-1 0,0-3,-5 16,0 0,0-1,-1 1,-1-1,0 1,0-1,-1 1,-2-6,2 9,-2 0,1 0,-1 0,0 0,-1 0,1 0,-2-1,-10-13,-8-9,14 19,-8-9,-1 0,-1 2,0 0,-1 2,-1 0,-7-3,-29-16,-52-23,49 30,-24-5,20 9,-12-9,47 18,0 2,-1 1,-1 1,0 2,-1 1,0 2,-21-2,-143-4,158 7,-5-2,11 1,-24 0,10 5,0 3,-45 6,75-6</inkml:trace>
+</inkml:ink>
+</file>
+
+<file path=ppt/ink/ink41.xml><?xml version="1.0" encoding="utf-8"?>
+<inkml:ink xmlns:inkml="http://www.w3.org/2003/InkML">
+  <inkml:definitions>
+    <inkml:context xml:id="ctx0">
+      <inkml:inkSource xml:id="inkSrc0">
+        <inkml:traceFormat>
+          <inkml:channel name="X" type="integer" min="-2.14748E9" max="2.14748E9" units="cm"/>
+          <inkml:channel name="Y" type="integer" min="-2.14748E9" max="2.14748E9" units="cm"/>
+        </inkml:traceFormat>
+        <inkml:channelProperties>
+          <inkml:channelProperty channel="X" name="resolution" value="1000" units="1/cm"/>
+          <inkml:channelProperty channel="Y" name="resolution" value="1000" units="1/cm"/>
+        </inkml:channelProperties>
+      </inkml:inkSource>
+      <inkml:timestamp xml:id="ts0" timeString="2020-04-13T18:17:46.559"/>
+    </inkml:context>
+    <inkml:brush xml:id="br0">
+      <inkml:brushProperty name="width" value="0.15875" units="cm"/>
+      <inkml:brushProperty name="height" value="0.15875" units="cm"/>
+      <inkml:brushProperty name="color" value="#FF0000"/>
+      <inkml:brushProperty name="ignorePressure" value="1"/>
+    </inkml:brush>
+  </inkml:definitions>
+  <inkml:trace contextRef="#ctx0" brushRef="#br0">1363 14,'-26'-5,"-1"1,1 2,-1 1,-8 1,8 0,-8-1,0 2,0 1,0 2,0 1,-3 3,-295 88,232-62,-15 11,67-21,2 2,0 2,-11 12,28-18,1 2,2 1,1 1,0 1,-8 15,27-32,0-1,1 1,0 0,1 0,0 1,0-1,1 1,1 0,0 0,0 1,1-1,1 1,0-1,0 1,1-1,1 1,0-1,0 1,1-1,1 0,0 1,0-1,1 0,2 3,1-1,0 1,2-1,-1 0,1-1,1 0,0 0,1-1,0 0,1-1,0-1,5 3,14 9,1-3,0 0,1-2,9 1,4 1,1-3,48 9,99 10,-45-18,37 7,-126-13,76 11,66 1,-97-17,72 5,39 12,-115-9,91 0,-2-2,26 1,-175-12,0-2,0-2,-1-1,11-4,-34 5,-1-1,0 0,0-1,0 0,-1-1,0-1,0-1,-1 0,1-1,-9 5,1-1,-1 0,0 0,-1 0,1 0,-1-1,-1 0,1 0,-1-1,0 1,-1-1,0 1,0-1,0 0,-1-1,-1 1,1 0,-1 0,-1-3,1-9,-2 0,0 0,-1 0,-1 0,-1 0,-1 0,-1 1,0 0,-1 0,-2 0,1 1,-2 1,-1-1,0 2,-1-1,-6-5,-2 0,-1 0,-1 2,-1 0,-1 2,-3-2,-20-10,-2 1,-16-5,-32-10,-31-8,-102-28,210 74,-26-10,0-1,-10-7,18 4,16 8,0 1,-15-4,9 5,-45-17,-2 4,-45-7,75 24,1 2,-41 2,-5 0,17-2,44 2</inkml:trace>
+</inkml:ink>
+</file>
+
+<file path=ppt/ink/ink42.xml><?xml version="1.0" encoding="utf-8"?>
+<inkml:ink xmlns:inkml="http://www.w3.org/2003/InkML">
+  <inkml:definitions>
+    <inkml:context xml:id="ctx0">
+      <inkml:inkSource xml:id="inkSrc0">
+        <inkml:traceFormat>
+          <inkml:channel name="X" type="integer" min="-2.14748E9" max="2.14748E9" units="cm"/>
+          <inkml:channel name="Y" type="integer" min="-2.14748E9" max="2.14748E9" units="cm"/>
+        </inkml:traceFormat>
+        <inkml:channelProperties>
+          <inkml:channelProperty channel="X" name="resolution" value="1000" units="1/cm"/>
+          <inkml:channelProperty channel="Y" name="resolution" value="1000" units="1/cm"/>
+        </inkml:channelProperties>
+      </inkml:inkSource>
+      <inkml:timestamp xml:id="ts0" timeString="2020-04-13T18:17:46.559"/>
+    </inkml:context>
+    <inkml:brush xml:id="br0">
+      <inkml:brushProperty name="width" value="0.15875" units="cm"/>
+      <inkml:brushProperty name="height" value="0.15875" units="cm"/>
+      <inkml:brushProperty name="color" value="#FF0000"/>
+      <inkml:brushProperty name="ignorePressure" value="1"/>
+    </inkml:brush>
+  </inkml:definitions>
+  <inkml:trace contextRef="#ctx0" brushRef="#br0">1 450,'0'-7,"0"-3,0-1,0 1,1 0,1 0,0 0,2-9,3 2,1-1,1 1,0 0,1 1,1 0,0 0,1 2,1-1,0 1,13-9,8-5,2 2,0 1,2 2,7-1,-29 15,1 2,1 0,-1 1,1 1,0 1,1 0,5 1,29-2,48 1,-84 4,0 1,1 0,-1 1,0 1,0 1,-1 0,1 1,-1 1,0 1,0 0,10 6,0 1,-1 1,2 3,-7-2</inkml:trace>
+</inkml:ink>
+</file>
+
+<file path=ppt/ink/ink43.xml><?xml version="1.0" encoding="utf-8"?>
+<inkml:ink xmlns:inkml="http://www.w3.org/2003/InkML">
+  <inkml:definitions>
+    <inkml:context xml:id="ctx0">
+      <inkml:inkSource xml:id="inkSrc0">
+        <inkml:traceFormat>
+          <inkml:channel name="X" type="integer" min="-2.14748E9" max="2.14748E9" units="cm"/>
+          <inkml:channel name="Y" type="integer" min="-2.14748E9" max="2.14748E9" units="cm"/>
+        </inkml:traceFormat>
+        <inkml:channelProperties>
+          <inkml:channelProperty channel="X" name="resolution" value="1000" units="1/cm"/>
+          <inkml:channelProperty channel="Y" name="resolution" value="1000" units="1/cm"/>
+        </inkml:channelProperties>
+      </inkml:inkSource>
+      <inkml:timestamp xml:id="ts0" timeString="2020-04-13T18:17:46.560"/>
+    </inkml:context>
+    <inkml:brush xml:id="br0">
+      <inkml:brushProperty name="width" value="0.15875" units="cm"/>
+      <inkml:brushProperty name="height" value="0.15875" units="cm"/>
+      <inkml:brushProperty name="color" value="#FF0000"/>
+      <inkml:brushProperty name="ignorePressure" value="1"/>
+    </inkml:brush>
+  </inkml:definitions>
+  <inkml:trace contextRef="#ctx0" brushRef="#br0">221 1,'30'35,"-21"-23,1-1,0-1,3 2,31 24,39 22,-4-4,-25-15,47 25,-86-56,-5-3,-1 0,0 1,0 0,0 1,-9-7,1 1,-1-1,0 0,1 1,-1-1,1 1,-1-1,0 1,1-1,-1 1,0-1,0 1,0-1,1 1,-1 0,0-1,0 0,0 0,0 1,0-1,0 0,0 0,0 1,0-1,-1 0,1 0,0 0,0 1,0-1,0 0,0 0,0 0,-1 1,1-1,0 0,0 0,0 0,-1 0,1 1,0-1,-16 5,-10-2,0-1,0-1,0-2,-5-1,-6 1,-131-10,-2-8,15 2,119 13</inkml:trace>
+</inkml:ink>
+</file>
+
+<file path=ppt/ink/ink5.xml><?xml version="1.0" encoding="utf-8"?>
+<inkml:ink xmlns:inkml="http://www.w3.org/2003/InkML">
+  <inkml:definitions>
+    <inkml:context xml:id="ctx0">
+      <inkml:inkSource xml:id="inkSrc0">
+        <inkml:traceFormat>
+          <inkml:channel name="X" type="integer" min="-2.14748E9" max="2.14748E9" units="cm"/>
+          <inkml:channel name="Y" type="integer" min="-2.14748E9" max="2.14748E9" units="cm"/>
+        </inkml:traceFormat>
+        <inkml:channelProperties>
+          <inkml:channelProperty channel="X" name="resolution" value="1000" units="1/cm"/>
+          <inkml:channelProperty channel="Y" name="resolution" value="1000" units="1/cm"/>
+        </inkml:channelProperties>
+      </inkml:inkSource>
+      <inkml:timestamp xml:id="ts0" timeString="2020-04-13T18:10:07.613"/>
+    </inkml:context>
+    <inkml:brush xml:id="br0">
+      <inkml:brushProperty name="width" value="0.15875" units="cm"/>
+      <inkml:brushProperty name="height" value="0.15875" units="cm"/>
+      <inkml:brushProperty name="color" value="#FF0000"/>
+      <inkml:brushProperty name="ignorePressure" value="1"/>
+    </inkml:brush>
+  </inkml:definitions>
+  <inkml:trace contextRef="#ctx0" brushRef="#br0">584 1,'-43'1,"1"2,-1 2,1 1,0 3,0 1,1 2,1 2,0 2,1 2,21-10,1 1,0 1,1 1,-2 1,12-7,0 0,0 1,1-1,0 1,0 0,0 0,1 1,0-1,0 1,0 0,-1 7,-1 5,1 0,0 0,2 1,0-1,2 1,0 0,1 10,3 20,3-1,5 21,-9-61,0-1,1 0,0 0,1 0,0-1,0 1,0-1,1 0,0 0,0 0,1-1,0 0,4 3,12 11,2-2,0 0,6 1,23 14,2-3,5 0,-21-14,0-1,1-3,12 2,-32-10,0-1,10 0,-10-1,-1 1,10 2,-2 2,-3 0</inkml:trace>
+</inkml:ink>
+</file>
+
+<file path=ppt/ink/ink6.xml><?xml version="1.0" encoding="utf-8"?>
+<inkml:ink xmlns:inkml="http://www.w3.org/2003/InkML">
+  <inkml:definitions>
+    <inkml:context xml:id="ctx0">
+      <inkml:inkSource xml:id="inkSrc0">
+        <inkml:traceFormat>
+          <inkml:channel name="X" type="integer" min="-2.14748E9" max="2.14748E9" units="cm"/>
+          <inkml:channel name="Y" type="integer" min="-2.14748E9" max="2.14748E9" units="cm"/>
+        </inkml:traceFormat>
+        <inkml:channelProperties>
+          <inkml:channelProperty channel="X" name="resolution" value="1000" units="1/cm"/>
+          <inkml:channelProperty channel="Y" name="resolution" value="1000" units="1/cm"/>
+        </inkml:channelProperties>
+      </inkml:inkSource>
+      <inkml:timestamp xml:id="ts0" timeString="2020-04-13T18:10:08.997"/>
+    </inkml:context>
+    <inkml:brush xml:id="br0">
+      <inkml:brushProperty name="width" value="0.15875" units="cm"/>
+      <inkml:brushProperty name="height" value="0.15875" units="cm"/>
+      <inkml:brushProperty name="color" value="#FF0000"/>
+      <inkml:brushProperty name="ignorePressure" value="1"/>
+    </inkml:brush>
+  </inkml:definitions>
+  <inkml:trace contextRef="#ctx0" brushRef="#br0">16 1,'38'19,"-9"-4,31 12,-32-15,0 1,-1 1,-1 1,-1 2,21 17,-42-31,1 1,-1-1,-1 1,1 0,0 0,-1 1,0-1,0 1,0-1,-1 1,1 1,-2-3,0 1,0-1,0 0,0 1,-1-1,0 1,0-1,1 1,-2-1,1 0,0 1,-1-1,0 1,0-1,0 0,0 1,-1 1,-1 0,1 0,-1 0,0-1,-1 0,1 1,-1-1,0 0,0-1,0 1,0-1,-1 0,1 0,-1 0,0 0,0-1,0 0,-3 1,-12 3,0 0,-1-2,-20 2,36-5,-107 10,68-8,21-1</inkml:trace>
+</inkml:ink>
+</file>
+
+<file path=ppt/ink/ink7.xml><?xml version="1.0" encoding="utf-8"?>
+<inkml:ink xmlns:inkml="http://www.w3.org/2003/InkML">
+  <inkml:definitions>
+    <inkml:context xml:id="ctx0">
+      <inkml:inkSource xml:id="inkSrc0">
+        <inkml:traceFormat>
+          <inkml:channel name="X" type="integer" min="-2.14748E9" max="2.14748E9" units="cm"/>
+          <inkml:channel name="Y" type="integer" min="-2.14748E9" max="2.14748E9" units="cm"/>
+        </inkml:traceFormat>
+        <inkml:channelProperties>
+          <inkml:channelProperty channel="X" name="resolution" value="1000" units="1/cm"/>
+          <inkml:channelProperty channel="Y" name="resolution" value="1000" units="1/cm"/>
+        </inkml:channelProperties>
+      </inkml:inkSource>
+      <inkml:timestamp xml:id="ts0" timeString="2020-04-13T18:10:10.717"/>
+    </inkml:context>
+    <inkml:brush xml:id="br0">
+      <inkml:brushProperty name="width" value="0.15875" units="cm"/>
+      <inkml:brushProperty name="height" value="0.15875" units="cm"/>
+      <inkml:brushProperty name="color" value="#FF0000"/>
+      <inkml:brushProperty name="ignorePressure" value="1"/>
+    </inkml:brush>
+  </inkml:definitions>
+  <inkml:trace contextRef="#ctx0" brushRef="#br0">361 240,'-42'-1,"3"0,-33 4,60-1,0-1,1 2,-1 0,0 0,1 1,0 0,0 1,-2 1,7-2,-1 0,1 1,0-1,0 2,1-1,0 0,0 1,0 0,0 0,1 1,0-1,0 1,1 0,0 0,-1 2,-2 8,1 2,1-1,0 0,1 1,0 12,3-21,0 0,1-1,0 1,0-1,1 0,1 1,-1-1,1 0,1 0,0-1,2 4,6 11,2-1,0 0,11 11,-7-11,1-1,1 0,1-2,11 8,-11-13,1 0,1-1,0-1,14 5,-17-8,11 4,1-1,25 5,66 12,-37-10,-10-4,2-3,0-3,33-3,-64-4,43 8,-19-2,1-2,-1-3,57-6,-118 3,1-1,0 0,0-1,-1 0,1-1,-1 0,1 0,-7 1,0 0,-1 0,1 0,0-1,-1 1,0-1,1 1,-1-1,0 0,0-1,-1 1,1 0,-1-1,1 0,-1 1,0-1,-1 0,1 0,0-1,1-8,-1-1,0 1,0-1,-1 1,-1-1,-1 1,0-3,1-2,-1 0,-1-1,0 1,-1 0,-1-1,0 2,-2-1,0 0,-1 1,0 0,-2 1,0 0,-1 0,-8-9,-3-1,-1 1,-1 0,-2 2,-26-20,-61-41,-35-16,87 62,-59-37,94 61,-1 1,-1 1,-21-6,5 7,-1 1,-12 1,-29-6,19 0,11 2,-2 2,-27 0,81 11</inkml:trace>
+</inkml:ink>
+</file>
+
+<file path=ppt/ink/ink8.xml><?xml version="1.0" encoding="utf-8"?>
+<inkml:ink xmlns:inkml="http://www.w3.org/2003/InkML">
+  <inkml:definitions>
+    <inkml:context xml:id="ctx0">
+      <inkml:inkSource xml:id="inkSrc0">
+        <inkml:traceFormat>
+          <inkml:channel name="X" type="integer" min="-2.14748E9" max="2.14748E9" units="cm"/>
+          <inkml:channel name="Y" type="integer" min="-2.14748E9" max="2.14748E9" units="cm"/>
+        </inkml:traceFormat>
+        <inkml:channelProperties>
+          <inkml:channelProperty channel="X" name="resolution" value="1000" units="1/cm"/>
+          <inkml:channelProperty channel="Y" name="resolution" value="1000" units="1/cm"/>
+        </inkml:channelProperties>
+      </inkml:inkSource>
+      <inkml:timestamp xml:id="ts0" timeString="2020-04-13T18:10:12.301"/>
+    </inkml:context>
+    <inkml:brush xml:id="br0">
+      <inkml:brushProperty name="width" value="0.15875" units="cm"/>
+      <inkml:brushProperty name="height" value="0.15875" units="cm"/>
+      <inkml:brushProperty name="color" value="#FF0000"/>
+      <inkml:brushProperty name="ignorePressure" value="1"/>
+    </inkml:brush>
+  </inkml:definitions>
+  <inkml:trace contextRef="#ctx0" brushRef="#br0">0 1,'383'8,"-275"-1,-1 6,55 14,-140-22,0 1,0 0,-1 2,0 0,0 2,-1 0,0 1,-1 1,10 8,36 35,-3 2,-2 3,-2 3,-3 2,44 70,-80-106,-2 0,1 4,-11-20,-1 1,-1 1,0-1,-1 0,2 13,-5-24,-1 1,1-1,-1 0,0 1,0-1,0 0,-1 1,1-1,-1 0,0 0,0 0,0 1,0-1,-1 0,0 1,-1 0,0 0,0 0,0 0,-1-1,1 1,-1-1,0 0,0 0,0-1,-1 1,-18 10,-2 0,0-2,0-1,0-1,-1-1,-21 3,-37 3,-41 1,103-12,-267 15,206-15,-157 1,210-4</inkml:trace>
+</inkml:ink>
+</file>
+
+<file path=ppt/ink/ink9.xml><?xml version="1.0" encoding="utf-8"?>
+<inkml:ink xmlns:inkml="http://www.w3.org/2003/InkML">
+  <inkml:definitions>
+    <inkml:context xml:id="ctx0">
+      <inkml:inkSource xml:id="inkSrc0">
+        <inkml:traceFormat>
+          <inkml:channel name="X" type="integer" min="-2.14748E9" max="2.14748E9" units="cm"/>
+          <inkml:channel name="Y" type="integer" min="-2.14748E9" max="2.14748E9" units="cm"/>
+        </inkml:traceFormat>
+        <inkml:channelProperties>
+          <inkml:channelProperty channel="X" name="resolution" value="1000" units="1/cm"/>
+          <inkml:channelProperty channel="Y" name="resolution" value="1000" units="1/cm"/>
+        </inkml:channelProperties>
+      </inkml:inkSource>
+      <inkml:timestamp xml:id="ts0" timeString="2020-04-13T18:10:13.669"/>
+    </inkml:context>
+    <inkml:brush xml:id="br0">
+      <inkml:brushProperty name="width" value="0.15875" units="cm"/>
+      <inkml:brushProperty name="height" value="0.15875" units="cm"/>
+      <inkml:brushProperty name="color" value="#FF0000"/>
+      <inkml:brushProperty name="ignorePressure" value="1"/>
+    </inkml:brush>
+  </inkml:definitions>
+  <inkml:trace contextRef="#ctx0" brushRef="#br0">347 0,'-88'3,"1"4,-13 5,89-11,6 0,-1-1,0 1,1 0,-1 1,1-1,0 1,-1 0,-4 3,10-5,-1 0,1 0,-1 1,1-1,-1 1,1-1,-1 0,1 1,0-1,-1 1,1-1,0 1,0-1,-1 1,1-1,0 1,0-1,-1 1,1-1,0 1,0-1,0 1,0 0,0-1,0 1,0-1,0 1,0-1,0 1,0-1,1 1,-1 0,0-1,0 1,1-1,-1 1,0-1,0 1,1-1,-1 0,0 1,1-1,-1 1,1-1,-1 0,3 3,-1-1,1 0,0 0,0 0,0 0,2 1,24 10,1-2,0-1,0-1,16 1,1 1,19 9,-34-9,-3 0</inkml:trace>
+</inkml:ink>
 </file>
 
 <file path=ppt/slideLayouts/slideLayout1.xml><?xml version="1.0" encoding="utf-8"?>
@@ -12565,6 +13726,231 @@
           </a:p>
         </p:txBody>
       </p:sp>
+      <p:grpSp>
+        <p:nvGrpSpPr>
+          <p:cNvPr id="5" name="Group 4">
+            <a:extLst>
+              <a:ext uri="{FF2B5EF4-FFF2-40B4-BE49-F238E27FC236}">
+                <a16:creationId xmlns:a16="http://schemas.microsoft.com/office/drawing/2014/main" id="{4B2E1EC0-C649-47EF-9929-8758C14509C2}"/>
+              </a:ext>
+            </a:extLst>
+          </p:cNvPr>
+          <p:cNvGrpSpPr/>
+          <p:nvPr/>
+        </p:nvGrpSpPr>
+        <p:grpSpPr>
+          <a:xfrm>
+            <a:off x="9083612" y="5297932"/>
+            <a:ext cx="2329560" cy="560520"/>
+            <a:chOff x="3239944" y="3885529"/>
+            <a:chExt cx="2329560" cy="560520"/>
+          </a:xfrm>
+        </p:grpSpPr>
+        <mc:AlternateContent xmlns:mc="http://schemas.openxmlformats.org/markup-compatibility/2006">
+          <mc:Choice xmlns:p14="http://schemas.microsoft.com/office/powerpoint/2010/main" Requires="p14">
+            <p:contentPart p14:bwMode="auto" r:id="rId2">
+              <p14:nvContentPartPr>
+                <p14:cNvPr id="7" name="Ink 6">
+                  <a:extLst>
+                    <a:ext uri="{FF2B5EF4-FFF2-40B4-BE49-F238E27FC236}">
+                      <a16:creationId xmlns:a16="http://schemas.microsoft.com/office/drawing/2014/main" id="{3FAE147E-3E3B-4194-93E9-EE83B2A01FA2}"/>
+                    </a:ext>
+                  </a:extLst>
+                </p14:cNvPr>
+                <p14:cNvContentPartPr/>
+                <p14:nvPr/>
+              </p14:nvContentPartPr>
+              <p14:xfrm>
+                <a:off x="3239944" y="4038529"/>
+                <a:ext cx="1066680" cy="390960"/>
+              </p14:xfrm>
+            </p:contentPart>
+          </mc:Choice>
+          <mc:Fallback>
+            <p:pic>
+              <p:nvPicPr>
+                <p:cNvPr id="7" name="Ink 6">
+                  <a:extLst>
+                    <a:ext uri="{FF2B5EF4-FFF2-40B4-BE49-F238E27FC236}">
+                      <a16:creationId xmlns:a16="http://schemas.microsoft.com/office/drawing/2014/main" id="{3FAE147E-3E3B-4194-93E9-EE83B2A01FA2}"/>
+                    </a:ext>
+                  </a:extLst>
+                </p:cNvPr>
+                <p:cNvPicPr/>
+                <p:nvPr/>
+              </p:nvPicPr>
+              <p:blipFill>
+                <a:blip r:embed="rId3"/>
+                <a:stretch>
+                  <a:fillRect/>
+                </a:stretch>
+              </p:blipFill>
+              <p:spPr>
+                <a:xfrm>
+                  <a:off x="3211504" y="4010089"/>
+                  <a:ext cx="1123200" cy="447840"/>
+                </a:xfrm>
+                <a:prstGeom prst="rect">
+                  <a:avLst/>
+                </a:prstGeom>
+              </p:spPr>
+            </p:pic>
+          </mc:Fallback>
+        </mc:AlternateContent>
+        <mc:AlternateContent xmlns:mc="http://schemas.openxmlformats.org/markup-compatibility/2006">
+          <mc:Choice xmlns:p14="http://schemas.microsoft.com/office/powerpoint/2010/main" Requires="p14">
+            <p:contentPart p14:bwMode="auto" r:id="rId4">
+              <p14:nvContentPartPr>
+                <p14:cNvPr id="8" name="Ink 7">
+                  <a:extLst>
+                    <a:ext uri="{FF2B5EF4-FFF2-40B4-BE49-F238E27FC236}">
+                      <a16:creationId xmlns:a16="http://schemas.microsoft.com/office/drawing/2014/main" id="{D3800B28-FB97-4372-96A1-E69B5968755B}"/>
+                    </a:ext>
+                  </a:extLst>
+                </p14:cNvPr>
+                <p14:cNvContentPartPr/>
+                <p14:nvPr/>
+              </p14:nvContentPartPr>
+              <p14:xfrm>
+                <a:off x="4462144" y="3993169"/>
+                <a:ext cx="1107360" cy="452880"/>
+              </p14:xfrm>
+            </p:contentPart>
+          </mc:Choice>
+          <mc:Fallback>
+            <p:pic>
+              <p:nvPicPr>
+                <p:cNvPr id="8" name="Ink 7">
+                  <a:extLst>
+                    <a:ext uri="{FF2B5EF4-FFF2-40B4-BE49-F238E27FC236}">
+                      <a16:creationId xmlns:a16="http://schemas.microsoft.com/office/drawing/2014/main" id="{D3800B28-FB97-4372-96A1-E69B5968755B}"/>
+                    </a:ext>
+                  </a:extLst>
+                </p:cNvPr>
+                <p:cNvPicPr/>
+                <p:nvPr/>
+              </p:nvPicPr>
+              <p:blipFill>
+                <a:blip r:embed="rId5"/>
+                <a:stretch>
+                  <a:fillRect/>
+                </a:stretch>
+              </p:blipFill>
+              <p:spPr>
+                <a:xfrm>
+                  <a:off x="4433704" y="3965089"/>
+                  <a:ext cx="1163880" cy="509760"/>
+                </a:xfrm>
+                <a:prstGeom prst="rect">
+                  <a:avLst/>
+                </a:prstGeom>
+              </p:spPr>
+            </p:pic>
+          </mc:Fallback>
+        </mc:AlternateContent>
+        <mc:AlternateContent xmlns:mc="http://schemas.openxmlformats.org/markup-compatibility/2006">
+          <mc:Choice xmlns:p14="http://schemas.microsoft.com/office/powerpoint/2010/main" Requires="p14">
+            <p:contentPart p14:bwMode="auto" r:id="rId6">
+              <p14:nvContentPartPr>
+                <p14:cNvPr id="9" name="Ink 8">
+                  <a:extLst>
+                    <a:ext uri="{FF2B5EF4-FFF2-40B4-BE49-F238E27FC236}">
+                      <a16:creationId xmlns:a16="http://schemas.microsoft.com/office/drawing/2014/main" id="{C07EBEDD-3FC2-4DBD-9742-E4FFBC526F9A}"/>
+                    </a:ext>
+                  </a:extLst>
+                </p14:cNvPr>
+                <p14:cNvContentPartPr/>
+                <p14:nvPr/>
+              </p14:nvContentPartPr>
+              <p14:xfrm>
+                <a:off x="4006744" y="3885529"/>
+                <a:ext cx="337320" cy="162360"/>
+              </p14:xfrm>
+            </p:contentPart>
+          </mc:Choice>
+          <mc:Fallback>
+            <p:pic>
+              <p:nvPicPr>
+                <p:cNvPr id="9" name="Ink 8">
+                  <a:extLst>
+                    <a:ext uri="{FF2B5EF4-FFF2-40B4-BE49-F238E27FC236}">
+                      <a16:creationId xmlns:a16="http://schemas.microsoft.com/office/drawing/2014/main" id="{C07EBEDD-3FC2-4DBD-9742-E4FFBC526F9A}"/>
+                    </a:ext>
+                  </a:extLst>
+                </p:cNvPr>
+                <p:cNvPicPr/>
+                <p:nvPr/>
+              </p:nvPicPr>
+              <p:blipFill>
+                <a:blip r:embed="rId7"/>
+                <a:stretch>
+                  <a:fillRect/>
+                </a:stretch>
+              </p:blipFill>
+              <p:spPr>
+                <a:xfrm>
+                  <a:off x="3978304" y="3857089"/>
+                  <a:ext cx="394200" cy="219240"/>
+                </a:xfrm>
+                <a:prstGeom prst="rect">
+                  <a:avLst/>
+                </a:prstGeom>
+              </p:spPr>
+            </p:pic>
+          </mc:Fallback>
+        </mc:AlternateContent>
+        <mc:AlternateContent xmlns:mc="http://schemas.openxmlformats.org/markup-compatibility/2006">
+          <mc:Choice xmlns:p14="http://schemas.microsoft.com/office/powerpoint/2010/main" Requires="p14">
+            <p:contentPart p14:bwMode="auto" r:id="rId8">
+              <p14:nvContentPartPr>
+                <p14:cNvPr id="10" name="Ink 9">
+                  <a:extLst>
+                    <a:ext uri="{FF2B5EF4-FFF2-40B4-BE49-F238E27FC236}">
+                      <a16:creationId xmlns:a16="http://schemas.microsoft.com/office/drawing/2014/main" id="{1841A8A7-EAF1-41E1-9FB6-C3F219ED4032}"/>
+                    </a:ext>
+                  </a:extLst>
+                </p14:cNvPr>
+                <p14:cNvContentPartPr/>
+                <p14:nvPr/>
+              </p14:nvContentPartPr>
+              <p14:xfrm>
+                <a:off x="4317784" y="3885889"/>
+                <a:ext cx="259200" cy="141480"/>
+              </p14:xfrm>
+            </p:contentPart>
+          </mc:Choice>
+          <mc:Fallback>
+            <p:pic>
+              <p:nvPicPr>
+                <p:cNvPr id="10" name="Ink 9">
+                  <a:extLst>
+                    <a:ext uri="{FF2B5EF4-FFF2-40B4-BE49-F238E27FC236}">
+                      <a16:creationId xmlns:a16="http://schemas.microsoft.com/office/drawing/2014/main" id="{1841A8A7-EAF1-41E1-9FB6-C3F219ED4032}"/>
+                    </a:ext>
+                  </a:extLst>
+                </p:cNvPr>
+                <p:cNvPicPr/>
+                <p:nvPr/>
+              </p:nvPicPr>
+              <p:blipFill>
+                <a:blip r:embed="rId9"/>
+                <a:stretch>
+                  <a:fillRect/>
+                </a:stretch>
+              </p:blipFill>
+              <p:spPr>
+                <a:xfrm>
+                  <a:off x="4289344" y="3857449"/>
+                  <a:ext cx="316080" cy="198360"/>
+                </a:xfrm>
+                <a:prstGeom prst="rect">
+                  <a:avLst/>
+                </a:prstGeom>
+              </p:spPr>
+            </p:pic>
+          </mc:Fallback>
+        </mc:AlternateContent>
+      </p:grpSp>
     </p:spTree>
     <p:extLst>
       <p:ext uri="{BB962C8B-B14F-4D97-AF65-F5344CB8AC3E}">
@@ -12575,6 +13961,126 @@
   <p:clrMapOvr>
     <a:masterClrMapping/>
   </p:clrMapOvr>
+  <p:timing>
+    <p:tnLst>
+      <p:par>
+        <p:cTn id="1" dur="indefinite" restart="never" nodeType="tmRoot">
+          <p:childTnLst>
+            <p:seq concurrent="1" nextAc="seek">
+              <p:cTn id="2" dur="indefinite" nodeType="mainSeq">
+                <p:childTnLst>
+                  <p:par>
+                    <p:cTn id="3" fill="hold">
+                      <p:stCondLst>
+                        <p:cond delay="indefinite"/>
+                      </p:stCondLst>
+                      <p:childTnLst>
+                        <p:par>
+                          <p:cTn id="4" fill="hold">
+                            <p:stCondLst>
+                              <p:cond delay="0"/>
+                            </p:stCondLst>
+                            <p:childTnLst>
+                              <p:par>
+                                <p:cTn id="5" presetID="1" presetClass="entr" presetSubtype="0" fill="hold" nodeType="clickEffect">
+                                  <p:stCondLst>
+                                    <p:cond delay="0"/>
+                                  </p:stCondLst>
+                                  <p:childTnLst>
+                                    <p:set>
+                                      <p:cBhvr>
+                                        <p:cTn id="6" dur="1" fill="hold">
+                                          <p:stCondLst>
+                                            <p:cond delay="0"/>
+                                          </p:stCondLst>
+                                        </p:cTn>
+                                        <p:tgtEl>
+                                          <p:spTgt spid="5"/>
+                                        </p:tgtEl>
+                                        <p:attrNameLst>
+                                          <p:attrName>style.visibility</p:attrName>
+                                        </p:attrNameLst>
+                                      </p:cBhvr>
+                                      <p:to>
+                                        <p:strVal val="visible"/>
+                                      </p:to>
+                                    </p:set>
+                                  </p:childTnLst>
+                                </p:cTn>
+                              </p:par>
+                            </p:childTnLst>
+                          </p:cTn>
+                        </p:par>
+                      </p:childTnLst>
+                    </p:cTn>
+                  </p:par>
+                  <p:par>
+                    <p:cTn id="7" fill="hold">
+                      <p:stCondLst>
+                        <p:cond delay="indefinite"/>
+                      </p:stCondLst>
+                      <p:childTnLst>
+                        <p:par>
+                          <p:cTn id="8" fill="hold">
+                            <p:stCondLst>
+                              <p:cond delay="0"/>
+                            </p:stCondLst>
+                            <p:childTnLst>
+                              <p:par>
+                                <p:cTn id="9" presetID="1" presetClass="exit" presetSubtype="0" fill="hold" nodeType="clickEffect">
+                                  <p:stCondLst>
+                                    <p:cond delay="0"/>
+                                  </p:stCondLst>
+                                  <p:childTnLst>
+                                    <p:set>
+                                      <p:cBhvr>
+                                        <p:cTn id="10" dur="1" fill="hold">
+                                          <p:stCondLst>
+                                            <p:cond delay="0"/>
+                                          </p:stCondLst>
+                                        </p:cTn>
+                                        <p:tgtEl>
+                                          <p:spTgt spid="5"/>
+                                        </p:tgtEl>
+                                        <p:attrNameLst>
+                                          <p:attrName>style.visibility</p:attrName>
+                                        </p:attrNameLst>
+                                      </p:cBhvr>
+                                      <p:to>
+                                        <p:strVal val="hidden"/>
+                                      </p:to>
+                                    </p:set>
+                                  </p:childTnLst>
+                                </p:cTn>
+                              </p:par>
+                            </p:childTnLst>
+                          </p:cTn>
+                        </p:par>
+                      </p:childTnLst>
+                    </p:cTn>
+                  </p:par>
+                </p:childTnLst>
+              </p:cTn>
+              <p:prevCondLst>
+                <p:cond evt="onPrev" delay="0">
+                  <p:tgtEl>
+                    <p:sldTgt/>
+                  </p:tgtEl>
+                </p:cond>
+              </p:prevCondLst>
+              <p:nextCondLst>
+                <p:cond evt="onNext" delay="0">
+                  <p:tgtEl>
+                    <p:sldTgt/>
+                  </p:tgtEl>
+                </p:cond>
+              </p:nextCondLst>
+            </p:seq>
+          </p:childTnLst>
+        </p:cTn>
+      </p:par>
+    </p:tnLst>
+  </p:timing>
 </p:sld>
 </file>
 
@@ -12938,7 +14444,15 @@
             </a:r>
             <a:r>
               <a:rPr lang="en-US" sz="3200" dirty="0"/>
-              <a:t> ser consecutives) que </a:t>
+              <a:t> ser </a:t>
+            </a:r>
+            <a:r>
+              <a:rPr lang="en-US" sz="3200"/>
+              <a:t>consecutivos</a:t>
+            </a:r>
+            <a:r>
+              <a:rPr lang="en-US" sz="3200" dirty="0"/>
+              <a:t>) que </a:t>
             </a:r>
             <a:r>
               <a:rPr lang="en-US" sz="3200" dirty="0" err="1"/>
@@ -22047,6 +23561,813 @@
           </a:p>
         </p:txBody>
       </p:sp>
+      <mc:AlternateContent xmlns:mc="http://schemas.openxmlformats.org/markup-compatibility/2006">
+        <mc:Choice xmlns:p14="http://schemas.microsoft.com/office/powerpoint/2010/main" Requires="p14">
+          <p:contentPart p14:bwMode="auto" r:id="rId2">
+            <p14:nvContentPartPr>
+              <p14:cNvPr id="7" name="Ink 6">
+                <a:extLst>
+                  <a:ext uri="{FF2B5EF4-FFF2-40B4-BE49-F238E27FC236}">
+                    <a16:creationId xmlns:a16="http://schemas.microsoft.com/office/drawing/2014/main" id="{DCCE3BA1-CFD6-4C7B-8880-96681F9BA73A}"/>
+                  </a:ext>
+                </a:extLst>
+              </p14:cNvPr>
+              <p14:cNvContentPartPr/>
+              <p14:nvPr/>
+            </p14:nvContentPartPr>
+            <p14:xfrm>
+              <a:off x="4070824" y="4216009"/>
+              <a:ext cx="452520" cy="317160"/>
+            </p14:xfrm>
+          </p:contentPart>
+        </mc:Choice>
+        <mc:Fallback>
+          <p:pic>
+            <p:nvPicPr>
+              <p:cNvPr id="7" name="Ink 6">
+                <a:extLst>
+                  <a:ext uri="{FF2B5EF4-FFF2-40B4-BE49-F238E27FC236}">
+                    <a16:creationId xmlns:a16="http://schemas.microsoft.com/office/drawing/2014/main" id="{DCCE3BA1-CFD6-4C7B-8880-96681F9BA73A}"/>
+                  </a:ext>
+                </a:extLst>
+              </p:cNvPr>
+              <p:cNvPicPr/>
+              <p:nvPr/>
+            </p:nvPicPr>
+            <p:blipFill>
+              <a:blip r:embed="rId3"/>
+              <a:stretch>
+                <a:fillRect/>
+              </a:stretch>
+            </p:blipFill>
+            <p:spPr>
+              <a:xfrm>
+                <a:off x="4042384" y="4187929"/>
+                <a:ext cx="509400" cy="373680"/>
+              </a:xfrm>
+              <a:prstGeom prst="rect">
+                <a:avLst/>
+              </a:prstGeom>
+            </p:spPr>
+          </p:pic>
+        </mc:Fallback>
+      </mc:AlternateContent>
+      <mc:AlternateContent xmlns:mc="http://schemas.openxmlformats.org/markup-compatibility/2006">
+        <mc:Choice xmlns:p14="http://schemas.microsoft.com/office/powerpoint/2010/main" Requires="p14">
+          <p:contentPart p14:bwMode="auto" r:id="rId4">
+            <p14:nvContentPartPr>
+              <p14:cNvPr id="3" name="Ink 2">
+                <a:extLst>
+                  <a:ext uri="{FF2B5EF4-FFF2-40B4-BE49-F238E27FC236}">
+                    <a16:creationId xmlns:a16="http://schemas.microsoft.com/office/drawing/2014/main" id="{998C6E06-F3F6-4E6E-A65C-A9E18979B934}"/>
+                  </a:ext>
+                </a:extLst>
+              </p14:cNvPr>
+              <p14:cNvContentPartPr/>
+              <p14:nvPr/>
+            </p14:nvContentPartPr>
+            <p14:xfrm>
+              <a:off x="3382864" y="3988849"/>
+              <a:ext cx="840960" cy="386280"/>
+            </p14:xfrm>
+          </p:contentPart>
+        </mc:Choice>
+        <mc:Fallback>
+          <p:pic>
+            <p:nvPicPr>
+              <p:cNvPr id="3" name="Ink 2">
+                <a:extLst>
+                  <a:ext uri="{FF2B5EF4-FFF2-40B4-BE49-F238E27FC236}">
+                    <a16:creationId xmlns:a16="http://schemas.microsoft.com/office/drawing/2014/main" id="{998C6E06-F3F6-4E6E-A65C-A9E18979B934}"/>
+                  </a:ext>
+                </a:extLst>
+              </p:cNvPr>
+              <p:cNvPicPr/>
+              <p:nvPr/>
+            </p:nvPicPr>
+            <p:blipFill>
+              <a:blip r:embed="rId5"/>
+              <a:stretch>
+                <a:fillRect/>
+              </a:stretch>
+            </p:blipFill>
+            <p:spPr>
+              <a:xfrm>
+                <a:off x="3354424" y="3960409"/>
+                <a:ext cx="897840" cy="443160"/>
+              </a:xfrm>
+              <a:prstGeom prst="rect">
+                <a:avLst/>
+              </a:prstGeom>
+            </p:spPr>
+          </p:pic>
+        </mc:Fallback>
+      </mc:AlternateContent>
+      <mc:AlternateContent xmlns:mc="http://schemas.openxmlformats.org/markup-compatibility/2006">
+        <mc:Choice xmlns:p14="http://schemas.microsoft.com/office/powerpoint/2010/main" Requires="p14">
+          <p:contentPart p14:bwMode="auto" r:id="rId6">
+            <p14:nvContentPartPr>
+              <p14:cNvPr id="5" name="Ink 4">
+                <a:extLst>
+                  <a:ext uri="{FF2B5EF4-FFF2-40B4-BE49-F238E27FC236}">
+                    <a16:creationId xmlns:a16="http://schemas.microsoft.com/office/drawing/2014/main" id="{18A5AAEE-5B6C-4C20-9DF5-486181DD081F}"/>
+                  </a:ext>
+                </a:extLst>
+              </p14:cNvPr>
+              <p14:cNvContentPartPr/>
+              <p14:nvPr/>
+            </p14:nvContentPartPr>
+            <p14:xfrm>
+              <a:off x="3265504" y="4338769"/>
+              <a:ext cx="892800" cy="417240"/>
+            </p14:xfrm>
+          </p:contentPart>
+        </mc:Choice>
+        <mc:Fallback>
+          <p:pic>
+            <p:nvPicPr>
+              <p:cNvPr id="5" name="Ink 4">
+                <a:extLst>
+                  <a:ext uri="{FF2B5EF4-FFF2-40B4-BE49-F238E27FC236}">
+                    <a16:creationId xmlns:a16="http://schemas.microsoft.com/office/drawing/2014/main" id="{18A5AAEE-5B6C-4C20-9DF5-486181DD081F}"/>
+                  </a:ext>
+                </a:extLst>
+              </p:cNvPr>
+              <p:cNvPicPr/>
+              <p:nvPr/>
+            </p:nvPicPr>
+            <p:blipFill>
+              <a:blip r:embed="rId7"/>
+              <a:stretch>
+                <a:fillRect/>
+              </a:stretch>
+            </p:blipFill>
+            <p:spPr>
+              <a:xfrm>
+                <a:off x="3237064" y="4310329"/>
+                <a:ext cx="949680" cy="474120"/>
+              </a:xfrm>
+              <a:prstGeom prst="rect">
+                <a:avLst/>
+              </a:prstGeom>
+            </p:spPr>
+          </p:pic>
+        </mc:Fallback>
+      </mc:AlternateContent>
+      <p:grpSp>
+        <p:nvGrpSpPr>
+          <p:cNvPr id="19" name="Group 18">
+            <a:extLst>
+              <a:ext uri="{FF2B5EF4-FFF2-40B4-BE49-F238E27FC236}">
+                <a16:creationId xmlns:a16="http://schemas.microsoft.com/office/drawing/2014/main" id="{EE492EEE-D53D-4004-A8D4-2E5E8A006B1A}"/>
+              </a:ext>
+            </a:extLst>
+          </p:cNvPr>
+          <p:cNvGrpSpPr/>
+          <p:nvPr/>
+        </p:nvGrpSpPr>
+        <p:grpSpPr>
+          <a:xfrm>
+            <a:off x="2940784" y="4540369"/>
+            <a:ext cx="1683720" cy="1323360"/>
+            <a:chOff x="2940784" y="4540369"/>
+            <a:chExt cx="1683720" cy="1323360"/>
+          </a:xfrm>
+        </p:grpSpPr>
+        <mc:AlternateContent xmlns:mc="http://schemas.openxmlformats.org/markup-compatibility/2006">
+          <mc:Choice xmlns:p14="http://schemas.microsoft.com/office/powerpoint/2010/main" Requires="p14">
+            <p:contentPart p14:bwMode="auto" r:id="rId8">
+              <p14:nvContentPartPr>
+                <p14:cNvPr id="9" name="Ink 8">
+                  <a:extLst>
+                    <a:ext uri="{FF2B5EF4-FFF2-40B4-BE49-F238E27FC236}">
+                      <a16:creationId xmlns:a16="http://schemas.microsoft.com/office/drawing/2014/main" id="{DA2C5EA2-12F1-438A-AD03-6143934BDCB8}"/>
+                    </a:ext>
+                  </a:extLst>
+                </p14:cNvPr>
+                <p14:cNvContentPartPr/>
+                <p14:nvPr/>
+              </p14:nvContentPartPr>
+              <p14:xfrm>
+                <a:off x="3316264" y="4777249"/>
+                <a:ext cx="800640" cy="423360"/>
+              </p14:xfrm>
+            </p:contentPart>
+          </mc:Choice>
+          <mc:Fallback>
+            <p:pic>
+              <p:nvPicPr>
+                <p:cNvPr id="9" name="Ink 8">
+                  <a:extLst>
+                    <a:ext uri="{FF2B5EF4-FFF2-40B4-BE49-F238E27FC236}">
+                      <a16:creationId xmlns:a16="http://schemas.microsoft.com/office/drawing/2014/main" id="{DA2C5EA2-12F1-438A-AD03-6143934BDCB8}"/>
+                    </a:ext>
+                  </a:extLst>
+                </p:cNvPr>
+                <p:cNvPicPr/>
+                <p:nvPr/>
+              </p:nvPicPr>
+              <p:blipFill>
+                <a:blip r:embed="rId9"/>
+                <a:stretch>
+                  <a:fillRect/>
+                </a:stretch>
+              </p:blipFill>
+              <p:spPr>
+                <a:xfrm>
+                  <a:off x="3287824" y="4748809"/>
+                  <a:ext cx="857160" cy="479880"/>
+                </a:xfrm>
+                <a:prstGeom prst="rect">
+                  <a:avLst/>
+                </a:prstGeom>
+              </p:spPr>
+            </p:pic>
+          </mc:Fallback>
+        </mc:AlternateContent>
+        <mc:AlternateContent xmlns:mc="http://schemas.openxmlformats.org/markup-compatibility/2006">
+          <mc:Choice xmlns:p14="http://schemas.microsoft.com/office/powerpoint/2010/main" Requires="p14">
+            <p:contentPart p14:bwMode="auto" r:id="rId10">
+              <p14:nvContentPartPr>
+                <p14:cNvPr id="10" name="Ink 9">
+                  <a:extLst>
+                    <a:ext uri="{FF2B5EF4-FFF2-40B4-BE49-F238E27FC236}">
+                      <a16:creationId xmlns:a16="http://schemas.microsoft.com/office/drawing/2014/main" id="{17C58C44-5730-45BA-9246-58538E512A11}"/>
+                    </a:ext>
+                  </a:extLst>
+                </p14:cNvPr>
+                <p14:cNvContentPartPr/>
+                <p14:nvPr/>
+              </p14:nvContentPartPr>
+              <p14:xfrm>
+                <a:off x="2940784" y="4540369"/>
+                <a:ext cx="256320" cy="332640"/>
+              </p14:xfrm>
+            </p:contentPart>
+          </mc:Choice>
+          <mc:Fallback>
+            <p:pic>
+              <p:nvPicPr>
+                <p:cNvPr id="10" name="Ink 9">
+                  <a:extLst>
+                    <a:ext uri="{FF2B5EF4-FFF2-40B4-BE49-F238E27FC236}">
+                      <a16:creationId xmlns:a16="http://schemas.microsoft.com/office/drawing/2014/main" id="{17C58C44-5730-45BA-9246-58538E512A11}"/>
+                    </a:ext>
+                  </a:extLst>
+                </p:cNvPr>
+                <p:cNvPicPr/>
+                <p:nvPr/>
+              </p:nvPicPr>
+              <p:blipFill>
+                <a:blip r:embed="rId11"/>
+                <a:stretch>
+                  <a:fillRect/>
+                </a:stretch>
+              </p:blipFill>
+              <p:spPr>
+                <a:xfrm>
+                  <a:off x="2912344" y="4511929"/>
+                  <a:ext cx="312840" cy="389520"/>
+                </a:xfrm>
+                <a:prstGeom prst="rect">
+                  <a:avLst/>
+                </a:prstGeom>
+              </p:spPr>
+            </p:pic>
+          </mc:Fallback>
+        </mc:AlternateContent>
+        <mc:AlternateContent xmlns:mc="http://schemas.openxmlformats.org/markup-compatibility/2006">
+          <mc:Choice xmlns:p14="http://schemas.microsoft.com/office/powerpoint/2010/main" Requires="p14">
+            <p:contentPart p14:bwMode="auto" r:id="rId12">
+              <p14:nvContentPartPr>
+                <p14:cNvPr id="11" name="Ink 10">
+                  <a:extLst>
+                    <a:ext uri="{FF2B5EF4-FFF2-40B4-BE49-F238E27FC236}">
+                      <a16:creationId xmlns:a16="http://schemas.microsoft.com/office/drawing/2014/main" id="{9AF576F9-C17B-4C81-A92A-38C211FB9FFD}"/>
+                    </a:ext>
+                  </a:extLst>
+                </p14:cNvPr>
+                <p14:cNvContentPartPr/>
+                <p14:nvPr/>
+              </p14:nvContentPartPr>
+              <p14:xfrm>
+                <a:off x="3203584" y="4791289"/>
+                <a:ext cx="133200" cy="138600"/>
+              </p14:xfrm>
+            </p:contentPart>
+          </mc:Choice>
+          <mc:Fallback>
+            <p:pic>
+              <p:nvPicPr>
+                <p:cNvPr id="11" name="Ink 10">
+                  <a:extLst>
+                    <a:ext uri="{FF2B5EF4-FFF2-40B4-BE49-F238E27FC236}">
+                      <a16:creationId xmlns:a16="http://schemas.microsoft.com/office/drawing/2014/main" id="{9AF576F9-C17B-4C81-A92A-38C211FB9FFD}"/>
+                    </a:ext>
+                  </a:extLst>
+                </p:cNvPr>
+                <p:cNvPicPr/>
+                <p:nvPr/>
+              </p:nvPicPr>
+              <p:blipFill>
+                <a:blip r:embed="rId13"/>
+                <a:stretch>
+                  <a:fillRect/>
+                </a:stretch>
+              </p:blipFill>
+              <p:spPr>
+                <a:xfrm>
+                  <a:off x="3175144" y="4763209"/>
+                  <a:ext cx="189720" cy="195480"/>
+                </a:xfrm>
+                <a:prstGeom prst="rect">
+                  <a:avLst/>
+                </a:prstGeom>
+              </p:spPr>
+            </p:pic>
+          </mc:Fallback>
+        </mc:AlternateContent>
+        <mc:AlternateContent xmlns:mc="http://schemas.openxmlformats.org/markup-compatibility/2006">
+          <mc:Choice xmlns:p14="http://schemas.microsoft.com/office/powerpoint/2010/main" Requires="p14">
+            <p:contentPart p14:bwMode="auto" r:id="rId14">
+              <p14:nvContentPartPr>
+                <p14:cNvPr id="12" name="Ink 11">
+                  <a:extLst>
+                    <a:ext uri="{FF2B5EF4-FFF2-40B4-BE49-F238E27FC236}">
+                      <a16:creationId xmlns:a16="http://schemas.microsoft.com/office/drawing/2014/main" id="{70C28F89-C4DB-4C0D-A13C-38955CE7348D}"/>
+                    </a:ext>
+                  </a:extLst>
+                </p14:cNvPr>
+                <p14:cNvContentPartPr/>
+                <p14:nvPr/>
+              </p14:nvContentPartPr>
+              <p14:xfrm>
+                <a:off x="3500584" y="5090809"/>
+                <a:ext cx="594720" cy="378720"/>
+              </p14:xfrm>
+            </p:contentPart>
+          </mc:Choice>
+          <mc:Fallback>
+            <p:pic>
+              <p:nvPicPr>
+                <p:cNvPr id="12" name="Ink 11">
+                  <a:extLst>
+                    <a:ext uri="{FF2B5EF4-FFF2-40B4-BE49-F238E27FC236}">
+                      <a16:creationId xmlns:a16="http://schemas.microsoft.com/office/drawing/2014/main" id="{70C28F89-C4DB-4C0D-A13C-38955CE7348D}"/>
+                    </a:ext>
+                  </a:extLst>
+                </p:cNvPr>
+                <p:cNvPicPr/>
+                <p:nvPr/>
+              </p:nvPicPr>
+              <p:blipFill>
+                <a:blip r:embed="rId15"/>
+                <a:stretch>
+                  <a:fillRect/>
+                </a:stretch>
+              </p:blipFill>
+              <p:spPr>
+                <a:xfrm>
+                  <a:off x="3472144" y="5062369"/>
+                  <a:ext cx="651240" cy="435600"/>
+                </a:xfrm>
+                <a:prstGeom prst="rect">
+                  <a:avLst/>
+                </a:prstGeom>
+              </p:spPr>
+            </p:pic>
+          </mc:Fallback>
+        </mc:AlternateContent>
+        <mc:AlternateContent xmlns:mc="http://schemas.openxmlformats.org/markup-compatibility/2006">
+          <mc:Choice xmlns:p14="http://schemas.microsoft.com/office/powerpoint/2010/main" Requires="p14">
+            <p:contentPart p14:bwMode="auto" r:id="rId16">
+              <p14:nvContentPartPr>
+                <p14:cNvPr id="13" name="Ink 12">
+                  <a:extLst>
+                    <a:ext uri="{FF2B5EF4-FFF2-40B4-BE49-F238E27FC236}">
+                      <a16:creationId xmlns:a16="http://schemas.microsoft.com/office/drawing/2014/main" id="{98CD80B1-6050-42E7-95AF-70C9866A1288}"/>
+                    </a:ext>
+                  </a:extLst>
+                </p14:cNvPr>
+                <p14:cNvContentPartPr/>
+                <p14:nvPr/>
+              </p14:nvContentPartPr>
+              <p14:xfrm>
+                <a:off x="4096744" y="5028889"/>
+                <a:ext cx="527760" cy="359280"/>
+              </p14:xfrm>
+            </p:contentPart>
+          </mc:Choice>
+          <mc:Fallback>
+            <p:pic>
+              <p:nvPicPr>
+                <p:cNvPr id="13" name="Ink 12">
+                  <a:extLst>
+                    <a:ext uri="{FF2B5EF4-FFF2-40B4-BE49-F238E27FC236}">
+                      <a16:creationId xmlns:a16="http://schemas.microsoft.com/office/drawing/2014/main" id="{98CD80B1-6050-42E7-95AF-70C9866A1288}"/>
+                    </a:ext>
+                  </a:extLst>
+                </p:cNvPr>
+                <p:cNvPicPr/>
+                <p:nvPr/>
+              </p:nvPicPr>
+              <p:blipFill>
+                <a:blip r:embed="rId17"/>
+                <a:stretch>
+                  <a:fillRect/>
+                </a:stretch>
+              </p:blipFill>
+              <p:spPr>
+                <a:xfrm>
+                  <a:off x="4068304" y="5000449"/>
+                  <a:ext cx="584280" cy="416160"/>
+                </a:xfrm>
+                <a:prstGeom prst="rect">
+                  <a:avLst/>
+                </a:prstGeom>
+              </p:spPr>
+            </p:pic>
+          </mc:Fallback>
+        </mc:AlternateContent>
+        <mc:AlternateContent xmlns:mc="http://schemas.openxmlformats.org/markup-compatibility/2006">
+          <mc:Choice xmlns:p14="http://schemas.microsoft.com/office/powerpoint/2010/main" Requires="p14">
+            <p:contentPart p14:bwMode="auto" r:id="rId18">
+              <p14:nvContentPartPr>
+                <p14:cNvPr id="14" name="Ink 13">
+                  <a:extLst>
+                    <a:ext uri="{FF2B5EF4-FFF2-40B4-BE49-F238E27FC236}">
+                      <a16:creationId xmlns:a16="http://schemas.microsoft.com/office/drawing/2014/main" id="{FE4C61AC-0CCC-4090-AE53-9BAB709D4020}"/>
+                    </a:ext>
+                  </a:extLst>
+                </p14:cNvPr>
+                <p14:cNvContentPartPr/>
+                <p14:nvPr/>
+              </p14:nvContentPartPr>
+              <p14:xfrm>
+                <a:off x="4101784" y="5324809"/>
+                <a:ext cx="132120" cy="65520"/>
+              </p14:xfrm>
+            </p:contentPart>
+          </mc:Choice>
+          <mc:Fallback>
+            <p:pic>
+              <p:nvPicPr>
+                <p:cNvPr id="14" name="Ink 13">
+                  <a:extLst>
+                    <a:ext uri="{FF2B5EF4-FFF2-40B4-BE49-F238E27FC236}">
+                      <a16:creationId xmlns:a16="http://schemas.microsoft.com/office/drawing/2014/main" id="{FE4C61AC-0CCC-4090-AE53-9BAB709D4020}"/>
+                    </a:ext>
+                  </a:extLst>
+                </p:cNvPr>
+                <p:cNvPicPr/>
+                <p:nvPr/>
+              </p:nvPicPr>
+              <p:blipFill>
+                <a:blip r:embed="rId19"/>
+                <a:stretch>
+                  <a:fillRect/>
+                </a:stretch>
+              </p:blipFill>
+              <p:spPr>
+                <a:xfrm>
+                  <a:off x="4073344" y="5296369"/>
+                  <a:ext cx="189000" cy="122400"/>
+                </a:xfrm>
+                <a:prstGeom prst="rect">
+                  <a:avLst/>
+                </a:prstGeom>
+              </p:spPr>
+            </p:pic>
+          </mc:Fallback>
+        </mc:AlternateContent>
+        <mc:AlternateContent xmlns:mc="http://schemas.openxmlformats.org/markup-compatibility/2006">
+          <mc:Choice xmlns:p14="http://schemas.microsoft.com/office/powerpoint/2010/main" Requires="p14">
+            <p:contentPart p14:bwMode="auto" r:id="rId20">
+              <p14:nvContentPartPr>
+                <p14:cNvPr id="16" name="Ink 15">
+                  <a:extLst>
+                    <a:ext uri="{FF2B5EF4-FFF2-40B4-BE49-F238E27FC236}">
+                      <a16:creationId xmlns:a16="http://schemas.microsoft.com/office/drawing/2014/main" id="{EED1A640-5169-4DB2-A1B7-F41091C4D72C}"/>
+                    </a:ext>
+                  </a:extLst>
+                </p14:cNvPr>
+                <p14:cNvContentPartPr/>
+                <p14:nvPr/>
+              </p14:nvContentPartPr>
+              <p14:xfrm>
+                <a:off x="3445864" y="5431369"/>
+                <a:ext cx="611640" cy="432360"/>
+              </p14:xfrm>
+            </p:contentPart>
+          </mc:Choice>
+          <mc:Fallback>
+            <p:pic>
+              <p:nvPicPr>
+                <p:cNvPr id="16" name="Ink 15">
+                  <a:extLst>
+                    <a:ext uri="{FF2B5EF4-FFF2-40B4-BE49-F238E27FC236}">
+                      <a16:creationId xmlns:a16="http://schemas.microsoft.com/office/drawing/2014/main" id="{EED1A640-5169-4DB2-A1B7-F41091C4D72C}"/>
+                    </a:ext>
+                  </a:extLst>
+                </p:cNvPr>
+                <p:cNvPicPr/>
+                <p:nvPr/>
+              </p:nvPicPr>
+              <p:blipFill>
+                <a:blip r:embed="rId21"/>
+                <a:stretch>
+                  <a:fillRect/>
+                </a:stretch>
+              </p:blipFill>
+              <p:spPr>
+                <a:xfrm>
+                  <a:off x="3417424" y="5403289"/>
+                  <a:ext cx="668520" cy="488880"/>
+                </a:xfrm>
+                <a:prstGeom prst="rect">
+                  <a:avLst/>
+                </a:prstGeom>
+              </p:spPr>
+            </p:pic>
+          </mc:Fallback>
+        </mc:AlternateContent>
+        <mc:AlternateContent xmlns:mc="http://schemas.openxmlformats.org/markup-compatibility/2006">
+          <mc:Choice xmlns:p14="http://schemas.microsoft.com/office/powerpoint/2010/main" Requires="p14">
+            <p:contentPart p14:bwMode="auto" r:id="rId22">
+              <p14:nvContentPartPr>
+                <p14:cNvPr id="17" name="Ink 16">
+                  <a:extLst>
+                    <a:ext uri="{FF2B5EF4-FFF2-40B4-BE49-F238E27FC236}">
+                      <a16:creationId xmlns:a16="http://schemas.microsoft.com/office/drawing/2014/main" id="{EE4FFC59-58FD-4462-8485-0541763E4A5E}"/>
+                    </a:ext>
+                  </a:extLst>
+                </p14:cNvPr>
+                <p14:cNvContentPartPr/>
+                <p14:nvPr/>
+              </p14:nvContentPartPr>
+              <p14:xfrm>
+                <a:off x="2992264" y="5181529"/>
+                <a:ext cx="463680" cy="342360"/>
+              </p14:xfrm>
+            </p:contentPart>
+          </mc:Choice>
+          <mc:Fallback>
+            <p:pic>
+              <p:nvPicPr>
+                <p:cNvPr id="17" name="Ink 16">
+                  <a:extLst>
+                    <a:ext uri="{FF2B5EF4-FFF2-40B4-BE49-F238E27FC236}">
+                      <a16:creationId xmlns:a16="http://schemas.microsoft.com/office/drawing/2014/main" id="{EE4FFC59-58FD-4462-8485-0541763E4A5E}"/>
+                    </a:ext>
+                  </a:extLst>
+                </p:cNvPr>
+                <p:cNvPicPr/>
+                <p:nvPr/>
+              </p:nvPicPr>
+              <p:blipFill>
+                <a:blip r:embed="rId23"/>
+                <a:stretch>
+                  <a:fillRect/>
+                </a:stretch>
+              </p:blipFill>
+              <p:spPr>
+                <a:xfrm>
+                  <a:off x="2964184" y="5153089"/>
+                  <a:ext cx="520200" cy="399240"/>
+                </a:xfrm>
+                <a:prstGeom prst="rect">
+                  <a:avLst/>
+                </a:prstGeom>
+              </p:spPr>
+            </p:pic>
+          </mc:Fallback>
+        </mc:AlternateContent>
+        <mc:AlternateContent xmlns:mc="http://schemas.openxmlformats.org/markup-compatibility/2006">
+          <mc:Choice xmlns:p14="http://schemas.microsoft.com/office/powerpoint/2010/main" Requires="p14">
+            <p:contentPart p14:bwMode="auto" r:id="rId24">
+              <p14:nvContentPartPr>
+                <p14:cNvPr id="18" name="Ink 17">
+                  <a:extLst>
+                    <a:ext uri="{FF2B5EF4-FFF2-40B4-BE49-F238E27FC236}">
+                      <a16:creationId xmlns:a16="http://schemas.microsoft.com/office/drawing/2014/main" id="{3455E34B-CE27-451A-9D5F-BB606FF4495A}"/>
+                    </a:ext>
+                  </a:extLst>
+                </p14:cNvPr>
+                <p14:cNvContentPartPr/>
+                <p14:nvPr/>
+              </p14:nvContentPartPr>
+              <p14:xfrm>
+                <a:off x="3271624" y="5481769"/>
+                <a:ext cx="136440" cy="89640"/>
+              </p14:xfrm>
+            </p:contentPart>
+          </mc:Choice>
+          <mc:Fallback>
+            <p:pic>
+              <p:nvPicPr>
+                <p:cNvPr id="18" name="Ink 17">
+                  <a:extLst>
+                    <a:ext uri="{FF2B5EF4-FFF2-40B4-BE49-F238E27FC236}">
+                      <a16:creationId xmlns:a16="http://schemas.microsoft.com/office/drawing/2014/main" id="{3455E34B-CE27-451A-9D5F-BB606FF4495A}"/>
+                    </a:ext>
+                  </a:extLst>
+                </p:cNvPr>
+                <p:cNvPicPr/>
+                <p:nvPr/>
+              </p:nvPicPr>
+              <p:blipFill>
+                <a:blip r:embed="rId25"/>
+                <a:stretch>
+                  <a:fillRect/>
+                </a:stretch>
+              </p:blipFill>
+              <p:spPr>
+                <a:xfrm>
+                  <a:off x="3243544" y="5453329"/>
+                  <a:ext cx="193320" cy="146520"/>
+                </a:xfrm>
+                <a:prstGeom prst="rect">
+                  <a:avLst/>
+                </a:prstGeom>
+              </p:spPr>
+            </p:pic>
+          </mc:Fallback>
+        </mc:AlternateContent>
+      </p:grpSp>
+      <p:grpSp>
+        <p:nvGrpSpPr>
+          <p:cNvPr id="23" name="Group 22">
+            <a:extLst>
+              <a:ext uri="{FF2B5EF4-FFF2-40B4-BE49-F238E27FC236}">
+                <a16:creationId xmlns:a16="http://schemas.microsoft.com/office/drawing/2014/main" id="{51983381-36FD-49EB-BED9-EE88000AC93D}"/>
+              </a:ext>
+            </a:extLst>
+          </p:cNvPr>
+          <p:cNvGrpSpPr/>
+          <p:nvPr/>
+        </p:nvGrpSpPr>
+        <p:grpSpPr>
+          <a:xfrm>
+            <a:off x="3408424" y="5741329"/>
+            <a:ext cx="905040" cy="558360"/>
+            <a:chOff x="3408424" y="5741329"/>
+            <a:chExt cx="905040" cy="558360"/>
+          </a:xfrm>
+        </p:grpSpPr>
+        <mc:AlternateContent xmlns:mc="http://schemas.openxmlformats.org/markup-compatibility/2006">
+          <mc:Choice xmlns:p14="http://schemas.microsoft.com/office/powerpoint/2010/main" Requires="p14">
+            <p:contentPart p14:bwMode="auto" r:id="rId26">
+              <p14:nvContentPartPr>
+                <p14:cNvPr id="20" name="Ink 19">
+                  <a:extLst>
+                    <a:ext uri="{FF2B5EF4-FFF2-40B4-BE49-F238E27FC236}">
+                      <a16:creationId xmlns:a16="http://schemas.microsoft.com/office/drawing/2014/main" id="{B1EB225A-CA45-4E96-BEFB-C162B6BF6479}"/>
+                    </a:ext>
+                  </a:extLst>
+                </p14:cNvPr>
+                <p14:cNvContentPartPr/>
+                <p14:nvPr/>
+              </p14:nvContentPartPr>
+              <p14:xfrm>
+                <a:off x="3408424" y="5880289"/>
+                <a:ext cx="662400" cy="419400"/>
+              </p14:xfrm>
+            </p:contentPart>
+          </mc:Choice>
+          <mc:Fallback>
+            <p:pic>
+              <p:nvPicPr>
+                <p:cNvPr id="20" name="Ink 19">
+                  <a:extLst>
+                    <a:ext uri="{FF2B5EF4-FFF2-40B4-BE49-F238E27FC236}">
+                      <a16:creationId xmlns:a16="http://schemas.microsoft.com/office/drawing/2014/main" id="{B1EB225A-CA45-4E96-BEFB-C162B6BF6479}"/>
+                    </a:ext>
+                  </a:extLst>
+                </p:cNvPr>
+                <p:cNvPicPr/>
+                <p:nvPr/>
+              </p:nvPicPr>
+              <p:blipFill>
+                <a:blip r:embed="rId27"/>
+                <a:stretch>
+                  <a:fillRect/>
+                </a:stretch>
+              </p:blipFill>
+              <p:spPr>
+                <a:xfrm>
+                  <a:off x="3380344" y="5852209"/>
+                  <a:ext cx="719280" cy="476280"/>
+                </a:xfrm>
+                <a:prstGeom prst="rect">
+                  <a:avLst/>
+                </a:prstGeom>
+              </p:spPr>
+            </p:pic>
+          </mc:Fallback>
+        </mc:AlternateContent>
+        <mc:AlternateContent xmlns:mc="http://schemas.openxmlformats.org/markup-compatibility/2006">
+          <mc:Choice xmlns:p14="http://schemas.microsoft.com/office/powerpoint/2010/main" Requires="p14">
+            <p:contentPart p14:bwMode="auto" r:id="rId28">
+              <p14:nvContentPartPr>
+                <p14:cNvPr id="21" name="Ink 20">
+                  <a:extLst>
+                    <a:ext uri="{FF2B5EF4-FFF2-40B4-BE49-F238E27FC236}">
+                      <a16:creationId xmlns:a16="http://schemas.microsoft.com/office/drawing/2014/main" id="{22803346-8A44-469F-B756-6B4A79B2FBC4}"/>
+                    </a:ext>
+                  </a:extLst>
+                </p14:cNvPr>
+                <p14:cNvContentPartPr/>
+                <p14:nvPr/>
+              </p14:nvContentPartPr>
+              <p14:xfrm>
+                <a:off x="4033744" y="5741329"/>
+                <a:ext cx="279720" cy="257400"/>
+              </p14:xfrm>
+            </p:contentPart>
+          </mc:Choice>
+          <mc:Fallback>
+            <p:pic>
+              <p:nvPicPr>
+                <p:cNvPr id="21" name="Ink 20">
+                  <a:extLst>
+                    <a:ext uri="{FF2B5EF4-FFF2-40B4-BE49-F238E27FC236}">
+                      <a16:creationId xmlns:a16="http://schemas.microsoft.com/office/drawing/2014/main" id="{22803346-8A44-469F-B756-6B4A79B2FBC4}"/>
+                    </a:ext>
+                  </a:extLst>
+                </p:cNvPr>
+                <p:cNvPicPr/>
+                <p:nvPr/>
+              </p:nvPicPr>
+              <p:blipFill>
+                <a:blip r:embed="rId29"/>
+                <a:stretch>
+                  <a:fillRect/>
+                </a:stretch>
+              </p:blipFill>
+              <p:spPr>
+                <a:xfrm>
+                  <a:off x="4005304" y="5712889"/>
+                  <a:ext cx="336600" cy="314280"/>
+                </a:xfrm>
+                <a:prstGeom prst="rect">
+                  <a:avLst/>
+                </a:prstGeom>
+              </p:spPr>
+            </p:pic>
+          </mc:Fallback>
+        </mc:AlternateContent>
+        <mc:AlternateContent xmlns:mc="http://schemas.openxmlformats.org/markup-compatibility/2006">
+          <mc:Choice xmlns:p14="http://schemas.microsoft.com/office/powerpoint/2010/main" Requires="p14">
+            <p:contentPart p14:bwMode="auto" r:id="rId30">
+              <p14:nvContentPartPr>
+                <p14:cNvPr id="22" name="Ink 21">
+                  <a:extLst>
+                    <a:ext uri="{FF2B5EF4-FFF2-40B4-BE49-F238E27FC236}">
+                      <a16:creationId xmlns:a16="http://schemas.microsoft.com/office/drawing/2014/main" id="{9EF76EF6-B28A-4168-BCEA-86E50B2BC7E3}"/>
+                    </a:ext>
+                  </a:extLst>
+                </p14:cNvPr>
+                <p14:cNvContentPartPr/>
+                <p14:nvPr/>
+              </p14:nvContentPartPr>
+              <p14:xfrm>
+                <a:off x="4041664" y="5929969"/>
+                <a:ext cx="139320" cy="92880"/>
+              </p14:xfrm>
+            </p:contentPart>
+          </mc:Choice>
+          <mc:Fallback>
+            <p:pic>
+              <p:nvPicPr>
+                <p:cNvPr id="22" name="Ink 21">
+                  <a:extLst>
+                    <a:ext uri="{FF2B5EF4-FFF2-40B4-BE49-F238E27FC236}">
+                      <a16:creationId xmlns:a16="http://schemas.microsoft.com/office/drawing/2014/main" id="{9EF76EF6-B28A-4168-BCEA-86E50B2BC7E3}"/>
+                    </a:ext>
+                  </a:extLst>
+                </p:cNvPr>
+                <p:cNvPicPr/>
+                <p:nvPr/>
+              </p:nvPicPr>
+              <p:blipFill>
+                <a:blip r:embed="rId31"/>
+                <a:stretch>
+                  <a:fillRect/>
+                </a:stretch>
+              </p:blipFill>
+              <p:spPr>
+                <a:xfrm>
+                  <a:off x="4013224" y="5901529"/>
+                  <a:ext cx="195840" cy="149400"/>
+                </a:xfrm>
+                <a:prstGeom prst="rect">
+                  <a:avLst/>
+                </a:prstGeom>
+              </p:spPr>
+            </p:pic>
+          </mc:Fallback>
+        </mc:AlternateContent>
+      </p:grpSp>
     </p:spTree>
     <p:extLst>
       <p:ext uri="{BB962C8B-B14F-4D97-AF65-F5344CB8AC3E}">
@@ -22057,6 +24378,207 @@
   <p:clrMapOvr>
     <a:masterClrMapping/>
   </p:clrMapOvr>
+  <p:timing>
+    <p:tnLst>
+      <p:par>
+        <p:cTn id="1" dur="indefinite" restart="never" nodeType="tmRoot">
+          <p:childTnLst>
+            <p:seq concurrent="1" nextAc="seek">
+              <p:cTn id="2" dur="indefinite" nodeType="mainSeq">
+                <p:childTnLst>
+                  <p:par>
+                    <p:cTn id="3" fill="hold">
+                      <p:stCondLst>
+                        <p:cond delay="indefinite"/>
+                      </p:stCondLst>
+                      <p:childTnLst>
+                        <p:par>
+                          <p:cTn id="4" fill="hold">
+                            <p:stCondLst>
+                              <p:cond delay="0"/>
+                            </p:stCondLst>
+                            <p:childTnLst>
+                              <p:par>
+                                <p:cTn id="5" presetID="1" presetClass="entr" presetSubtype="0" fill="hold" nodeType="clickEffect">
+                                  <p:stCondLst>
+                                    <p:cond delay="0"/>
+                                  </p:stCondLst>
+                                  <p:childTnLst>
+                                    <p:set>
+                                      <p:cBhvr>
+                                        <p:cTn id="6" dur="1" fill="hold">
+                                          <p:stCondLst>
+                                            <p:cond delay="0"/>
+                                          </p:stCondLst>
+                                        </p:cTn>
+                                        <p:tgtEl>
+                                          <p:spTgt spid="3"/>
+                                        </p:tgtEl>
+                                        <p:attrNameLst>
+                                          <p:attrName>style.visibility</p:attrName>
+                                        </p:attrNameLst>
+                                      </p:cBhvr>
+                                      <p:to>
+                                        <p:strVal val="visible"/>
+                                      </p:to>
+                                    </p:set>
+                                  </p:childTnLst>
+                                </p:cTn>
+                              </p:par>
+                              <p:par>
+                                <p:cTn id="7" presetID="1" presetClass="entr" presetSubtype="0" fill="hold" nodeType="withEffect">
+                                  <p:stCondLst>
+                                    <p:cond delay="0"/>
+                                  </p:stCondLst>
+                                  <p:childTnLst>
+                                    <p:set>
+                                      <p:cBhvr>
+                                        <p:cTn id="8" dur="1" fill="hold">
+                                          <p:stCondLst>
+                                            <p:cond delay="0"/>
+                                          </p:stCondLst>
+                                        </p:cTn>
+                                        <p:tgtEl>
+                                          <p:spTgt spid="7"/>
+                                        </p:tgtEl>
+                                        <p:attrNameLst>
+                                          <p:attrName>style.visibility</p:attrName>
+                                        </p:attrNameLst>
+                                      </p:cBhvr>
+                                      <p:to>
+                                        <p:strVal val="visible"/>
+                                      </p:to>
+                                    </p:set>
+                                  </p:childTnLst>
+                                </p:cTn>
+                              </p:par>
+                              <p:par>
+                                <p:cTn id="9" presetID="1" presetClass="entr" presetSubtype="0" fill="hold" nodeType="withEffect">
+                                  <p:stCondLst>
+                                    <p:cond delay="0"/>
+                                  </p:stCondLst>
+                                  <p:childTnLst>
+                                    <p:set>
+                                      <p:cBhvr>
+                                        <p:cTn id="10" dur="1" fill="hold">
+                                          <p:stCondLst>
+                                            <p:cond delay="0"/>
+                                          </p:stCondLst>
+                                        </p:cTn>
+                                        <p:tgtEl>
+                                          <p:spTgt spid="5"/>
+                                        </p:tgtEl>
+                                        <p:attrNameLst>
+                                          <p:attrName>style.visibility</p:attrName>
+                                        </p:attrNameLst>
+                                      </p:cBhvr>
+                                      <p:to>
+                                        <p:strVal val="visible"/>
+                                      </p:to>
+                                    </p:set>
+                                  </p:childTnLst>
+                                </p:cTn>
+                              </p:par>
+                            </p:childTnLst>
+                          </p:cTn>
+                        </p:par>
+                      </p:childTnLst>
+                    </p:cTn>
+                  </p:par>
+                  <p:par>
+                    <p:cTn id="11" fill="hold">
+                      <p:stCondLst>
+                        <p:cond delay="indefinite"/>
+                      </p:stCondLst>
+                      <p:childTnLst>
+                        <p:par>
+                          <p:cTn id="12" fill="hold">
+                            <p:stCondLst>
+                              <p:cond delay="0"/>
+                            </p:stCondLst>
+                            <p:childTnLst>
+                              <p:par>
+                                <p:cTn id="13" presetID="1" presetClass="entr" presetSubtype="0" fill="hold" nodeType="clickEffect">
+                                  <p:stCondLst>
+                                    <p:cond delay="0"/>
+                                  </p:stCondLst>
+                                  <p:childTnLst>
+                                    <p:set>
+                                      <p:cBhvr>
+                                        <p:cTn id="14" dur="1" fill="hold">
+                                          <p:stCondLst>
+                                            <p:cond delay="0"/>
+                                          </p:stCondLst>
+                                        </p:cTn>
+                                        <p:tgtEl>
+                                          <p:spTgt spid="19"/>
+                                        </p:tgtEl>
+                                        <p:attrNameLst>
+                                          <p:attrName>style.visibility</p:attrName>
+                                        </p:attrNameLst>
+                                      </p:cBhvr>
+                                      <p:to>
+                                        <p:strVal val="visible"/>
+                                      </p:to>
+                                    </p:set>
+                                  </p:childTnLst>
+                                </p:cTn>
+                              </p:par>
+                              <p:par>
+                                <p:cTn id="15" presetID="1" presetClass="entr" presetSubtype="0" fill="hold" nodeType="withEffect">
+                                  <p:stCondLst>
+                                    <p:cond delay="0"/>
+                                  </p:stCondLst>
+                                  <p:childTnLst>
+                                    <p:set>
+                                      <p:cBhvr>
+                                        <p:cTn id="16" dur="1" fill="hold">
+                                          <p:stCondLst>
+                                            <p:cond delay="0"/>
+                                          </p:stCondLst>
+                                        </p:cTn>
+                                        <p:tgtEl>
+                                          <p:spTgt spid="23"/>
+                                        </p:tgtEl>
+                                        <p:attrNameLst>
+                                          <p:attrName>style.visibility</p:attrName>
+                                        </p:attrNameLst>
+                                      </p:cBhvr>
+                                      <p:to>
+                                        <p:strVal val="visible"/>
+                                      </p:to>
+                                    </p:set>
+                                  </p:childTnLst>
+                                </p:cTn>
+                              </p:par>
+                            </p:childTnLst>
+                          </p:cTn>
+                        </p:par>
+                      </p:childTnLst>
+                    </p:cTn>
+                  </p:par>
+                </p:childTnLst>
+              </p:cTn>
+              <p:prevCondLst>
+                <p:cond evt="onPrev" delay="0">
+                  <p:tgtEl>
+                    <p:sldTgt/>
+                  </p:tgtEl>
+                </p:cond>
+              </p:prevCondLst>
+              <p:nextCondLst>
+                <p:cond evt="onNext" delay="0">
+                  <p:tgtEl>
+                    <p:sldTgt/>
+                  </p:tgtEl>
+                </p:cond>
+              </p:nextCondLst>
+            </p:seq>
+          </p:childTnLst>
+        </p:cTn>
+      </p:par>
+    </p:tnLst>
+  </p:timing>
 </p:sld>
 </file>
 
@@ -26466,6 +28988,231 @@
           </a:p>
         </p:txBody>
       </p:sp>
+      <p:grpSp>
+        <p:nvGrpSpPr>
+          <p:cNvPr id="9" name="Group 8">
+            <a:extLst>
+              <a:ext uri="{FF2B5EF4-FFF2-40B4-BE49-F238E27FC236}">
+                <a16:creationId xmlns:a16="http://schemas.microsoft.com/office/drawing/2014/main" id="{FCF5F372-58D5-40AA-A47F-D875CDC9D527}"/>
+              </a:ext>
+            </a:extLst>
+          </p:cNvPr>
+          <p:cNvGrpSpPr/>
+          <p:nvPr/>
+        </p:nvGrpSpPr>
+        <p:grpSpPr>
+          <a:xfrm>
+            <a:off x="3239944" y="3885529"/>
+            <a:ext cx="2329560" cy="560520"/>
+            <a:chOff x="3239944" y="3885529"/>
+            <a:chExt cx="2329560" cy="560520"/>
+          </a:xfrm>
+        </p:grpSpPr>
+        <mc:AlternateContent xmlns:mc="http://schemas.openxmlformats.org/markup-compatibility/2006">
+          <mc:Choice xmlns:p14="http://schemas.microsoft.com/office/powerpoint/2010/main" Requires="p14">
+            <p:contentPart p14:bwMode="auto" r:id="rId2">
+              <p14:nvContentPartPr>
+                <p14:cNvPr id="3" name="Ink 2">
+                  <a:extLst>
+                    <a:ext uri="{FF2B5EF4-FFF2-40B4-BE49-F238E27FC236}">
+                      <a16:creationId xmlns:a16="http://schemas.microsoft.com/office/drawing/2014/main" id="{847E73E8-023A-402B-A99F-6F61E812EF80}"/>
+                    </a:ext>
+                  </a:extLst>
+                </p14:cNvPr>
+                <p14:cNvContentPartPr/>
+                <p14:nvPr/>
+              </p14:nvContentPartPr>
+              <p14:xfrm>
+                <a:off x="3239944" y="4038529"/>
+                <a:ext cx="1066680" cy="390960"/>
+              </p14:xfrm>
+            </p:contentPart>
+          </mc:Choice>
+          <mc:Fallback>
+            <p:pic>
+              <p:nvPicPr>
+                <p:cNvPr id="3" name="Ink 2">
+                  <a:extLst>
+                    <a:ext uri="{FF2B5EF4-FFF2-40B4-BE49-F238E27FC236}">
+                      <a16:creationId xmlns:a16="http://schemas.microsoft.com/office/drawing/2014/main" id="{847E73E8-023A-402B-A99F-6F61E812EF80}"/>
+                    </a:ext>
+                  </a:extLst>
+                </p:cNvPr>
+                <p:cNvPicPr/>
+                <p:nvPr/>
+              </p:nvPicPr>
+              <p:blipFill>
+                <a:blip r:embed="rId3"/>
+                <a:stretch>
+                  <a:fillRect/>
+                </a:stretch>
+              </p:blipFill>
+              <p:spPr>
+                <a:xfrm>
+                  <a:off x="3211504" y="4010089"/>
+                  <a:ext cx="1123200" cy="447840"/>
+                </a:xfrm>
+                <a:prstGeom prst="rect">
+                  <a:avLst/>
+                </a:prstGeom>
+              </p:spPr>
+            </p:pic>
+          </mc:Fallback>
+        </mc:AlternateContent>
+        <mc:AlternateContent xmlns:mc="http://schemas.openxmlformats.org/markup-compatibility/2006">
+          <mc:Choice xmlns:p14="http://schemas.microsoft.com/office/powerpoint/2010/main" Requires="p14">
+            <p:contentPart p14:bwMode="auto" r:id="rId4">
+              <p14:nvContentPartPr>
+                <p14:cNvPr id="5" name="Ink 4">
+                  <a:extLst>
+                    <a:ext uri="{FF2B5EF4-FFF2-40B4-BE49-F238E27FC236}">
+                      <a16:creationId xmlns:a16="http://schemas.microsoft.com/office/drawing/2014/main" id="{D8AB4B80-804F-4271-B1F9-53F989DEB15A}"/>
+                    </a:ext>
+                  </a:extLst>
+                </p14:cNvPr>
+                <p14:cNvContentPartPr/>
+                <p14:nvPr/>
+              </p14:nvContentPartPr>
+              <p14:xfrm>
+                <a:off x="4462144" y="3993169"/>
+                <a:ext cx="1107360" cy="452880"/>
+              </p14:xfrm>
+            </p:contentPart>
+          </mc:Choice>
+          <mc:Fallback>
+            <p:pic>
+              <p:nvPicPr>
+                <p:cNvPr id="5" name="Ink 4">
+                  <a:extLst>
+                    <a:ext uri="{FF2B5EF4-FFF2-40B4-BE49-F238E27FC236}">
+                      <a16:creationId xmlns:a16="http://schemas.microsoft.com/office/drawing/2014/main" id="{D8AB4B80-804F-4271-B1F9-53F989DEB15A}"/>
+                    </a:ext>
+                  </a:extLst>
+                </p:cNvPr>
+                <p:cNvPicPr/>
+                <p:nvPr/>
+              </p:nvPicPr>
+              <p:blipFill>
+                <a:blip r:embed="rId5"/>
+                <a:stretch>
+                  <a:fillRect/>
+                </a:stretch>
+              </p:blipFill>
+              <p:spPr>
+                <a:xfrm>
+                  <a:off x="4433704" y="3965089"/>
+                  <a:ext cx="1163880" cy="509760"/>
+                </a:xfrm>
+                <a:prstGeom prst="rect">
+                  <a:avLst/>
+                </a:prstGeom>
+              </p:spPr>
+            </p:pic>
+          </mc:Fallback>
+        </mc:AlternateContent>
+        <mc:AlternateContent xmlns:mc="http://schemas.openxmlformats.org/markup-compatibility/2006">
+          <mc:Choice xmlns:p14="http://schemas.microsoft.com/office/powerpoint/2010/main" Requires="p14">
+            <p:contentPart p14:bwMode="auto" r:id="rId6">
+              <p14:nvContentPartPr>
+                <p14:cNvPr id="7" name="Ink 6">
+                  <a:extLst>
+                    <a:ext uri="{FF2B5EF4-FFF2-40B4-BE49-F238E27FC236}">
+                      <a16:creationId xmlns:a16="http://schemas.microsoft.com/office/drawing/2014/main" id="{AB0DED44-7707-4473-9C34-B626F7F0BB69}"/>
+                    </a:ext>
+                  </a:extLst>
+                </p14:cNvPr>
+                <p14:cNvContentPartPr/>
+                <p14:nvPr/>
+              </p14:nvContentPartPr>
+              <p14:xfrm>
+                <a:off x="4006744" y="3885529"/>
+                <a:ext cx="337320" cy="162360"/>
+              </p14:xfrm>
+            </p:contentPart>
+          </mc:Choice>
+          <mc:Fallback>
+            <p:pic>
+              <p:nvPicPr>
+                <p:cNvPr id="7" name="Ink 6">
+                  <a:extLst>
+                    <a:ext uri="{FF2B5EF4-FFF2-40B4-BE49-F238E27FC236}">
+                      <a16:creationId xmlns:a16="http://schemas.microsoft.com/office/drawing/2014/main" id="{AB0DED44-7707-4473-9C34-B626F7F0BB69}"/>
+                    </a:ext>
+                  </a:extLst>
+                </p:cNvPr>
+                <p:cNvPicPr/>
+                <p:nvPr/>
+              </p:nvPicPr>
+              <p:blipFill>
+                <a:blip r:embed="rId7"/>
+                <a:stretch>
+                  <a:fillRect/>
+                </a:stretch>
+              </p:blipFill>
+              <p:spPr>
+                <a:xfrm>
+                  <a:off x="3978304" y="3857089"/>
+                  <a:ext cx="394200" cy="219240"/>
+                </a:xfrm>
+                <a:prstGeom prst="rect">
+                  <a:avLst/>
+                </a:prstGeom>
+              </p:spPr>
+            </p:pic>
+          </mc:Fallback>
+        </mc:AlternateContent>
+        <mc:AlternateContent xmlns:mc="http://schemas.openxmlformats.org/markup-compatibility/2006">
+          <mc:Choice xmlns:p14="http://schemas.microsoft.com/office/powerpoint/2010/main" Requires="p14">
+            <p:contentPart p14:bwMode="auto" r:id="rId8">
+              <p14:nvContentPartPr>
+                <p14:cNvPr id="8" name="Ink 7">
+                  <a:extLst>
+                    <a:ext uri="{FF2B5EF4-FFF2-40B4-BE49-F238E27FC236}">
+                      <a16:creationId xmlns:a16="http://schemas.microsoft.com/office/drawing/2014/main" id="{1C06238C-85C3-4F51-9160-E6DC3A3A813E}"/>
+                    </a:ext>
+                  </a:extLst>
+                </p14:cNvPr>
+                <p14:cNvContentPartPr/>
+                <p14:nvPr/>
+              </p14:nvContentPartPr>
+              <p14:xfrm>
+                <a:off x="4317784" y="3885889"/>
+                <a:ext cx="259200" cy="141480"/>
+              </p14:xfrm>
+            </p:contentPart>
+          </mc:Choice>
+          <mc:Fallback>
+            <p:pic>
+              <p:nvPicPr>
+                <p:cNvPr id="8" name="Ink 7">
+                  <a:extLst>
+                    <a:ext uri="{FF2B5EF4-FFF2-40B4-BE49-F238E27FC236}">
+                      <a16:creationId xmlns:a16="http://schemas.microsoft.com/office/drawing/2014/main" id="{1C06238C-85C3-4F51-9160-E6DC3A3A813E}"/>
+                    </a:ext>
+                  </a:extLst>
+                </p:cNvPr>
+                <p:cNvPicPr/>
+                <p:nvPr/>
+              </p:nvPicPr>
+              <p:blipFill>
+                <a:blip r:embed="rId9"/>
+                <a:stretch>
+                  <a:fillRect/>
+                </a:stretch>
+              </p:blipFill>
+              <p:spPr>
+                <a:xfrm>
+                  <a:off x="4289344" y="3857449"/>
+                  <a:ext cx="316080" cy="198360"/>
+                </a:xfrm>
+                <a:prstGeom prst="rect">
+                  <a:avLst/>
+                </a:prstGeom>
+              </p:spPr>
+            </p:pic>
+          </mc:Fallback>
+        </mc:AlternateContent>
+      </p:grpSp>
     </p:spTree>
     <p:extLst>
       <p:ext uri="{BB962C8B-B14F-4D97-AF65-F5344CB8AC3E}">
@@ -26476,6 +29223,81 @@
   <p:clrMapOvr>
     <a:masterClrMapping/>
   </p:clrMapOvr>
+  <p:timing>
+    <p:tnLst>
+      <p:par>
+        <p:cTn id="1" dur="indefinite" restart="never" nodeType="tmRoot">
+          <p:childTnLst>
+            <p:seq concurrent="1" nextAc="seek">
+              <p:cTn id="2" dur="indefinite" nodeType="mainSeq">
+                <p:childTnLst>
+                  <p:par>
+                    <p:cTn id="3" fill="hold">
+                      <p:stCondLst>
+                        <p:cond delay="indefinite"/>
+                      </p:stCondLst>
+                      <p:childTnLst>
+                        <p:par>
+                          <p:cTn id="4" fill="hold">
+                            <p:stCondLst>
+                              <p:cond delay="0"/>
+                            </p:stCondLst>
+                            <p:childTnLst>
+                              <p:par>
+                                <p:cTn id="5" presetID="1" presetClass="entr" presetSubtype="0" fill="hold" nodeType="clickEffect">
+                                  <p:stCondLst>
+                                    <p:cond delay="0"/>
+                                  </p:stCondLst>
+                                  <p:childTnLst>
+                                    <p:set>
+                                      <p:cBhvr>
+                                        <p:cTn id="6" dur="1" fill="hold">
+                                          <p:stCondLst>
+                                            <p:cond delay="0"/>
+                                          </p:stCondLst>
+                                        </p:cTn>
+                                        <p:tgtEl>
+                                          <p:spTgt spid="9"/>
+                                        </p:tgtEl>
+                                        <p:attrNameLst>
+                                          <p:attrName>style.visibility</p:attrName>
+                                        </p:attrNameLst>
+                                      </p:cBhvr>
+                                      <p:to>
+                                        <p:strVal val="visible"/>
+                                      </p:to>
+                                    </p:set>
+                                  </p:childTnLst>
+                                </p:cTn>
+                              </p:par>
+                            </p:childTnLst>
+                          </p:cTn>
+                        </p:par>
+                      </p:childTnLst>
+                    </p:cTn>
+                  </p:par>
+                </p:childTnLst>
+              </p:cTn>
+              <p:prevCondLst>
+                <p:cond evt="onPrev" delay="0">
+                  <p:tgtEl>
+                    <p:sldTgt/>
+                  </p:tgtEl>
+                </p:cond>
+              </p:prevCondLst>
+              <p:nextCondLst>
+                <p:cond evt="onNext" delay="0">
+                  <p:tgtEl>
+                    <p:sldTgt/>
+                  </p:tgtEl>
+                </p:cond>
+              </p:nextCondLst>
+            </p:seq>
+          </p:childTnLst>
+        </p:cTn>
+      </p:par>
+    </p:tnLst>
+  </p:timing>
 </p:sld>
 </file>
 
@@ -30915,6 +33737,231 @@
           </a:p>
         </p:txBody>
       </p:sp>
+      <p:grpSp>
+        <p:nvGrpSpPr>
+          <p:cNvPr id="5" name="Group 4">
+            <a:extLst>
+              <a:ext uri="{FF2B5EF4-FFF2-40B4-BE49-F238E27FC236}">
+                <a16:creationId xmlns:a16="http://schemas.microsoft.com/office/drawing/2014/main" id="{19BDCB2C-63A3-4D21-9AA3-618A7370163E}"/>
+              </a:ext>
+            </a:extLst>
+          </p:cNvPr>
+          <p:cNvGrpSpPr/>
+          <p:nvPr/>
+        </p:nvGrpSpPr>
+        <p:grpSpPr>
+          <a:xfrm>
+            <a:off x="4324673" y="4235152"/>
+            <a:ext cx="2329560" cy="560520"/>
+            <a:chOff x="3239944" y="3885529"/>
+            <a:chExt cx="2329560" cy="560520"/>
+          </a:xfrm>
+        </p:grpSpPr>
+        <mc:AlternateContent xmlns:mc="http://schemas.openxmlformats.org/markup-compatibility/2006">
+          <mc:Choice xmlns:p14="http://schemas.microsoft.com/office/powerpoint/2010/main" Requires="p14">
+            <p:contentPart p14:bwMode="auto" r:id="rId2">
+              <p14:nvContentPartPr>
+                <p14:cNvPr id="7" name="Ink 6">
+                  <a:extLst>
+                    <a:ext uri="{FF2B5EF4-FFF2-40B4-BE49-F238E27FC236}">
+                      <a16:creationId xmlns:a16="http://schemas.microsoft.com/office/drawing/2014/main" id="{0CF1F46D-8CB7-438F-AEDF-C8431C3E7590}"/>
+                    </a:ext>
+                  </a:extLst>
+                </p14:cNvPr>
+                <p14:cNvContentPartPr/>
+                <p14:nvPr/>
+              </p14:nvContentPartPr>
+              <p14:xfrm>
+                <a:off x="3239944" y="4038529"/>
+                <a:ext cx="1066680" cy="390960"/>
+              </p14:xfrm>
+            </p:contentPart>
+          </mc:Choice>
+          <mc:Fallback>
+            <p:pic>
+              <p:nvPicPr>
+                <p:cNvPr id="7" name="Ink 6">
+                  <a:extLst>
+                    <a:ext uri="{FF2B5EF4-FFF2-40B4-BE49-F238E27FC236}">
+                      <a16:creationId xmlns:a16="http://schemas.microsoft.com/office/drawing/2014/main" id="{0CF1F46D-8CB7-438F-AEDF-C8431C3E7590}"/>
+                    </a:ext>
+                  </a:extLst>
+                </p:cNvPr>
+                <p:cNvPicPr/>
+                <p:nvPr/>
+              </p:nvPicPr>
+              <p:blipFill>
+                <a:blip r:embed="rId3"/>
+                <a:stretch>
+                  <a:fillRect/>
+                </a:stretch>
+              </p:blipFill>
+              <p:spPr>
+                <a:xfrm>
+                  <a:off x="3211504" y="4010089"/>
+                  <a:ext cx="1123200" cy="447840"/>
+                </a:xfrm>
+                <a:prstGeom prst="rect">
+                  <a:avLst/>
+                </a:prstGeom>
+              </p:spPr>
+            </p:pic>
+          </mc:Fallback>
+        </mc:AlternateContent>
+        <mc:AlternateContent xmlns:mc="http://schemas.openxmlformats.org/markup-compatibility/2006">
+          <mc:Choice xmlns:p14="http://schemas.microsoft.com/office/powerpoint/2010/main" Requires="p14">
+            <p:contentPart p14:bwMode="auto" r:id="rId4">
+              <p14:nvContentPartPr>
+                <p14:cNvPr id="8" name="Ink 7">
+                  <a:extLst>
+                    <a:ext uri="{FF2B5EF4-FFF2-40B4-BE49-F238E27FC236}">
+                      <a16:creationId xmlns:a16="http://schemas.microsoft.com/office/drawing/2014/main" id="{B548EA3D-7E5F-43DB-A64E-20F3E7761A9C}"/>
+                    </a:ext>
+                  </a:extLst>
+                </p14:cNvPr>
+                <p14:cNvContentPartPr/>
+                <p14:nvPr/>
+              </p14:nvContentPartPr>
+              <p14:xfrm>
+                <a:off x="4462144" y="3993169"/>
+                <a:ext cx="1107360" cy="452880"/>
+              </p14:xfrm>
+            </p:contentPart>
+          </mc:Choice>
+          <mc:Fallback>
+            <p:pic>
+              <p:nvPicPr>
+                <p:cNvPr id="8" name="Ink 7">
+                  <a:extLst>
+                    <a:ext uri="{FF2B5EF4-FFF2-40B4-BE49-F238E27FC236}">
+                      <a16:creationId xmlns:a16="http://schemas.microsoft.com/office/drawing/2014/main" id="{B548EA3D-7E5F-43DB-A64E-20F3E7761A9C}"/>
+                    </a:ext>
+                  </a:extLst>
+                </p:cNvPr>
+                <p:cNvPicPr/>
+                <p:nvPr/>
+              </p:nvPicPr>
+              <p:blipFill>
+                <a:blip r:embed="rId5"/>
+                <a:stretch>
+                  <a:fillRect/>
+                </a:stretch>
+              </p:blipFill>
+              <p:spPr>
+                <a:xfrm>
+                  <a:off x="4433704" y="3965089"/>
+                  <a:ext cx="1163880" cy="509760"/>
+                </a:xfrm>
+                <a:prstGeom prst="rect">
+                  <a:avLst/>
+                </a:prstGeom>
+              </p:spPr>
+            </p:pic>
+          </mc:Fallback>
+        </mc:AlternateContent>
+        <mc:AlternateContent xmlns:mc="http://schemas.openxmlformats.org/markup-compatibility/2006">
+          <mc:Choice xmlns:p14="http://schemas.microsoft.com/office/powerpoint/2010/main" Requires="p14">
+            <p:contentPart p14:bwMode="auto" r:id="rId6">
+              <p14:nvContentPartPr>
+                <p14:cNvPr id="9" name="Ink 8">
+                  <a:extLst>
+                    <a:ext uri="{FF2B5EF4-FFF2-40B4-BE49-F238E27FC236}">
+                      <a16:creationId xmlns:a16="http://schemas.microsoft.com/office/drawing/2014/main" id="{7F8D372A-1B70-44F5-B9E2-A588F8DCF7CD}"/>
+                    </a:ext>
+                  </a:extLst>
+                </p14:cNvPr>
+                <p14:cNvContentPartPr/>
+                <p14:nvPr/>
+              </p14:nvContentPartPr>
+              <p14:xfrm>
+                <a:off x="4006744" y="3885529"/>
+                <a:ext cx="337320" cy="162360"/>
+              </p14:xfrm>
+            </p:contentPart>
+          </mc:Choice>
+          <mc:Fallback>
+            <p:pic>
+              <p:nvPicPr>
+                <p:cNvPr id="9" name="Ink 8">
+                  <a:extLst>
+                    <a:ext uri="{FF2B5EF4-FFF2-40B4-BE49-F238E27FC236}">
+                      <a16:creationId xmlns:a16="http://schemas.microsoft.com/office/drawing/2014/main" id="{7F8D372A-1B70-44F5-B9E2-A588F8DCF7CD}"/>
+                    </a:ext>
+                  </a:extLst>
+                </p:cNvPr>
+                <p:cNvPicPr/>
+                <p:nvPr/>
+              </p:nvPicPr>
+              <p:blipFill>
+                <a:blip r:embed="rId7"/>
+                <a:stretch>
+                  <a:fillRect/>
+                </a:stretch>
+              </p:blipFill>
+              <p:spPr>
+                <a:xfrm>
+                  <a:off x="3978304" y="3857089"/>
+                  <a:ext cx="394200" cy="219240"/>
+                </a:xfrm>
+                <a:prstGeom prst="rect">
+                  <a:avLst/>
+                </a:prstGeom>
+              </p:spPr>
+            </p:pic>
+          </mc:Fallback>
+        </mc:AlternateContent>
+        <mc:AlternateContent xmlns:mc="http://schemas.openxmlformats.org/markup-compatibility/2006">
+          <mc:Choice xmlns:p14="http://schemas.microsoft.com/office/powerpoint/2010/main" Requires="p14">
+            <p:contentPart p14:bwMode="auto" r:id="rId8">
+              <p14:nvContentPartPr>
+                <p14:cNvPr id="10" name="Ink 9">
+                  <a:extLst>
+                    <a:ext uri="{FF2B5EF4-FFF2-40B4-BE49-F238E27FC236}">
+                      <a16:creationId xmlns:a16="http://schemas.microsoft.com/office/drawing/2014/main" id="{AE11558F-B1F1-40EB-85C8-76A2E6316CCB}"/>
+                    </a:ext>
+                  </a:extLst>
+                </p14:cNvPr>
+                <p14:cNvContentPartPr/>
+                <p14:nvPr/>
+              </p14:nvContentPartPr>
+              <p14:xfrm>
+                <a:off x="4317784" y="3885889"/>
+                <a:ext cx="259200" cy="141480"/>
+              </p14:xfrm>
+            </p:contentPart>
+          </mc:Choice>
+          <mc:Fallback>
+            <p:pic>
+              <p:nvPicPr>
+                <p:cNvPr id="10" name="Ink 9">
+                  <a:extLst>
+                    <a:ext uri="{FF2B5EF4-FFF2-40B4-BE49-F238E27FC236}">
+                      <a16:creationId xmlns:a16="http://schemas.microsoft.com/office/drawing/2014/main" id="{AE11558F-B1F1-40EB-85C8-76A2E6316CCB}"/>
+                    </a:ext>
+                  </a:extLst>
+                </p:cNvPr>
+                <p:cNvPicPr/>
+                <p:nvPr/>
+              </p:nvPicPr>
+              <p:blipFill>
+                <a:blip r:embed="rId9"/>
+                <a:stretch>
+                  <a:fillRect/>
+                </a:stretch>
+              </p:blipFill>
+              <p:spPr>
+                <a:xfrm>
+                  <a:off x="4289344" y="3857449"/>
+                  <a:ext cx="316080" cy="198360"/>
+                </a:xfrm>
+                <a:prstGeom prst="rect">
+                  <a:avLst/>
+                </a:prstGeom>
+              </p:spPr>
+            </p:pic>
+          </mc:Fallback>
+        </mc:AlternateContent>
+      </p:grpSp>
     </p:spTree>
     <p:extLst>
       <p:ext uri="{BB962C8B-B14F-4D97-AF65-F5344CB8AC3E}">
@@ -30925,6 +33972,81 @@
   <p:clrMapOvr>
     <a:masterClrMapping/>
   </p:clrMapOvr>
+  <p:timing>
+    <p:tnLst>
+      <p:par>
+        <p:cTn id="1" dur="indefinite" restart="never" nodeType="tmRoot">
+          <p:childTnLst>
+            <p:seq concurrent="1" nextAc="seek">
+              <p:cTn id="2" dur="indefinite" nodeType="mainSeq">
+                <p:childTnLst>
+                  <p:par>
+                    <p:cTn id="3" fill="hold">
+                      <p:stCondLst>
+                        <p:cond delay="indefinite"/>
+                      </p:stCondLst>
+                      <p:childTnLst>
+                        <p:par>
+                          <p:cTn id="4" fill="hold">
+                            <p:stCondLst>
+                              <p:cond delay="0"/>
+                            </p:stCondLst>
+                            <p:childTnLst>
+                              <p:par>
+                                <p:cTn id="5" presetID="1" presetClass="entr" presetSubtype="0" fill="hold" nodeType="clickEffect">
+                                  <p:stCondLst>
+                                    <p:cond delay="0"/>
+                                  </p:stCondLst>
+                                  <p:childTnLst>
+                                    <p:set>
+                                      <p:cBhvr>
+                                        <p:cTn id="6" dur="1" fill="hold">
+                                          <p:stCondLst>
+                                            <p:cond delay="0"/>
+                                          </p:stCondLst>
+                                        </p:cTn>
+                                        <p:tgtEl>
+                                          <p:spTgt spid="5"/>
+                                        </p:tgtEl>
+                                        <p:attrNameLst>
+                                          <p:attrName>style.visibility</p:attrName>
+                                        </p:attrNameLst>
+                                      </p:cBhvr>
+                                      <p:to>
+                                        <p:strVal val="visible"/>
+                                      </p:to>
+                                    </p:set>
+                                  </p:childTnLst>
+                                </p:cTn>
+                              </p:par>
+                            </p:childTnLst>
+                          </p:cTn>
+                        </p:par>
+                      </p:childTnLst>
+                    </p:cTn>
+                  </p:par>
+                </p:childTnLst>
+              </p:cTn>
+              <p:prevCondLst>
+                <p:cond evt="onPrev" delay="0">
+                  <p:tgtEl>
+                    <p:sldTgt/>
+                  </p:tgtEl>
+                </p:cond>
+              </p:prevCondLst>
+              <p:nextCondLst>
+                <p:cond evt="onNext" delay="0">
+                  <p:tgtEl>
+                    <p:sldTgt/>
+                  </p:tgtEl>
+                </p:cond>
+              </p:nextCondLst>
+            </p:seq>
+          </p:childTnLst>
+        </p:cTn>
+      </p:par>
+    </p:tnLst>
+  </p:timing>
 </p:sld>
 </file>
 
@@ -35394,6 +38516,906 @@
           </a:p>
         </p:txBody>
       </p:sp>
+      <p:grpSp>
+        <p:nvGrpSpPr>
+          <p:cNvPr id="5" name="Group 4">
+            <a:extLst>
+              <a:ext uri="{FF2B5EF4-FFF2-40B4-BE49-F238E27FC236}">
+                <a16:creationId xmlns:a16="http://schemas.microsoft.com/office/drawing/2014/main" id="{98F7DA9D-3342-4DBD-B9FB-F79F37019D47}"/>
+              </a:ext>
+            </a:extLst>
+          </p:cNvPr>
+          <p:cNvGrpSpPr/>
+          <p:nvPr/>
+        </p:nvGrpSpPr>
+        <p:grpSpPr>
+          <a:xfrm>
+            <a:off x="5611108" y="3804846"/>
+            <a:ext cx="2329560" cy="560520"/>
+            <a:chOff x="3239944" y="3885529"/>
+            <a:chExt cx="2329560" cy="560520"/>
+          </a:xfrm>
+        </p:grpSpPr>
+        <mc:AlternateContent xmlns:mc="http://schemas.openxmlformats.org/markup-compatibility/2006">
+          <mc:Choice xmlns:p14="http://schemas.microsoft.com/office/powerpoint/2010/main" Requires="p14">
+            <p:contentPart p14:bwMode="auto" r:id="rId2">
+              <p14:nvContentPartPr>
+                <p14:cNvPr id="7" name="Ink 6">
+                  <a:extLst>
+                    <a:ext uri="{FF2B5EF4-FFF2-40B4-BE49-F238E27FC236}">
+                      <a16:creationId xmlns:a16="http://schemas.microsoft.com/office/drawing/2014/main" id="{1ACC88A7-CEA1-49AE-B873-ACF910CF0FA1}"/>
+                    </a:ext>
+                  </a:extLst>
+                </p14:cNvPr>
+                <p14:cNvContentPartPr/>
+                <p14:nvPr/>
+              </p14:nvContentPartPr>
+              <p14:xfrm>
+                <a:off x="3239944" y="4038529"/>
+                <a:ext cx="1066680" cy="390960"/>
+              </p14:xfrm>
+            </p:contentPart>
+          </mc:Choice>
+          <mc:Fallback>
+            <p:pic>
+              <p:nvPicPr>
+                <p:cNvPr id="7" name="Ink 6">
+                  <a:extLst>
+                    <a:ext uri="{FF2B5EF4-FFF2-40B4-BE49-F238E27FC236}">
+                      <a16:creationId xmlns:a16="http://schemas.microsoft.com/office/drawing/2014/main" id="{1ACC88A7-CEA1-49AE-B873-ACF910CF0FA1}"/>
+                    </a:ext>
+                  </a:extLst>
+                </p:cNvPr>
+                <p:cNvPicPr/>
+                <p:nvPr/>
+              </p:nvPicPr>
+              <p:blipFill>
+                <a:blip r:embed="rId3"/>
+                <a:stretch>
+                  <a:fillRect/>
+                </a:stretch>
+              </p:blipFill>
+              <p:spPr>
+                <a:xfrm>
+                  <a:off x="3211504" y="4010089"/>
+                  <a:ext cx="1123200" cy="447840"/>
+                </a:xfrm>
+                <a:prstGeom prst="rect">
+                  <a:avLst/>
+                </a:prstGeom>
+              </p:spPr>
+            </p:pic>
+          </mc:Fallback>
+        </mc:AlternateContent>
+        <mc:AlternateContent xmlns:mc="http://schemas.openxmlformats.org/markup-compatibility/2006">
+          <mc:Choice xmlns:p14="http://schemas.microsoft.com/office/powerpoint/2010/main" Requires="p14">
+            <p:contentPart p14:bwMode="auto" r:id="rId4">
+              <p14:nvContentPartPr>
+                <p14:cNvPr id="8" name="Ink 7">
+                  <a:extLst>
+                    <a:ext uri="{FF2B5EF4-FFF2-40B4-BE49-F238E27FC236}">
+                      <a16:creationId xmlns:a16="http://schemas.microsoft.com/office/drawing/2014/main" id="{61DF93E5-9D27-4BD0-B8D8-BC2DCAAFCD52}"/>
+                    </a:ext>
+                  </a:extLst>
+                </p14:cNvPr>
+                <p14:cNvContentPartPr/>
+                <p14:nvPr/>
+              </p14:nvContentPartPr>
+              <p14:xfrm>
+                <a:off x="4462144" y="3993169"/>
+                <a:ext cx="1107360" cy="452880"/>
+              </p14:xfrm>
+            </p:contentPart>
+          </mc:Choice>
+          <mc:Fallback>
+            <p:pic>
+              <p:nvPicPr>
+                <p:cNvPr id="8" name="Ink 7">
+                  <a:extLst>
+                    <a:ext uri="{FF2B5EF4-FFF2-40B4-BE49-F238E27FC236}">
+                      <a16:creationId xmlns:a16="http://schemas.microsoft.com/office/drawing/2014/main" id="{61DF93E5-9D27-4BD0-B8D8-BC2DCAAFCD52}"/>
+                    </a:ext>
+                  </a:extLst>
+                </p:cNvPr>
+                <p:cNvPicPr/>
+                <p:nvPr/>
+              </p:nvPicPr>
+              <p:blipFill>
+                <a:blip r:embed="rId5"/>
+                <a:stretch>
+                  <a:fillRect/>
+                </a:stretch>
+              </p:blipFill>
+              <p:spPr>
+                <a:xfrm>
+                  <a:off x="4433704" y="3965089"/>
+                  <a:ext cx="1163880" cy="509760"/>
+                </a:xfrm>
+                <a:prstGeom prst="rect">
+                  <a:avLst/>
+                </a:prstGeom>
+              </p:spPr>
+            </p:pic>
+          </mc:Fallback>
+        </mc:AlternateContent>
+        <mc:AlternateContent xmlns:mc="http://schemas.openxmlformats.org/markup-compatibility/2006">
+          <mc:Choice xmlns:p14="http://schemas.microsoft.com/office/powerpoint/2010/main" Requires="p14">
+            <p:contentPart p14:bwMode="auto" r:id="rId6">
+              <p14:nvContentPartPr>
+                <p14:cNvPr id="9" name="Ink 8">
+                  <a:extLst>
+                    <a:ext uri="{FF2B5EF4-FFF2-40B4-BE49-F238E27FC236}">
+                      <a16:creationId xmlns:a16="http://schemas.microsoft.com/office/drawing/2014/main" id="{945A1779-4B14-4ABF-91B1-90E6BEC00F17}"/>
+                    </a:ext>
+                  </a:extLst>
+                </p14:cNvPr>
+                <p14:cNvContentPartPr/>
+                <p14:nvPr/>
+              </p14:nvContentPartPr>
+              <p14:xfrm>
+                <a:off x="4006744" y="3885529"/>
+                <a:ext cx="337320" cy="162360"/>
+              </p14:xfrm>
+            </p:contentPart>
+          </mc:Choice>
+          <mc:Fallback>
+            <p:pic>
+              <p:nvPicPr>
+                <p:cNvPr id="9" name="Ink 8">
+                  <a:extLst>
+                    <a:ext uri="{FF2B5EF4-FFF2-40B4-BE49-F238E27FC236}">
+                      <a16:creationId xmlns:a16="http://schemas.microsoft.com/office/drawing/2014/main" id="{945A1779-4B14-4ABF-91B1-90E6BEC00F17}"/>
+                    </a:ext>
+                  </a:extLst>
+                </p:cNvPr>
+                <p:cNvPicPr/>
+                <p:nvPr/>
+              </p:nvPicPr>
+              <p:blipFill>
+                <a:blip r:embed="rId7"/>
+                <a:stretch>
+                  <a:fillRect/>
+                </a:stretch>
+              </p:blipFill>
+              <p:spPr>
+                <a:xfrm>
+                  <a:off x="3978304" y="3857089"/>
+                  <a:ext cx="394200" cy="219240"/>
+                </a:xfrm>
+                <a:prstGeom prst="rect">
+                  <a:avLst/>
+                </a:prstGeom>
+              </p:spPr>
+            </p:pic>
+          </mc:Fallback>
+        </mc:AlternateContent>
+        <mc:AlternateContent xmlns:mc="http://schemas.openxmlformats.org/markup-compatibility/2006">
+          <mc:Choice xmlns:p14="http://schemas.microsoft.com/office/powerpoint/2010/main" Requires="p14">
+            <p:contentPart p14:bwMode="auto" r:id="rId8">
+              <p14:nvContentPartPr>
+                <p14:cNvPr id="10" name="Ink 9">
+                  <a:extLst>
+                    <a:ext uri="{FF2B5EF4-FFF2-40B4-BE49-F238E27FC236}">
+                      <a16:creationId xmlns:a16="http://schemas.microsoft.com/office/drawing/2014/main" id="{D1056A61-9163-4EA8-B775-2B50DA66A5BB}"/>
+                    </a:ext>
+                  </a:extLst>
+                </p14:cNvPr>
+                <p14:cNvContentPartPr/>
+                <p14:nvPr/>
+              </p14:nvContentPartPr>
+              <p14:xfrm>
+                <a:off x="4317784" y="3885889"/>
+                <a:ext cx="259200" cy="141480"/>
+              </p14:xfrm>
+            </p:contentPart>
+          </mc:Choice>
+          <mc:Fallback>
+            <p:pic>
+              <p:nvPicPr>
+                <p:cNvPr id="10" name="Ink 9">
+                  <a:extLst>
+                    <a:ext uri="{FF2B5EF4-FFF2-40B4-BE49-F238E27FC236}">
+                      <a16:creationId xmlns:a16="http://schemas.microsoft.com/office/drawing/2014/main" id="{D1056A61-9163-4EA8-B775-2B50DA66A5BB}"/>
+                    </a:ext>
+                  </a:extLst>
+                </p:cNvPr>
+                <p:cNvPicPr/>
+                <p:nvPr/>
+              </p:nvPicPr>
+              <p:blipFill>
+                <a:blip r:embed="rId9"/>
+                <a:stretch>
+                  <a:fillRect/>
+                </a:stretch>
+              </p:blipFill>
+              <p:spPr>
+                <a:xfrm>
+                  <a:off x="4289344" y="3857449"/>
+                  <a:ext cx="316080" cy="198360"/>
+                </a:xfrm>
+                <a:prstGeom prst="rect">
+                  <a:avLst/>
+                </a:prstGeom>
+              </p:spPr>
+            </p:pic>
+          </mc:Fallback>
+        </mc:AlternateContent>
+      </p:grpSp>
+      <p:grpSp>
+        <p:nvGrpSpPr>
+          <p:cNvPr id="31" name="Group 30">
+            <a:extLst>
+              <a:ext uri="{FF2B5EF4-FFF2-40B4-BE49-F238E27FC236}">
+                <a16:creationId xmlns:a16="http://schemas.microsoft.com/office/drawing/2014/main" id="{A59E3AD9-3EEE-47F3-A56C-BE51EC61BC1C}"/>
+              </a:ext>
+            </a:extLst>
+          </p:cNvPr>
+          <p:cNvGrpSpPr/>
+          <p:nvPr/>
+        </p:nvGrpSpPr>
+        <p:grpSpPr>
+          <a:xfrm>
+            <a:off x="5524168" y="4192386"/>
+            <a:ext cx="2329560" cy="560520"/>
+            <a:chOff x="3239944" y="3885529"/>
+            <a:chExt cx="2329560" cy="560520"/>
+          </a:xfrm>
+        </p:grpSpPr>
+        <mc:AlternateContent xmlns:mc="http://schemas.openxmlformats.org/markup-compatibility/2006">
+          <mc:Choice xmlns:p14="http://schemas.microsoft.com/office/powerpoint/2010/main" Requires="p14">
+            <p:contentPart p14:bwMode="auto" r:id="rId10">
+              <p14:nvContentPartPr>
+                <p14:cNvPr id="32" name="Ink 31">
+                  <a:extLst>
+                    <a:ext uri="{FF2B5EF4-FFF2-40B4-BE49-F238E27FC236}">
+                      <a16:creationId xmlns:a16="http://schemas.microsoft.com/office/drawing/2014/main" id="{57DDD27F-5BCD-410D-801F-F42452F9C16D}"/>
+                    </a:ext>
+                  </a:extLst>
+                </p14:cNvPr>
+                <p14:cNvContentPartPr/>
+                <p14:nvPr/>
+              </p14:nvContentPartPr>
+              <p14:xfrm>
+                <a:off x="3239944" y="4038529"/>
+                <a:ext cx="1066680" cy="390960"/>
+              </p14:xfrm>
+            </p:contentPart>
+          </mc:Choice>
+          <mc:Fallback>
+            <p:pic>
+              <p:nvPicPr>
+                <p:cNvPr id="32" name="Ink 31">
+                  <a:extLst>
+                    <a:ext uri="{FF2B5EF4-FFF2-40B4-BE49-F238E27FC236}">
+                      <a16:creationId xmlns:a16="http://schemas.microsoft.com/office/drawing/2014/main" id="{57DDD27F-5BCD-410D-801F-F42452F9C16D}"/>
+                    </a:ext>
+                  </a:extLst>
+                </p:cNvPr>
+                <p:cNvPicPr/>
+                <p:nvPr/>
+              </p:nvPicPr>
+              <p:blipFill>
+                <a:blip r:embed="rId3"/>
+                <a:stretch>
+                  <a:fillRect/>
+                </a:stretch>
+              </p:blipFill>
+              <p:spPr>
+                <a:xfrm>
+                  <a:off x="3211504" y="4010089"/>
+                  <a:ext cx="1123200" cy="447840"/>
+                </a:xfrm>
+                <a:prstGeom prst="rect">
+                  <a:avLst/>
+                </a:prstGeom>
+              </p:spPr>
+            </p:pic>
+          </mc:Fallback>
+        </mc:AlternateContent>
+        <mc:AlternateContent xmlns:mc="http://schemas.openxmlformats.org/markup-compatibility/2006">
+          <mc:Choice xmlns:p14="http://schemas.microsoft.com/office/powerpoint/2010/main" Requires="p14">
+            <p:contentPart p14:bwMode="auto" r:id="rId11">
+              <p14:nvContentPartPr>
+                <p14:cNvPr id="33" name="Ink 32">
+                  <a:extLst>
+                    <a:ext uri="{FF2B5EF4-FFF2-40B4-BE49-F238E27FC236}">
+                      <a16:creationId xmlns:a16="http://schemas.microsoft.com/office/drawing/2014/main" id="{ED95C122-9964-4EC0-AABD-F4B0542B88A9}"/>
+                    </a:ext>
+                  </a:extLst>
+                </p14:cNvPr>
+                <p14:cNvContentPartPr/>
+                <p14:nvPr/>
+              </p14:nvContentPartPr>
+              <p14:xfrm>
+                <a:off x="4462144" y="3993169"/>
+                <a:ext cx="1107360" cy="452880"/>
+              </p14:xfrm>
+            </p:contentPart>
+          </mc:Choice>
+          <mc:Fallback>
+            <p:pic>
+              <p:nvPicPr>
+                <p:cNvPr id="33" name="Ink 32">
+                  <a:extLst>
+                    <a:ext uri="{FF2B5EF4-FFF2-40B4-BE49-F238E27FC236}">
+                      <a16:creationId xmlns:a16="http://schemas.microsoft.com/office/drawing/2014/main" id="{ED95C122-9964-4EC0-AABD-F4B0542B88A9}"/>
+                    </a:ext>
+                  </a:extLst>
+                </p:cNvPr>
+                <p:cNvPicPr/>
+                <p:nvPr/>
+              </p:nvPicPr>
+              <p:blipFill>
+                <a:blip r:embed="rId5"/>
+                <a:stretch>
+                  <a:fillRect/>
+                </a:stretch>
+              </p:blipFill>
+              <p:spPr>
+                <a:xfrm>
+                  <a:off x="4433704" y="3965089"/>
+                  <a:ext cx="1163880" cy="509760"/>
+                </a:xfrm>
+                <a:prstGeom prst="rect">
+                  <a:avLst/>
+                </a:prstGeom>
+              </p:spPr>
+            </p:pic>
+          </mc:Fallback>
+        </mc:AlternateContent>
+        <mc:AlternateContent xmlns:mc="http://schemas.openxmlformats.org/markup-compatibility/2006">
+          <mc:Choice xmlns:p14="http://schemas.microsoft.com/office/powerpoint/2010/main" Requires="p14">
+            <p:contentPart p14:bwMode="auto" r:id="rId12">
+              <p14:nvContentPartPr>
+                <p14:cNvPr id="34" name="Ink 33">
+                  <a:extLst>
+                    <a:ext uri="{FF2B5EF4-FFF2-40B4-BE49-F238E27FC236}">
+                      <a16:creationId xmlns:a16="http://schemas.microsoft.com/office/drawing/2014/main" id="{C9C87ACD-D778-4011-96A4-AF8F40F402D5}"/>
+                    </a:ext>
+                  </a:extLst>
+                </p14:cNvPr>
+                <p14:cNvContentPartPr/>
+                <p14:nvPr/>
+              </p14:nvContentPartPr>
+              <p14:xfrm>
+                <a:off x="4006744" y="3885529"/>
+                <a:ext cx="337320" cy="162360"/>
+              </p14:xfrm>
+            </p:contentPart>
+          </mc:Choice>
+          <mc:Fallback>
+            <p:pic>
+              <p:nvPicPr>
+                <p:cNvPr id="34" name="Ink 33">
+                  <a:extLst>
+                    <a:ext uri="{FF2B5EF4-FFF2-40B4-BE49-F238E27FC236}">
+                      <a16:creationId xmlns:a16="http://schemas.microsoft.com/office/drawing/2014/main" id="{C9C87ACD-D778-4011-96A4-AF8F40F402D5}"/>
+                    </a:ext>
+                  </a:extLst>
+                </p:cNvPr>
+                <p:cNvPicPr/>
+                <p:nvPr/>
+              </p:nvPicPr>
+              <p:blipFill>
+                <a:blip r:embed="rId7"/>
+                <a:stretch>
+                  <a:fillRect/>
+                </a:stretch>
+              </p:blipFill>
+              <p:spPr>
+                <a:xfrm>
+                  <a:off x="3978304" y="3857089"/>
+                  <a:ext cx="394200" cy="219240"/>
+                </a:xfrm>
+                <a:prstGeom prst="rect">
+                  <a:avLst/>
+                </a:prstGeom>
+              </p:spPr>
+            </p:pic>
+          </mc:Fallback>
+        </mc:AlternateContent>
+        <mc:AlternateContent xmlns:mc="http://schemas.openxmlformats.org/markup-compatibility/2006">
+          <mc:Choice xmlns:p14="http://schemas.microsoft.com/office/powerpoint/2010/main" Requires="p14">
+            <p:contentPart p14:bwMode="auto" r:id="rId13">
+              <p14:nvContentPartPr>
+                <p14:cNvPr id="35" name="Ink 34">
+                  <a:extLst>
+                    <a:ext uri="{FF2B5EF4-FFF2-40B4-BE49-F238E27FC236}">
+                      <a16:creationId xmlns:a16="http://schemas.microsoft.com/office/drawing/2014/main" id="{9FEFAFEE-C6A3-413A-8F25-414C772D7CE8}"/>
+                    </a:ext>
+                  </a:extLst>
+                </p14:cNvPr>
+                <p14:cNvContentPartPr/>
+                <p14:nvPr/>
+              </p14:nvContentPartPr>
+              <p14:xfrm>
+                <a:off x="4317784" y="3885889"/>
+                <a:ext cx="259200" cy="141480"/>
+              </p14:xfrm>
+            </p:contentPart>
+          </mc:Choice>
+          <mc:Fallback>
+            <p:pic>
+              <p:nvPicPr>
+                <p:cNvPr id="35" name="Ink 34">
+                  <a:extLst>
+                    <a:ext uri="{FF2B5EF4-FFF2-40B4-BE49-F238E27FC236}">
+                      <a16:creationId xmlns:a16="http://schemas.microsoft.com/office/drawing/2014/main" id="{9FEFAFEE-C6A3-413A-8F25-414C772D7CE8}"/>
+                    </a:ext>
+                  </a:extLst>
+                </p:cNvPr>
+                <p:cNvPicPr/>
+                <p:nvPr/>
+              </p:nvPicPr>
+              <p:blipFill>
+                <a:blip r:embed="rId9"/>
+                <a:stretch>
+                  <a:fillRect/>
+                </a:stretch>
+              </p:blipFill>
+              <p:spPr>
+                <a:xfrm>
+                  <a:off x="4289344" y="3857449"/>
+                  <a:ext cx="316080" cy="198360"/>
+                </a:xfrm>
+                <a:prstGeom prst="rect">
+                  <a:avLst/>
+                </a:prstGeom>
+              </p:spPr>
+            </p:pic>
+          </mc:Fallback>
+        </mc:AlternateContent>
+      </p:grpSp>
+      <p:grpSp>
+        <p:nvGrpSpPr>
+          <p:cNvPr id="36" name="Group 35">
+            <a:extLst>
+              <a:ext uri="{FF2B5EF4-FFF2-40B4-BE49-F238E27FC236}">
+                <a16:creationId xmlns:a16="http://schemas.microsoft.com/office/drawing/2014/main" id="{72C77008-D70A-44A0-A9FE-4B8767B060DC}"/>
+              </a:ext>
+            </a:extLst>
+          </p:cNvPr>
+          <p:cNvGrpSpPr/>
+          <p:nvPr/>
+        </p:nvGrpSpPr>
+        <p:grpSpPr>
+          <a:xfrm>
+            <a:off x="5503828" y="4581900"/>
+            <a:ext cx="2329560" cy="560520"/>
+            <a:chOff x="3239944" y="3885529"/>
+            <a:chExt cx="2329560" cy="560520"/>
+          </a:xfrm>
+        </p:grpSpPr>
+        <mc:AlternateContent xmlns:mc="http://schemas.openxmlformats.org/markup-compatibility/2006">
+          <mc:Choice xmlns:p14="http://schemas.microsoft.com/office/powerpoint/2010/main" Requires="p14">
+            <p:contentPart p14:bwMode="auto" r:id="rId14">
+              <p14:nvContentPartPr>
+                <p14:cNvPr id="37" name="Ink 36">
+                  <a:extLst>
+                    <a:ext uri="{FF2B5EF4-FFF2-40B4-BE49-F238E27FC236}">
+                      <a16:creationId xmlns:a16="http://schemas.microsoft.com/office/drawing/2014/main" id="{04128A59-92BF-4F7C-BAAC-F070A44D5F40}"/>
+                    </a:ext>
+                  </a:extLst>
+                </p14:cNvPr>
+                <p14:cNvContentPartPr/>
+                <p14:nvPr/>
+              </p14:nvContentPartPr>
+              <p14:xfrm>
+                <a:off x="3239944" y="4038529"/>
+                <a:ext cx="1066680" cy="390960"/>
+              </p14:xfrm>
+            </p:contentPart>
+          </mc:Choice>
+          <mc:Fallback>
+            <p:pic>
+              <p:nvPicPr>
+                <p:cNvPr id="37" name="Ink 36">
+                  <a:extLst>
+                    <a:ext uri="{FF2B5EF4-FFF2-40B4-BE49-F238E27FC236}">
+                      <a16:creationId xmlns:a16="http://schemas.microsoft.com/office/drawing/2014/main" id="{04128A59-92BF-4F7C-BAAC-F070A44D5F40}"/>
+                    </a:ext>
+                  </a:extLst>
+                </p:cNvPr>
+                <p:cNvPicPr/>
+                <p:nvPr/>
+              </p:nvPicPr>
+              <p:blipFill>
+                <a:blip r:embed="rId3"/>
+                <a:stretch>
+                  <a:fillRect/>
+                </a:stretch>
+              </p:blipFill>
+              <p:spPr>
+                <a:xfrm>
+                  <a:off x="3211504" y="4010089"/>
+                  <a:ext cx="1123200" cy="447840"/>
+                </a:xfrm>
+                <a:prstGeom prst="rect">
+                  <a:avLst/>
+                </a:prstGeom>
+              </p:spPr>
+            </p:pic>
+          </mc:Fallback>
+        </mc:AlternateContent>
+        <mc:AlternateContent xmlns:mc="http://schemas.openxmlformats.org/markup-compatibility/2006">
+          <mc:Choice xmlns:p14="http://schemas.microsoft.com/office/powerpoint/2010/main" Requires="p14">
+            <p:contentPart p14:bwMode="auto" r:id="rId15">
+              <p14:nvContentPartPr>
+                <p14:cNvPr id="38" name="Ink 37">
+                  <a:extLst>
+                    <a:ext uri="{FF2B5EF4-FFF2-40B4-BE49-F238E27FC236}">
+                      <a16:creationId xmlns:a16="http://schemas.microsoft.com/office/drawing/2014/main" id="{C0217831-D9AC-4A95-9DB5-13AD8219666A}"/>
+                    </a:ext>
+                  </a:extLst>
+                </p14:cNvPr>
+                <p14:cNvContentPartPr/>
+                <p14:nvPr/>
+              </p14:nvContentPartPr>
+              <p14:xfrm>
+                <a:off x="4462144" y="3993169"/>
+                <a:ext cx="1107360" cy="452880"/>
+              </p14:xfrm>
+            </p:contentPart>
+          </mc:Choice>
+          <mc:Fallback>
+            <p:pic>
+              <p:nvPicPr>
+                <p:cNvPr id="38" name="Ink 37">
+                  <a:extLst>
+                    <a:ext uri="{FF2B5EF4-FFF2-40B4-BE49-F238E27FC236}">
+                      <a16:creationId xmlns:a16="http://schemas.microsoft.com/office/drawing/2014/main" id="{C0217831-D9AC-4A95-9DB5-13AD8219666A}"/>
+                    </a:ext>
+                  </a:extLst>
+                </p:cNvPr>
+                <p:cNvPicPr/>
+                <p:nvPr/>
+              </p:nvPicPr>
+              <p:blipFill>
+                <a:blip r:embed="rId5"/>
+                <a:stretch>
+                  <a:fillRect/>
+                </a:stretch>
+              </p:blipFill>
+              <p:spPr>
+                <a:xfrm>
+                  <a:off x="4433704" y="3965089"/>
+                  <a:ext cx="1163880" cy="509760"/>
+                </a:xfrm>
+                <a:prstGeom prst="rect">
+                  <a:avLst/>
+                </a:prstGeom>
+              </p:spPr>
+            </p:pic>
+          </mc:Fallback>
+        </mc:AlternateContent>
+        <mc:AlternateContent xmlns:mc="http://schemas.openxmlformats.org/markup-compatibility/2006">
+          <mc:Choice xmlns:p14="http://schemas.microsoft.com/office/powerpoint/2010/main" Requires="p14">
+            <p:contentPart p14:bwMode="auto" r:id="rId16">
+              <p14:nvContentPartPr>
+                <p14:cNvPr id="39" name="Ink 38">
+                  <a:extLst>
+                    <a:ext uri="{FF2B5EF4-FFF2-40B4-BE49-F238E27FC236}">
+                      <a16:creationId xmlns:a16="http://schemas.microsoft.com/office/drawing/2014/main" id="{A6372F44-1AEC-4325-8F69-4483C4ED0CAC}"/>
+                    </a:ext>
+                  </a:extLst>
+                </p14:cNvPr>
+                <p14:cNvContentPartPr/>
+                <p14:nvPr/>
+              </p14:nvContentPartPr>
+              <p14:xfrm>
+                <a:off x="4006744" y="3885529"/>
+                <a:ext cx="337320" cy="162360"/>
+              </p14:xfrm>
+            </p:contentPart>
+          </mc:Choice>
+          <mc:Fallback>
+            <p:pic>
+              <p:nvPicPr>
+                <p:cNvPr id="39" name="Ink 38">
+                  <a:extLst>
+                    <a:ext uri="{FF2B5EF4-FFF2-40B4-BE49-F238E27FC236}">
+                      <a16:creationId xmlns:a16="http://schemas.microsoft.com/office/drawing/2014/main" id="{A6372F44-1AEC-4325-8F69-4483C4ED0CAC}"/>
+                    </a:ext>
+                  </a:extLst>
+                </p:cNvPr>
+                <p:cNvPicPr/>
+                <p:nvPr/>
+              </p:nvPicPr>
+              <p:blipFill>
+                <a:blip r:embed="rId7"/>
+                <a:stretch>
+                  <a:fillRect/>
+                </a:stretch>
+              </p:blipFill>
+              <p:spPr>
+                <a:xfrm>
+                  <a:off x="3978304" y="3857089"/>
+                  <a:ext cx="394200" cy="219240"/>
+                </a:xfrm>
+                <a:prstGeom prst="rect">
+                  <a:avLst/>
+                </a:prstGeom>
+              </p:spPr>
+            </p:pic>
+          </mc:Fallback>
+        </mc:AlternateContent>
+        <mc:AlternateContent xmlns:mc="http://schemas.openxmlformats.org/markup-compatibility/2006">
+          <mc:Choice xmlns:p14="http://schemas.microsoft.com/office/powerpoint/2010/main" Requires="p14">
+            <p:contentPart p14:bwMode="auto" r:id="rId17">
+              <p14:nvContentPartPr>
+                <p14:cNvPr id="40" name="Ink 39">
+                  <a:extLst>
+                    <a:ext uri="{FF2B5EF4-FFF2-40B4-BE49-F238E27FC236}">
+                      <a16:creationId xmlns:a16="http://schemas.microsoft.com/office/drawing/2014/main" id="{D5F8258A-0A7E-4C43-8333-01BAD681EB93}"/>
+                    </a:ext>
+                  </a:extLst>
+                </p14:cNvPr>
+                <p14:cNvContentPartPr/>
+                <p14:nvPr/>
+              </p14:nvContentPartPr>
+              <p14:xfrm>
+                <a:off x="4317784" y="3885889"/>
+                <a:ext cx="259200" cy="141480"/>
+              </p14:xfrm>
+            </p:contentPart>
+          </mc:Choice>
+          <mc:Fallback>
+            <p:pic>
+              <p:nvPicPr>
+                <p:cNvPr id="40" name="Ink 39">
+                  <a:extLst>
+                    <a:ext uri="{FF2B5EF4-FFF2-40B4-BE49-F238E27FC236}">
+                      <a16:creationId xmlns:a16="http://schemas.microsoft.com/office/drawing/2014/main" id="{D5F8258A-0A7E-4C43-8333-01BAD681EB93}"/>
+                    </a:ext>
+                  </a:extLst>
+                </p:cNvPr>
+                <p:cNvPicPr/>
+                <p:nvPr/>
+              </p:nvPicPr>
+              <p:blipFill>
+                <a:blip r:embed="rId9"/>
+                <a:stretch>
+                  <a:fillRect/>
+                </a:stretch>
+              </p:blipFill>
+              <p:spPr>
+                <a:xfrm>
+                  <a:off x="4289344" y="3857449"/>
+                  <a:ext cx="316080" cy="198360"/>
+                </a:xfrm>
+                <a:prstGeom prst="rect">
+                  <a:avLst/>
+                </a:prstGeom>
+              </p:spPr>
+            </p:pic>
+          </mc:Fallback>
+        </mc:AlternateContent>
+      </p:grpSp>
+      <p:grpSp>
+        <p:nvGrpSpPr>
+          <p:cNvPr id="41" name="Group 40">
+            <a:extLst>
+              <a:ext uri="{FF2B5EF4-FFF2-40B4-BE49-F238E27FC236}">
+                <a16:creationId xmlns:a16="http://schemas.microsoft.com/office/drawing/2014/main" id="{7DC337F4-1E5A-4635-BA27-C6F4740DDCD1}"/>
+              </a:ext>
+            </a:extLst>
+          </p:cNvPr>
+          <p:cNvGrpSpPr/>
+          <p:nvPr/>
+        </p:nvGrpSpPr>
+        <p:grpSpPr>
+          <a:xfrm>
+            <a:off x="5416888" y="4959263"/>
+            <a:ext cx="2329560" cy="560520"/>
+            <a:chOff x="3239944" y="3885529"/>
+            <a:chExt cx="2329560" cy="560520"/>
+          </a:xfrm>
+        </p:grpSpPr>
+        <mc:AlternateContent xmlns:mc="http://schemas.openxmlformats.org/markup-compatibility/2006">
+          <mc:Choice xmlns:p14="http://schemas.microsoft.com/office/powerpoint/2010/main" Requires="p14">
+            <p:contentPart p14:bwMode="auto" r:id="rId18">
+              <p14:nvContentPartPr>
+                <p14:cNvPr id="42" name="Ink 41">
+                  <a:extLst>
+                    <a:ext uri="{FF2B5EF4-FFF2-40B4-BE49-F238E27FC236}">
+                      <a16:creationId xmlns:a16="http://schemas.microsoft.com/office/drawing/2014/main" id="{DE563065-A81C-42C8-9E5A-2DCBA4D3E547}"/>
+                    </a:ext>
+                  </a:extLst>
+                </p14:cNvPr>
+                <p14:cNvContentPartPr/>
+                <p14:nvPr/>
+              </p14:nvContentPartPr>
+              <p14:xfrm>
+                <a:off x="3239944" y="4038529"/>
+                <a:ext cx="1066680" cy="390960"/>
+              </p14:xfrm>
+            </p:contentPart>
+          </mc:Choice>
+          <mc:Fallback>
+            <p:pic>
+              <p:nvPicPr>
+                <p:cNvPr id="42" name="Ink 41">
+                  <a:extLst>
+                    <a:ext uri="{FF2B5EF4-FFF2-40B4-BE49-F238E27FC236}">
+                      <a16:creationId xmlns:a16="http://schemas.microsoft.com/office/drawing/2014/main" id="{DE563065-A81C-42C8-9E5A-2DCBA4D3E547}"/>
+                    </a:ext>
+                  </a:extLst>
+                </p:cNvPr>
+                <p:cNvPicPr/>
+                <p:nvPr/>
+              </p:nvPicPr>
+              <p:blipFill>
+                <a:blip r:embed="rId3"/>
+                <a:stretch>
+                  <a:fillRect/>
+                </a:stretch>
+              </p:blipFill>
+              <p:spPr>
+                <a:xfrm>
+                  <a:off x="3211504" y="4010089"/>
+                  <a:ext cx="1123200" cy="447840"/>
+                </a:xfrm>
+                <a:prstGeom prst="rect">
+                  <a:avLst/>
+                </a:prstGeom>
+              </p:spPr>
+            </p:pic>
+          </mc:Fallback>
+        </mc:AlternateContent>
+        <mc:AlternateContent xmlns:mc="http://schemas.openxmlformats.org/markup-compatibility/2006">
+          <mc:Choice xmlns:p14="http://schemas.microsoft.com/office/powerpoint/2010/main" Requires="p14">
+            <p:contentPart p14:bwMode="auto" r:id="rId19">
+              <p14:nvContentPartPr>
+                <p14:cNvPr id="43" name="Ink 42">
+                  <a:extLst>
+                    <a:ext uri="{FF2B5EF4-FFF2-40B4-BE49-F238E27FC236}">
+                      <a16:creationId xmlns:a16="http://schemas.microsoft.com/office/drawing/2014/main" id="{9AFD2AD7-16F8-4FCF-8BE1-BB834158B6E3}"/>
+                    </a:ext>
+                  </a:extLst>
+                </p14:cNvPr>
+                <p14:cNvContentPartPr/>
+                <p14:nvPr/>
+              </p14:nvContentPartPr>
+              <p14:xfrm>
+                <a:off x="4462144" y="3993169"/>
+                <a:ext cx="1107360" cy="452880"/>
+              </p14:xfrm>
+            </p:contentPart>
+          </mc:Choice>
+          <mc:Fallback>
+            <p:pic>
+              <p:nvPicPr>
+                <p:cNvPr id="43" name="Ink 42">
+                  <a:extLst>
+                    <a:ext uri="{FF2B5EF4-FFF2-40B4-BE49-F238E27FC236}">
+                      <a16:creationId xmlns:a16="http://schemas.microsoft.com/office/drawing/2014/main" id="{9AFD2AD7-16F8-4FCF-8BE1-BB834158B6E3}"/>
+                    </a:ext>
+                  </a:extLst>
+                </p:cNvPr>
+                <p:cNvPicPr/>
+                <p:nvPr/>
+              </p:nvPicPr>
+              <p:blipFill>
+                <a:blip r:embed="rId5"/>
+                <a:stretch>
+                  <a:fillRect/>
+                </a:stretch>
+              </p:blipFill>
+              <p:spPr>
+                <a:xfrm>
+                  <a:off x="4433704" y="3965089"/>
+                  <a:ext cx="1163880" cy="509760"/>
+                </a:xfrm>
+                <a:prstGeom prst="rect">
+                  <a:avLst/>
+                </a:prstGeom>
+              </p:spPr>
+            </p:pic>
+          </mc:Fallback>
+        </mc:AlternateContent>
+        <mc:AlternateContent xmlns:mc="http://schemas.openxmlformats.org/markup-compatibility/2006">
+          <mc:Choice xmlns:p14="http://schemas.microsoft.com/office/powerpoint/2010/main" Requires="p14">
+            <p:contentPart p14:bwMode="auto" r:id="rId20">
+              <p14:nvContentPartPr>
+                <p14:cNvPr id="44" name="Ink 43">
+                  <a:extLst>
+                    <a:ext uri="{FF2B5EF4-FFF2-40B4-BE49-F238E27FC236}">
+                      <a16:creationId xmlns:a16="http://schemas.microsoft.com/office/drawing/2014/main" id="{7840CE68-7544-47BC-953F-58944E36B2EF}"/>
+                    </a:ext>
+                  </a:extLst>
+                </p14:cNvPr>
+                <p14:cNvContentPartPr/>
+                <p14:nvPr/>
+              </p14:nvContentPartPr>
+              <p14:xfrm>
+                <a:off x="4006744" y="3885529"/>
+                <a:ext cx="337320" cy="162360"/>
+              </p14:xfrm>
+            </p:contentPart>
+          </mc:Choice>
+          <mc:Fallback>
+            <p:pic>
+              <p:nvPicPr>
+                <p:cNvPr id="44" name="Ink 43">
+                  <a:extLst>
+                    <a:ext uri="{FF2B5EF4-FFF2-40B4-BE49-F238E27FC236}">
+                      <a16:creationId xmlns:a16="http://schemas.microsoft.com/office/drawing/2014/main" id="{7840CE68-7544-47BC-953F-58944E36B2EF}"/>
+                    </a:ext>
+                  </a:extLst>
+                </p:cNvPr>
+                <p:cNvPicPr/>
+                <p:nvPr/>
+              </p:nvPicPr>
+              <p:blipFill>
+                <a:blip r:embed="rId7"/>
+                <a:stretch>
+                  <a:fillRect/>
+                </a:stretch>
+              </p:blipFill>
+              <p:spPr>
+                <a:xfrm>
+                  <a:off x="3978304" y="3857089"/>
+                  <a:ext cx="394200" cy="219240"/>
+                </a:xfrm>
+                <a:prstGeom prst="rect">
+                  <a:avLst/>
+                </a:prstGeom>
+              </p:spPr>
+            </p:pic>
+          </mc:Fallback>
+        </mc:AlternateContent>
+        <mc:AlternateContent xmlns:mc="http://schemas.openxmlformats.org/markup-compatibility/2006">
+          <mc:Choice xmlns:p14="http://schemas.microsoft.com/office/powerpoint/2010/main" Requires="p14">
+            <p:contentPart p14:bwMode="auto" r:id="rId21">
+              <p14:nvContentPartPr>
+                <p14:cNvPr id="45" name="Ink 44">
+                  <a:extLst>
+                    <a:ext uri="{FF2B5EF4-FFF2-40B4-BE49-F238E27FC236}">
+                      <a16:creationId xmlns:a16="http://schemas.microsoft.com/office/drawing/2014/main" id="{7F6F529F-7CE4-4335-AFF6-4F89B12126EB}"/>
+                    </a:ext>
+                  </a:extLst>
+                </p14:cNvPr>
+                <p14:cNvContentPartPr/>
+                <p14:nvPr/>
+              </p14:nvContentPartPr>
+              <p14:xfrm>
+                <a:off x="4317784" y="3885889"/>
+                <a:ext cx="259200" cy="141480"/>
+              </p14:xfrm>
+            </p:contentPart>
+          </mc:Choice>
+          <mc:Fallback>
+            <p:pic>
+              <p:nvPicPr>
+                <p:cNvPr id="45" name="Ink 44">
+                  <a:extLst>
+                    <a:ext uri="{FF2B5EF4-FFF2-40B4-BE49-F238E27FC236}">
+                      <a16:creationId xmlns:a16="http://schemas.microsoft.com/office/drawing/2014/main" id="{7F6F529F-7CE4-4335-AFF6-4F89B12126EB}"/>
+                    </a:ext>
+                  </a:extLst>
+                </p:cNvPr>
+                <p:cNvPicPr/>
+                <p:nvPr/>
+              </p:nvPicPr>
+              <p:blipFill>
+                <a:blip r:embed="rId9"/>
+                <a:stretch>
+                  <a:fillRect/>
+                </a:stretch>
+              </p:blipFill>
+              <p:spPr>
+                <a:xfrm>
+                  <a:off x="4289344" y="3857449"/>
+                  <a:ext cx="316080" cy="198360"/>
+                </a:xfrm>
+                <a:prstGeom prst="rect">
+                  <a:avLst/>
+                </a:prstGeom>
+              </p:spPr>
+            </p:pic>
+          </mc:Fallback>
+        </mc:AlternateContent>
+      </p:grpSp>
     </p:spTree>
     <p:extLst>
       <p:ext uri="{BB962C8B-B14F-4D97-AF65-F5344CB8AC3E}">
@@ -35404,6 +39426,342 @@
   <p:clrMapOvr>
     <a:masterClrMapping/>
   </p:clrMapOvr>
+  <p:timing>
+    <p:tnLst>
+      <p:par>
+        <p:cTn id="1" dur="indefinite" restart="never" nodeType="tmRoot">
+          <p:childTnLst>
+            <p:seq concurrent="1" nextAc="seek">
+              <p:cTn id="2" dur="indefinite" nodeType="mainSeq">
+                <p:childTnLst>
+                  <p:par>
+                    <p:cTn id="3" fill="hold">
+                      <p:stCondLst>
+                        <p:cond delay="indefinite"/>
+                      </p:stCondLst>
+                      <p:childTnLst>
+                        <p:par>
+                          <p:cTn id="4" fill="hold">
+                            <p:stCondLst>
+                              <p:cond delay="0"/>
+                            </p:stCondLst>
+                            <p:childTnLst>
+                              <p:par>
+                                <p:cTn id="5" presetID="1" presetClass="entr" presetSubtype="0" fill="hold" nodeType="clickEffect">
+                                  <p:stCondLst>
+                                    <p:cond delay="0"/>
+                                  </p:stCondLst>
+                                  <p:childTnLst>
+                                    <p:set>
+                                      <p:cBhvr>
+                                        <p:cTn id="6" dur="1" fill="hold">
+                                          <p:stCondLst>
+                                            <p:cond delay="0"/>
+                                          </p:stCondLst>
+                                        </p:cTn>
+                                        <p:tgtEl>
+                                          <p:spTgt spid="5"/>
+                                        </p:tgtEl>
+                                        <p:attrNameLst>
+                                          <p:attrName>style.visibility</p:attrName>
+                                        </p:attrNameLst>
+                                      </p:cBhvr>
+                                      <p:to>
+                                        <p:strVal val="visible"/>
+                                      </p:to>
+                                    </p:set>
+                                  </p:childTnLst>
+                                </p:cTn>
+                              </p:par>
+                            </p:childTnLst>
+                          </p:cTn>
+                        </p:par>
+                      </p:childTnLst>
+                    </p:cTn>
+                  </p:par>
+                  <p:par>
+                    <p:cTn id="7" fill="hold">
+                      <p:stCondLst>
+                        <p:cond delay="indefinite"/>
+                      </p:stCondLst>
+                      <p:childTnLst>
+                        <p:par>
+                          <p:cTn id="8" fill="hold">
+                            <p:stCondLst>
+                              <p:cond delay="0"/>
+                            </p:stCondLst>
+                            <p:childTnLst>
+                              <p:par>
+                                <p:cTn id="9" presetID="1" presetClass="exit" presetSubtype="0" fill="hold" nodeType="clickEffect">
+                                  <p:stCondLst>
+                                    <p:cond delay="0"/>
+                                  </p:stCondLst>
+                                  <p:childTnLst>
+                                    <p:set>
+                                      <p:cBhvr>
+                                        <p:cTn id="10" dur="1" fill="hold">
+                                          <p:stCondLst>
+                                            <p:cond delay="0"/>
+                                          </p:stCondLst>
+                                        </p:cTn>
+                                        <p:tgtEl>
+                                          <p:spTgt spid="5"/>
+                                        </p:tgtEl>
+                                        <p:attrNameLst>
+                                          <p:attrName>style.visibility</p:attrName>
+                                        </p:attrNameLst>
+                                      </p:cBhvr>
+                                      <p:to>
+                                        <p:strVal val="hidden"/>
+                                      </p:to>
+                                    </p:set>
+                                  </p:childTnLst>
+                                </p:cTn>
+                              </p:par>
+                              <p:par>
+                                <p:cTn id="11" presetID="1" presetClass="entr" presetSubtype="0" fill="hold" nodeType="withEffect">
+                                  <p:stCondLst>
+                                    <p:cond delay="0"/>
+                                  </p:stCondLst>
+                                  <p:childTnLst>
+                                    <p:set>
+                                      <p:cBhvr>
+                                        <p:cTn id="12" dur="1" fill="hold">
+                                          <p:stCondLst>
+                                            <p:cond delay="0"/>
+                                          </p:stCondLst>
+                                        </p:cTn>
+                                        <p:tgtEl>
+                                          <p:spTgt spid="31"/>
+                                        </p:tgtEl>
+                                        <p:attrNameLst>
+                                          <p:attrName>style.visibility</p:attrName>
+                                        </p:attrNameLst>
+                                      </p:cBhvr>
+                                      <p:to>
+                                        <p:strVal val="visible"/>
+                                      </p:to>
+                                    </p:set>
+                                  </p:childTnLst>
+                                </p:cTn>
+                              </p:par>
+                            </p:childTnLst>
+                          </p:cTn>
+                        </p:par>
+                      </p:childTnLst>
+                    </p:cTn>
+                  </p:par>
+                  <p:par>
+                    <p:cTn id="13" fill="hold">
+                      <p:stCondLst>
+                        <p:cond delay="indefinite"/>
+                      </p:stCondLst>
+                      <p:childTnLst>
+                        <p:par>
+                          <p:cTn id="14" fill="hold">
+                            <p:stCondLst>
+                              <p:cond delay="0"/>
+                            </p:stCondLst>
+                            <p:childTnLst>
+                              <p:par>
+                                <p:cTn id="15" presetID="1" presetClass="exit" presetSubtype="0" fill="hold" nodeType="clickEffect">
+                                  <p:stCondLst>
+                                    <p:cond delay="0"/>
+                                  </p:stCondLst>
+                                  <p:childTnLst>
+                                    <p:set>
+                                      <p:cBhvr>
+                                        <p:cTn id="16" dur="1" fill="hold">
+                                          <p:stCondLst>
+                                            <p:cond delay="0"/>
+                                          </p:stCondLst>
+                                        </p:cTn>
+                                        <p:tgtEl>
+                                          <p:spTgt spid="31"/>
+                                        </p:tgtEl>
+                                        <p:attrNameLst>
+                                          <p:attrName>style.visibility</p:attrName>
+                                        </p:attrNameLst>
+                                      </p:cBhvr>
+                                      <p:to>
+                                        <p:strVal val="hidden"/>
+                                      </p:to>
+                                    </p:set>
+                                  </p:childTnLst>
+                                </p:cTn>
+                              </p:par>
+                              <p:par>
+                                <p:cTn id="17" presetID="1" presetClass="entr" presetSubtype="0" fill="hold" nodeType="withEffect">
+                                  <p:stCondLst>
+                                    <p:cond delay="0"/>
+                                  </p:stCondLst>
+                                  <p:childTnLst>
+                                    <p:set>
+                                      <p:cBhvr>
+                                        <p:cTn id="18" dur="1" fill="hold">
+                                          <p:stCondLst>
+                                            <p:cond delay="0"/>
+                                          </p:stCondLst>
+                                        </p:cTn>
+                                        <p:tgtEl>
+                                          <p:spTgt spid="36"/>
+                                        </p:tgtEl>
+                                        <p:attrNameLst>
+                                          <p:attrName>style.visibility</p:attrName>
+                                        </p:attrNameLst>
+                                      </p:cBhvr>
+                                      <p:to>
+                                        <p:strVal val="visible"/>
+                                      </p:to>
+                                    </p:set>
+                                  </p:childTnLst>
+                                </p:cTn>
+                              </p:par>
+                            </p:childTnLst>
+                          </p:cTn>
+                        </p:par>
+                      </p:childTnLst>
+                    </p:cTn>
+                  </p:par>
+                  <p:par>
+                    <p:cTn id="19" fill="hold">
+                      <p:stCondLst>
+                        <p:cond delay="indefinite"/>
+                      </p:stCondLst>
+                      <p:childTnLst>
+                        <p:par>
+                          <p:cTn id="20" fill="hold">
+                            <p:stCondLst>
+                              <p:cond delay="0"/>
+                            </p:stCondLst>
+                            <p:childTnLst>
+                              <p:par>
+                                <p:cTn id="21" presetID="1" presetClass="exit" presetSubtype="0" fill="hold" nodeType="clickEffect">
+                                  <p:stCondLst>
+                                    <p:cond delay="0"/>
+                                  </p:stCondLst>
+                                  <p:childTnLst>
+                                    <p:set>
+                                      <p:cBhvr>
+                                        <p:cTn id="22" dur="1" fill="hold">
+                                          <p:stCondLst>
+                                            <p:cond delay="0"/>
+                                          </p:stCondLst>
+                                        </p:cTn>
+                                        <p:tgtEl>
+                                          <p:spTgt spid="36"/>
+                                        </p:tgtEl>
+                                        <p:attrNameLst>
+                                          <p:attrName>style.visibility</p:attrName>
+                                        </p:attrNameLst>
+                                      </p:cBhvr>
+                                      <p:to>
+                                        <p:strVal val="hidden"/>
+                                      </p:to>
+                                    </p:set>
+                                  </p:childTnLst>
+                                </p:cTn>
+                              </p:par>
+                              <p:par>
+                                <p:cTn id="23" presetID="1" presetClass="entr" presetSubtype="0" fill="hold" nodeType="withEffect">
+                                  <p:stCondLst>
+                                    <p:cond delay="0"/>
+                                  </p:stCondLst>
+                                  <p:childTnLst>
+                                    <p:set>
+                                      <p:cBhvr>
+                                        <p:cTn id="24" dur="1" fill="hold">
+                                          <p:stCondLst>
+                                            <p:cond delay="0"/>
+                                          </p:stCondLst>
+                                        </p:cTn>
+                                        <p:tgtEl>
+                                          <p:spTgt spid="41"/>
+                                        </p:tgtEl>
+                                        <p:attrNameLst>
+                                          <p:attrName>style.visibility</p:attrName>
+                                        </p:attrNameLst>
+                                      </p:cBhvr>
+                                      <p:to>
+                                        <p:strVal val="visible"/>
+                                      </p:to>
+                                    </p:set>
+                                  </p:childTnLst>
+                                </p:cTn>
+                              </p:par>
+                            </p:childTnLst>
+                          </p:cTn>
+                        </p:par>
+                      </p:childTnLst>
+                    </p:cTn>
+                  </p:par>
+                  <p:par>
+                    <p:cTn id="25" fill="hold">
+                      <p:stCondLst>
+                        <p:cond delay="indefinite"/>
+                      </p:stCondLst>
+                      <p:childTnLst>
+                        <p:par>
+                          <p:cTn id="26" fill="hold">
+                            <p:stCondLst>
+                              <p:cond delay="0"/>
+                            </p:stCondLst>
+                            <p:childTnLst>
+                              <p:par>
+                                <p:cTn id="27" presetID="1" presetClass="exit" presetSubtype="0" fill="hold" nodeType="clickEffect">
+                                  <p:stCondLst>
+                                    <p:cond delay="0"/>
+                                  </p:stCondLst>
+                                  <p:childTnLst>
+                                    <p:set>
+                                      <p:cBhvr>
+                                        <p:cTn id="28" dur="1" fill="hold">
+                                          <p:stCondLst>
+                                            <p:cond delay="0"/>
+                                          </p:stCondLst>
+                                        </p:cTn>
+                                        <p:tgtEl>
+                                          <p:spTgt spid="41"/>
+                                        </p:tgtEl>
+                                        <p:attrNameLst>
+                                          <p:attrName>style.visibility</p:attrName>
+                                        </p:attrNameLst>
+                                      </p:cBhvr>
+                                      <p:to>
+                                        <p:strVal val="hidden"/>
+                                      </p:to>
+                                    </p:set>
+                                  </p:childTnLst>
+                                </p:cTn>
+                              </p:par>
+                            </p:childTnLst>
+                          </p:cTn>
+                        </p:par>
+                      </p:childTnLst>
+                    </p:cTn>
+                  </p:par>
+                </p:childTnLst>
+              </p:cTn>
+              <p:prevCondLst>
+                <p:cond evt="onPrev" delay="0">
+                  <p:tgtEl>
+                    <p:sldTgt/>
+                  </p:tgtEl>
+                </p:cond>
+              </p:prevCondLst>
+              <p:nextCondLst>
+                <p:cond evt="onNext" delay="0">
+                  <p:tgtEl>
+                    <p:sldTgt/>
+                  </p:tgtEl>
+                </p:cond>
+              </p:nextCondLst>
+            </p:seq>
+          </p:childTnLst>
+        </p:cTn>
+      </p:par>
+    </p:tnLst>
+  </p:timing>
 </p:sld>
 </file>
 
